--- a/slide.pptx
+++ b/slide.pptx
@@ -531,7 +531,7 @@
           <a:p>
             <a:fld id="{63937D59-5EDB-4C39-B697-625748F703B6}" type="datetimeFigureOut">
               <a:rPr lang="en-US" smtClean="0"/>
-              <a:t>17-09-2018</a:t>
+              <a:t>19-09-2018</a:t>
             </a:fld>
             <a:endParaRPr lang="en-US"/>
           </a:p>
@@ -648,7 +648,7 @@
           <a:p>
             <a:fld id="{63937D59-5EDB-4C39-B697-625748F703B6}" type="datetimeFigureOut">
               <a:rPr lang="en-US" smtClean="0"/>
-              <a:t>17-09-2018</a:t>
+              <a:t>19-09-2018</a:t>
             </a:fld>
             <a:endParaRPr lang="en-US"/>
           </a:p>
@@ -743,7 +743,7 @@
           <a:p>
             <a:fld id="{63937D59-5EDB-4C39-B697-625748F703B6}" type="datetimeFigureOut">
               <a:rPr lang="en-US" smtClean="0"/>
-              <a:t>17-09-2018</a:t>
+              <a:t>19-09-2018</a:t>
             </a:fld>
             <a:endParaRPr lang="en-US"/>
           </a:p>
@@ -1018,7 +1018,7 @@
           <a:p>
             <a:fld id="{63937D59-5EDB-4C39-B697-625748F703B6}" type="datetimeFigureOut">
               <a:rPr lang="en-US" smtClean="0"/>
-              <a:t>17-09-2018</a:t>
+              <a:t>19-09-2018</a:t>
             </a:fld>
             <a:endParaRPr lang="en-US"/>
           </a:p>
@@ -1270,7 +1270,7 @@
           <a:p>
             <a:fld id="{63937D59-5EDB-4C39-B697-625748F703B6}" type="datetimeFigureOut">
               <a:rPr lang="en-US" smtClean="0"/>
-              <a:t>17-09-2018</a:t>
+              <a:t>19-09-2018</a:t>
             </a:fld>
             <a:endParaRPr lang="en-US"/>
           </a:p>
@@ -1438,7 +1438,7 @@
           <a:p>
             <a:fld id="{63937D59-5EDB-4C39-B697-625748F703B6}" type="datetimeFigureOut">
               <a:rPr lang="en-US" smtClean="0"/>
-              <a:t>17-09-2018</a:t>
+              <a:t>19-09-2018</a:t>
             </a:fld>
             <a:endParaRPr lang="en-US"/>
           </a:p>
@@ -1616,7 +1616,7 @@
           <a:p>
             <a:fld id="{63937D59-5EDB-4C39-B697-625748F703B6}" type="datetimeFigureOut">
               <a:rPr lang="en-US" smtClean="0"/>
-              <a:t>17-09-2018</a:t>
+              <a:t>19-09-2018</a:t>
             </a:fld>
             <a:endParaRPr lang="en-US"/>
           </a:p>
@@ -2626,7 +2626,7 @@
           <a:p>
             <a:fld id="{63937D59-5EDB-4C39-B697-625748F703B6}" type="datetimeFigureOut">
               <a:rPr lang="en-US" smtClean="0"/>
-              <a:t>17-09-2018</a:t>
+              <a:t>19-09-2018</a:t>
             </a:fld>
             <a:endParaRPr lang="en-US"/>
           </a:p>
@@ -2794,7 +2794,7 @@
           <a:p>
             <a:fld id="{63937D59-5EDB-4C39-B697-625748F703B6}" type="datetimeFigureOut">
               <a:rPr lang="en-US" smtClean="0"/>
-              <a:t>17-09-2018</a:t>
+              <a:t>19-09-2018</a:t>
             </a:fld>
             <a:endParaRPr lang="en-US"/>
           </a:p>
@@ -3039,7 +3039,7 @@
           <a:p>
             <a:fld id="{63937D59-5EDB-4C39-B697-625748F703B6}" type="datetimeFigureOut">
               <a:rPr lang="en-US" smtClean="0"/>
-              <a:t>17-09-2018</a:t>
+              <a:t>19-09-2018</a:t>
             </a:fld>
             <a:endParaRPr lang="en-US"/>
           </a:p>
@@ -3324,7 +3324,7 @@
           <a:p>
             <a:fld id="{63937D59-5EDB-4C39-B697-625748F703B6}" type="datetimeFigureOut">
               <a:rPr lang="en-US" smtClean="0"/>
-              <a:t>17-09-2018</a:t>
+              <a:t>19-09-2018</a:t>
             </a:fld>
             <a:endParaRPr lang="en-US"/>
           </a:p>
@@ -3828,7 +3828,7 @@
           <a:p>
             <a:fld id="{63937D59-5EDB-4C39-B697-625748F703B6}" type="datetimeFigureOut">
               <a:rPr lang="en-US" smtClean="0"/>
-              <a:t>17-09-2018</a:t>
+              <a:t>19-09-2018</a:t>
             </a:fld>
             <a:endParaRPr lang="en-US"/>
           </a:p>
@@ -7979,98 +7979,6 @@
       </p:grpSpPr>
       <p:sp>
         <p:nvSpPr>
-          <p:cNvPr id="2" name="Content Placeholder 1"/>
-          <p:cNvSpPr>
-            <a:spLocks noGrp="1"/>
-          </p:cNvSpPr>
-          <p:nvPr>
-            <p:ph idx="1"/>
-          </p:nvPr>
-        </p:nvSpPr>
-        <p:spPr/>
-        <p:txBody>
-          <a:bodyPr/>
-          <a:lstStyle/>
-          <a:p>
-            <a:r>
-              <a:rPr lang="en-US" altLang="ko-KR" b="1" dirty="0"/>
-              <a:t>Click to edit text styles </a:t>
-            </a:r>
-            <a:r>
-              <a:rPr lang="en-US" b="1" dirty="0">
-                <a:latin typeface="Arial" pitchFamily="34" charset="0"/>
-                <a:cs typeface="Arial" pitchFamily="34" charset="0"/>
-              </a:rPr>
-              <a:t>- Widescreen(16:9)</a:t>
-            </a:r>
-          </a:p>
-        </p:txBody>
-      </p:sp>
-      <p:sp>
-        <p:nvSpPr>
-          <p:cNvPr id="5" name="Content Placeholder 4"/>
-          <p:cNvSpPr>
-            <a:spLocks noGrp="1"/>
-          </p:cNvSpPr>
-          <p:nvPr>
-            <p:ph idx="10"/>
-          </p:nvPr>
-        </p:nvSpPr>
-        <p:spPr/>
-        <p:txBody>
-          <a:bodyPr/>
-          <a:lstStyle/>
-          <a:p>
-            <a:r>
-              <a:rPr lang="en-US" altLang="ko-KR" dirty="0">
-                <a:latin typeface="Arial" pitchFamily="34" charset="0"/>
-                <a:cs typeface="Arial" pitchFamily="34" charset="0"/>
-              </a:rPr>
-              <a:t>This PowerPoint Template has clean and neutral design that can be adapted to any content and meets various market segments. With this many slides you are able to make a complete PowerPoint Presentation that best suit your needs. </a:t>
-            </a:r>
-          </a:p>
-          <a:p>
-            <a:pPr>
-              <a:buFont typeface="Wingdings" pitchFamily="2" charset="2"/>
-              <a:buChar char="ü"/>
-            </a:pPr>
-            <a:endParaRPr lang="en-US" altLang="ko-KR" dirty="0">
-              <a:latin typeface="Arial" pitchFamily="34" charset="0"/>
-              <a:cs typeface="Arial" pitchFamily="34" charset="0"/>
-            </a:endParaRPr>
-          </a:p>
-          <a:p>
-            <a:r>
-              <a:rPr lang="en-US" altLang="ko-KR" dirty="0">
-                <a:latin typeface="Arial" pitchFamily="34" charset="0"/>
-                <a:cs typeface="Arial" pitchFamily="34" charset="0"/>
-              </a:rPr>
-              <a:t>This PowerPoint Template has clean and neutral design that can be adapted to any content and meets various market segments. With this many slides you are able to make a complete PowerPoint Presentation that best suit your needs.</a:t>
-            </a:r>
-          </a:p>
-          <a:p>
-            <a:endParaRPr lang="en-US" altLang="ko-KR" dirty="0">
-              <a:latin typeface="Arial" pitchFamily="34" charset="0"/>
-              <a:cs typeface="Arial" pitchFamily="34" charset="0"/>
-            </a:endParaRPr>
-          </a:p>
-          <a:p>
-            <a:r>
-              <a:rPr lang="en-US" altLang="ko-KR" dirty="0">
-                <a:latin typeface="Arial" pitchFamily="34" charset="0"/>
-                <a:cs typeface="Arial" pitchFamily="34" charset="0"/>
-              </a:rPr>
-              <a:t>This PowerPoint Template has clean and neutral design that can be adapted to any content and meets various market segments. With this many slides you are able to make a complete PowerPoint Presentation that best suit your needs.</a:t>
-            </a:r>
-            <a:endParaRPr lang="ko-KR" altLang="en-US" dirty="0">
-              <a:latin typeface="Arial" pitchFamily="34" charset="0"/>
-              <a:cs typeface="Arial" pitchFamily="34" charset="0"/>
-            </a:endParaRPr>
-          </a:p>
-        </p:txBody>
-      </p:sp>
-      <p:sp>
-        <p:nvSpPr>
           <p:cNvPr id="3" name="Title 2"/>
           <p:cNvSpPr>
             <a:spLocks noGrp="1"/>
@@ -8086,13 +7994,63 @@
           <a:p>
             <a:r>
               <a:rPr lang="en-US" dirty="0"/>
-              <a:t> </a:t>
+              <a:t> 	</a:t>
             </a:r>
             <a:r>
-              <a:rPr lang="en-US" altLang="ko-KR" dirty="0"/>
-              <a:t>Free PPT _ Click to add title</a:t>
+              <a:rPr lang="en-US" dirty="0" err="1"/>
+              <a:t>Functinal</a:t>
             </a:r>
             <a:endParaRPr lang="en-US" dirty="0"/>
+          </a:p>
+        </p:txBody>
+      </p:sp>
+      <p:sp>
+        <p:nvSpPr>
+          <p:cNvPr id="6" name="Content Placeholder 5">
+            <a:extLst>
+              <a:ext uri="{FF2B5EF4-FFF2-40B4-BE49-F238E27FC236}">
+                <a16:creationId xmlns:a16="http://schemas.microsoft.com/office/drawing/2014/main" id="{C4E2419E-AF6B-474C-A36B-E7B5315FD476}"/>
+              </a:ext>
+            </a:extLst>
+          </p:cNvPr>
+          <p:cNvSpPr>
+            <a:spLocks noGrp="1"/>
+          </p:cNvSpPr>
+          <p:nvPr>
+            <p:ph idx="1"/>
+          </p:nvPr>
+        </p:nvSpPr>
+        <p:spPr/>
+        <p:txBody>
+          <a:bodyPr/>
+          <a:lstStyle/>
+          <a:p>
+            <a:endParaRPr lang="en-US"/>
+          </a:p>
+        </p:txBody>
+      </p:sp>
+      <p:sp>
+        <p:nvSpPr>
+          <p:cNvPr id="8" name="Content Placeholder 7">
+            <a:extLst>
+              <a:ext uri="{FF2B5EF4-FFF2-40B4-BE49-F238E27FC236}">
+                <a16:creationId xmlns:a16="http://schemas.microsoft.com/office/drawing/2014/main" id="{91D2CD4C-210C-41D2-BB5A-C1EE858839CF}"/>
+              </a:ext>
+            </a:extLst>
+          </p:cNvPr>
+          <p:cNvSpPr>
+            <a:spLocks noGrp="1"/>
+          </p:cNvSpPr>
+          <p:nvPr>
+            <p:ph idx="10"/>
+          </p:nvPr>
+        </p:nvSpPr>
+        <p:spPr/>
+        <p:txBody>
+          <a:bodyPr/>
+          <a:lstStyle/>
+          <a:p>
+            <a:endParaRPr lang="en-US"/>
           </a:p>
         </p:txBody>
       </p:sp>

--- a/slide.pptx
+++ b/slide.pptx
@@ -4450,6 +4450,197 @@
           </a:extLst>
         </p:spPr>
       </p:pic>
+      <p:sp>
+        <p:nvSpPr>
+          <p:cNvPr id="7" name="TextBox 1">
+            <a:extLst>
+              <a:ext uri="{FF2B5EF4-FFF2-40B4-BE49-F238E27FC236}">
+                <a16:creationId xmlns:a16="http://schemas.microsoft.com/office/drawing/2014/main" id="{35C2F006-DF24-4E76-8374-648343ECEA73}"/>
+              </a:ext>
+            </a:extLst>
+          </p:cNvPr>
+          <p:cNvSpPr txBox="1">
+            <a:spLocks noChangeArrowheads="1"/>
+          </p:cNvSpPr>
+          <p:nvPr/>
+        </p:nvSpPr>
+        <p:spPr bwMode="auto">
+          <a:xfrm>
+            <a:off x="323528" y="4297179"/>
+            <a:ext cx="8568952" cy="292388"/>
+          </a:xfrm>
+          <a:prstGeom prst="rect">
+            <a:avLst/>
+          </a:prstGeom>
+          <a:noFill/>
+          <a:ln w="9525">
+            <a:noFill/>
+            <a:miter lim="800000"/>
+            <a:headEnd/>
+            <a:tailEnd/>
+          </a:ln>
+        </p:spPr>
+        <p:txBody>
+          <a:bodyPr wrap="square">
+            <a:spAutoFit/>
+          </a:bodyPr>
+          <a:lstStyle/>
+          <a:p>
+            <a:pPr algn="ctr"/>
+            <a:r>
+              <a:rPr lang="en-US" altLang="ko-KR" sz="1300" b="1" dirty="0" err="1">
+                <a:solidFill>
+                  <a:schemeClr val="tx1">
+                    <a:lumMod val="75000"/>
+                    <a:lumOff val="25000"/>
+                  </a:schemeClr>
+                </a:solidFill>
+                <a:latin typeface="Arial" pitchFamily="34" charset="0"/>
+                <a:ea typeface="맑은 고딕" pitchFamily="50" charset="-127"/>
+                <a:cs typeface="Arial" pitchFamily="34" charset="0"/>
+              </a:rPr>
+              <a:t>Gv</a:t>
+            </a:r>
+            <a:r>
+              <a:rPr lang="en-US" altLang="ko-KR" sz="1300" b="1" dirty="0">
+                <a:solidFill>
+                  <a:schemeClr val="tx1">
+                    <a:lumMod val="75000"/>
+                    <a:lumOff val="25000"/>
+                  </a:schemeClr>
+                </a:solidFill>
+                <a:latin typeface="Arial" pitchFamily="34" charset="0"/>
+                <a:ea typeface="맑은 고딕" pitchFamily="50" charset="-127"/>
+                <a:cs typeface="Arial" pitchFamily="34" charset="0"/>
+              </a:rPr>
+              <a:t> h</a:t>
+            </a:r>
+            <a:r>
+              <a:rPr lang="vi-VN" altLang="ko-KR" sz="1300" b="1" dirty="0">
+                <a:solidFill>
+                  <a:schemeClr val="tx1">
+                    <a:lumMod val="75000"/>
+                    <a:lumOff val="25000"/>
+                  </a:schemeClr>
+                </a:solidFill>
+                <a:latin typeface="Arial" pitchFamily="34" charset="0"/>
+                <a:ea typeface="맑은 고딕" pitchFamily="50" charset="-127"/>
+                <a:cs typeface="Arial" pitchFamily="34" charset="0"/>
+              </a:rPr>
+              <a:t>ư</a:t>
+            </a:r>
+            <a:r>
+              <a:rPr lang="en-US" altLang="ko-KR" sz="1300" b="1" dirty="0" err="1">
+                <a:solidFill>
+                  <a:schemeClr val="tx1">
+                    <a:lumMod val="75000"/>
+                    <a:lumOff val="25000"/>
+                  </a:schemeClr>
+                </a:solidFill>
+                <a:latin typeface="Arial" pitchFamily="34" charset="0"/>
+                <a:ea typeface="맑은 고딕" pitchFamily="50" charset="-127"/>
+                <a:cs typeface="Arial" pitchFamily="34" charset="0"/>
+              </a:rPr>
+              <a:t>ớng</a:t>
+            </a:r>
+            <a:r>
+              <a:rPr lang="en-US" altLang="ko-KR" sz="1300" b="1" dirty="0">
+                <a:solidFill>
+                  <a:schemeClr val="tx1">
+                    <a:lumMod val="75000"/>
+                    <a:lumOff val="25000"/>
+                  </a:schemeClr>
+                </a:solidFill>
+                <a:latin typeface="Arial" pitchFamily="34" charset="0"/>
+                <a:ea typeface="맑은 고딕" pitchFamily="50" charset="-127"/>
+                <a:cs typeface="Arial" pitchFamily="34" charset="0"/>
+              </a:rPr>
+              <a:t> </a:t>
+            </a:r>
+            <a:r>
+              <a:rPr lang="en-US" altLang="ko-KR" sz="1300" b="1" dirty="0" err="1">
+                <a:solidFill>
+                  <a:schemeClr val="tx1">
+                    <a:lumMod val="75000"/>
+                    <a:lumOff val="25000"/>
+                  </a:schemeClr>
+                </a:solidFill>
+                <a:latin typeface="Arial" pitchFamily="34" charset="0"/>
+                <a:ea typeface="맑은 고딕" pitchFamily="50" charset="-127"/>
+                <a:cs typeface="Arial" pitchFamily="34" charset="0"/>
+              </a:rPr>
+              <a:t>dẫn</a:t>
+            </a:r>
+            <a:r>
+              <a:rPr lang="en-US" altLang="ko-KR" sz="1300" b="1" dirty="0">
+                <a:solidFill>
+                  <a:schemeClr val="tx1">
+                    <a:lumMod val="75000"/>
+                    <a:lumOff val="25000"/>
+                  </a:schemeClr>
+                </a:solidFill>
+                <a:latin typeface="Arial" pitchFamily="34" charset="0"/>
+                <a:ea typeface="맑은 고딕" pitchFamily="50" charset="-127"/>
+                <a:cs typeface="Arial" pitchFamily="34" charset="0"/>
+              </a:rPr>
+              <a:t>: </a:t>
+            </a:r>
+            <a:r>
+              <a:rPr lang="en-US" altLang="ko-KR" sz="1300" b="1" dirty="0" err="1">
+                <a:solidFill>
+                  <a:schemeClr val="tx1">
+                    <a:lumMod val="75000"/>
+                    <a:lumOff val="25000"/>
+                  </a:schemeClr>
+                </a:solidFill>
+                <a:latin typeface="Arial" pitchFamily="34" charset="0"/>
+                <a:ea typeface="맑은 고딕" pitchFamily="50" charset="-127"/>
+                <a:cs typeface="Arial" pitchFamily="34" charset="0"/>
+              </a:rPr>
+              <a:t>Nguyễn</a:t>
+            </a:r>
+            <a:r>
+              <a:rPr lang="en-US" altLang="ko-KR" sz="1300" b="1" dirty="0">
+                <a:solidFill>
+                  <a:schemeClr val="tx1">
+                    <a:lumMod val="75000"/>
+                    <a:lumOff val="25000"/>
+                  </a:schemeClr>
+                </a:solidFill>
+                <a:latin typeface="Arial" pitchFamily="34" charset="0"/>
+                <a:ea typeface="맑은 고딕" pitchFamily="50" charset="-127"/>
+                <a:cs typeface="Arial" pitchFamily="34" charset="0"/>
+              </a:rPr>
+              <a:t> Thanh </a:t>
+            </a:r>
+            <a:r>
+              <a:rPr lang="en-US" altLang="ko-KR" sz="1300" b="1" dirty="0" err="1">
+                <a:solidFill>
+                  <a:schemeClr val="tx1">
+                    <a:lumMod val="75000"/>
+                    <a:lumOff val="25000"/>
+                  </a:schemeClr>
+                </a:solidFill>
+                <a:latin typeface="Arial" pitchFamily="34" charset="0"/>
+                <a:ea typeface="맑은 고딕" pitchFamily="50" charset="-127"/>
+                <a:cs typeface="Arial" pitchFamily="34" charset="0"/>
+              </a:rPr>
+              <a:t>Phong</a:t>
+            </a:r>
+            <a:endParaRPr lang="en-US" altLang="ko-KR" sz="1300" b="1" dirty="0">
+              <a:solidFill>
+                <a:schemeClr val="tx1">
+                  <a:lumMod val="75000"/>
+                  <a:lumOff val="25000"/>
+                </a:schemeClr>
+              </a:solidFill>
+              <a:latin typeface="Arial" pitchFamily="34" charset="0"/>
+              <a:ea typeface="맑은 고딕" pitchFamily="50" charset="-127"/>
+              <a:cs typeface="Arial" pitchFamily="34" charset="0"/>
+            </a:endParaRPr>
+          </a:p>
+        </p:txBody>
+      </p:sp>
     </p:spTree>
     <p:extLst>
       <p:ext uri="{BB962C8B-B14F-4D97-AF65-F5344CB8AC3E}">

--- a/slide.pptx
+++ b/slide.pptx
@@ -10,8 +10,12 @@
     <p:sldId id="262" r:id="rId4"/>
     <p:sldId id="261" r:id="rId5"/>
     <p:sldId id="257" r:id="rId6"/>
-    <p:sldId id="259" r:id="rId7"/>
-    <p:sldId id="260" r:id="rId8"/>
+    <p:sldId id="263" r:id="rId7"/>
+    <p:sldId id="264" r:id="rId8"/>
+    <p:sldId id="265" r:id="rId9"/>
+    <p:sldId id="266" r:id="rId10"/>
+    <p:sldId id="267" r:id="rId11"/>
+    <p:sldId id="260" r:id="rId12"/>
   </p:sldIdLst>
   <p:sldSz cx="9144000" cy="5143500" type="screen16x9"/>
   <p:notesSz cx="6858000" cy="9144000"/>
@@ -531,7 +535,7 @@
           <a:p>
             <a:fld id="{63937D59-5EDB-4C39-B697-625748F703B6}" type="datetimeFigureOut">
               <a:rPr lang="en-US" smtClean="0"/>
-              <a:t>19-09-2018</a:t>
+              <a:t>24-09-2018</a:t>
             </a:fld>
             <a:endParaRPr lang="en-US"/>
           </a:p>
@@ -648,7 +652,7 @@
           <a:p>
             <a:fld id="{63937D59-5EDB-4C39-B697-625748F703B6}" type="datetimeFigureOut">
               <a:rPr lang="en-US" smtClean="0"/>
-              <a:t>19-09-2018</a:t>
+              <a:t>24-09-2018</a:t>
             </a:fld>
             <a:endParaRPr lang="en-US"/>
           </a:p>
@@ -743,7 +747,7 @@
           <a:p>
             <a:fld id="{63937D59-5EDB-4C39-B697-625748F703B6}" type="datetimeFigureOut">
               <a:rPr lang="en-US" smtClean="0"/>
-              <a:t>19-09-2018</a:t>
+              <a:t>24-09-2018</a:t>
             </a:fld>
             <a:endParaRPr lang="en-US"/>
           </a:p>
@@ -1018,7 +1022,7 @@
           <a:p>
             <a:fld id="{63937D59-5EDB-4C39-B697-625748F703B6}" type="datetimeFigureOut">
               <a:rPr lang="en-US" smtClean="0"/>
-              <a:t>19-09-2018</a:t>
+              <a:t>24-09-2018</a:t>
             </a:fld>
             <a:endParaRPr lang="en-US"/>
           </a:p>
@@ -1270,7 +1274,7 @@
           <a:p>
             <a:fld id="{63937D59-5EDB-4C39-B697-625748F703B6}" type="datetimeFigureOut">
               <a:rPr lang="en-US" smtClean="0"/>
-              <a:t>19-09-2018</a:t>
+              <a:t>24-09-2018</a:t>
             </a:fld>
             <a:endParaRPr lang="en-US"/>
           </a:p>
@@ -1438,7 +1442,7 @@
           <a:p>
             <a:fld id="{63937D59-5EDB-4C39-B697-625748F703B6}" type="datetimeFigureOut">
               <a:rPr lang="en-US" smtClean="0"/>
-              <a:t>19-09-2018</a:t>
+              <a:t>24-09-2018</a:t>
             </a:fld>
             <a:endParaRPr lang="en-US"/>
           </a:p>
@@ -1616,7 +1620,7 @@
           <a:p>
             <a:fld id="{63937D59-5EDB-4C39-B697-625748F703B6}" type="datetimeFigureOut">
               <a:rPr lang="en-US" smtClean="0"/>
-              <a:t>19-09-2018</a:t>
+              <a:t>24-09-2018</a:t>
             </a:fld>
             <a:endParaRPr lang="en-US"/>
           </a:p>
@@ -2626,7 +2630,7 @@
           <a:p>
             <a:fld id="{63937D59-5EDB-4C39-B697-625748F703B6}" type="datetimeFigureOut">
               <a:rPr lang="en-US" smtClean="0"/>
-              <a:t>19-09-2018</a:t>
+              <a:t>24-09-2018</a:t>
             </a:fld>
             <a:endParaRPr lang="en-US"/>
           </a:p>
@@ -2794,7 +2798,7 @@
           <a:p>
             <a:fld id="{63937D59-5EDB-4C39-B697-625748F703B6}" type="datetimeFigureOut">
               <a:rPr lang="en-US" smtClean="0"/>
-              <a:t>19-09-2018</a:t>
+              <a:t>24-09-2018</a:t>
             </a:fld>
             <a:endParaRPr lang="en-US"/>
           </a:p>
@@ -3039,7 +3043,7 @@
           <a:p>
             <a:fld id="{63937D59-5EDB-4C39-B697-625748F703B6}" type="datetimeFigureOut">
               <a:rPr lang="en-US" smtClean="0"/>
-              <a:t>19-09-2018</a:t>
+              <a:t>24-09-2018</a:t>
             </a:fld>
             <a:endParaRPr lang="en-US"/>
           </a:p>
@@ -3324,7 +3328,7 @@
           <a:p>
             <a:fld id="{63937D59-5EDB-4C39-B697-625748F703B6}" type="datetimeFigureOut">
               <a:rPr lang="en-US" smtClean="0"/>
-              <a:t>19-09-2018</a:t>
+              <a:t>24-09-2018</a:t>
             </a:fld>
             <a:endParaRPr lang="en-US"/>
           </a:p>
@@ -3828,7 +3832,7 @@
           <a:p>
             <a:fld id="{63937D59-5EDB-4C39-B697-625748F703B6}" type="datetimeFigureOut">
               <a:rPr lang="en-US" smtClean="0"/>
-              <a:t>19-09-2018</a:t>
+              <a:t>24-09-2018</a:t>
             </a:fld>
             <a:endParaRPr lang="en-US"/>
           </a:p>
@@ -4488,7 +4492,7 @@
           <a:p>
             <a:pPr algn="ctr"/>
             <a:r>
-              <a:rPr lang="en-US" altLang="ko-KR" sz="1300" b="1" dirty="0" err="1">
+              <a:rPr lang="en-US" altLang="ko-KR" sz="1300" b="1" dirty="0">
                 <a:solidFill>
                   <a:schemeClr val="tx1">
                     <a:lumMod val="75000"/>
@@ -4499,91 +4503,7 @@
                 <a:ea typeface="맑은 고딕" pitchFamily="50" charset="-127"/>
                 <a:cs typeface="Arial" pitchFamily="34" charset="0"/>
               </a:rPr>
-              <a:t>Gv</a:t>
-            </a:r>
-            <a:r>
-              <a:rPr lang="en-US" altLang="ko-KR" sz="1300" b="1" dirty="0">
-                <a:solidFill>
-                  <a:schemeClr val="tx1">
-                    <a:lumMod val="75000"/>
-                    <a:lumOff val="25000"/>
-                  </a:schemeClr>
-                </a:solidFill>
-                <a:latin typeface="Arial" pitchFamily="34" charset="0"/>
-                <a:ea typeface="맑은 고딕" pitchFamily="50" charset="-127"/>
-                <a:cs typeface="Arial" pitchFamily="34" charset="0"/>
-              </a:rPr>
-              <a:t> h</a:t>
-            </a:r>
-            <a:r>
-              <a:rPr lang="vi-VN" altLang="ko-KR" sz="1300" b="1" dirty="0">
-                <a:solidFill>
-                  <a:schemeClr val="tx1">
-                    <a:lumMod val="75000"/>
-                    <a:lumOff val="25000"/>
-                  </a:schemeClr>
-                </a:solidFill>
-                <a:latin typeface="Arial" pitchFamily="34" charset="0"/>
-                <a:ea typeface="맑은 고딕" pitchFamily="50" charset="-127"/>
-                <a:cs typeface="Arial" pitchFamily="34" charset="0"/>
-              </a:rPr>
-              <a:t>ư</a:t>
-            </a:r>
-            <a:r>
-              <a:rPr lang="en-US" altLang="ko-KR" sz="1300" b="1" dirty="0" err="1">
-                <a:solidFill>
-                  <a:schemeClr val="tx1">
-                    <a:lumMod val="75000"/>
-                    <a:lumOff val="25000"/>
-                  </a:schemeClr>
-                </a:solidFill>
-                <a:latin typeface="Arial" pitchFamily="34" charset="0"/>
-                <a:ea typeface="맑은 고딕" pitchFamily="50" charset="-127"/>
-                <a:cs typeface="Arial" pitchFamily="34" charset="0"/>
-              </a:rPr>
-              <a:t>ớng</a:t>
-            </a:r>
-            <a:r>
-              <a:rPr lang="en-US" altLang="ko-KR" sz="1300" b="1" dirty="0">
-                <a:solidFill>
-                  <a:schemeClr val="tx1">
-                    <a:lumMod val="75000"/>
-                    <a:lumOff val="25000"/>
-                  </a:schemeClr>
-                </a:solidFill>
-                <a:latin typeface="Arial" pitchFamily="34" charset="0"/>
-                <a:ea typeface="맑은 고딕" pitchFamily="50" charset="-127"/>
-                <a:cs typeface="Arial" pitchFamily="34" charset="0"/>
-              </a:rPr>
-              <a:t> </a:t>
-            </a:r>
-            <a:r>
-              <a:rPr lang="en-US" altLang="ko-KR" sz="1300" b="1" dirty="0" err="1">
-                <a:solidFill>
-                  <a:schemeClr val="tx1">
-                    <a:lumMod val="75000"/>
-                    <a:lumOff val="25000"/>
-                  </a:schemeClr>
-                </a:solidFill>
-                <a:latin typeface="Arial" pitchFamily="34" charset="0"/>
-                <a:ea typeface="맑은 고딕" pitchFamily="50" charset="-127"/>
-                <a:cs typeface="Arial" pitchFamily="34" charset="0"/>
-              </a:rPr>
-              <a:t>dẫn</a:t>
-            </a:r>
-            <a:r>
-              <a:rPr lang="en-US" altLang="ko-KR" sz="1300" b="1" dirty="0">
-                <a:solidFill>
-                  <a:schemeClr val="tx1">
-                    <a:lumMod val="75000"/>
-                    <a:lumOff val="25000"/>
-                  </a:schemeClr>
-                </a:solidFill>
-                <a:latin typeface="Arial" pitchFamily="34" charset="0"/>
-                <a:ea typeface="맑은 고딕" pitchFamily="50" charset="-127"/>
-                <a:cs typeface="Arial" pitchFamily="34" charset="0"/>
-              </a:rPr>
-              <a:t>: </a:t>
+              <a:t>Lecturers: </a:t>
             </a:r>
             <a:r>
               <a:rPr lang="en-US" altLang="ko-KR" sz="1300" b="1" dirty="0" err="1">
@@ -4641,10 +4561,2127 @@
           </a:p>
         </p:txBody>
       </p:sp>
+      <p:sp>
+        <p:nvSpPr>
+          <p:cNvPr id="6" name="TextBox 1">
+            <a:extLst>
+              <a:ext uri="{FF2B5EF4-FFF2-40B4-BE49-F238E27FC236}">
+                <a16:creationId xmlns:a16="http://schemas.microsoft.com/office/drawing/2014/main" id="{3BD24C25-702B-490B-8249-48AE1658EBEE}"/>
+              </a:ext>
+            </a:extLst>
+          </p:cNvPr>
+          <p:cNvSpPr txBox="1">
+            <a:spLocks noChangeArrowheads="1"/>
+          </p:cNvSpPr>
+          <p:nvPr/>
+        </p:nvSpPr>
+        <p:spPr bwMode="auto">
+          <a:xfrm>
+            <a:off x="467544" y="2789568"/>
+            <a:ext cx="3240360" cy="338554"/>
+          </a:xfrm>
+          <a:prstGeom prst="rect">
+            <a:avLst/>
+          </a:prstGeom>
+          <a:noFill/>
+          <a:ln w="9525">
+            <a:noFill/>
+            <a:miter lim="800000"/>
+            <a:headEnd/>
+            <a:tailEnd/>
+          </a:ln>
+        </p:spPr>
+        <p:txBody>
+          <a:bodyPr wrap="square">
+            <a:spAutoFit/>
+          </a:bodyPr>
+          <a:lstStyle/>
+          <a:p>
+            <a:pPr algn="ctr"/>
+            <a:r>
+              <a:rPr lang="en-US" altLang="ko-KR" sz="1600" u="sng" dirty="0">
+                <a:solidFill>
+                  <a:schemeClr val="tx1">
+                    <a:lumMod val="75000"/>
+                    <a:lumOff val="25000"/>
+                  </a:schemeClr>
+                </a:solidFill>
+                <a:latin typeface="Arial" pitchFamily="34" charset="0"/>
+                <a:ea typeface="맑은 고딕" pitchFamily="50" charset="-127"/>
+                <a:cs typeface="Arial" pitchFamily="34" charset="0"/>
+              </a:rPr>
+              <a:t>Android App</a:t>
+            </a:r>
+          </a:p>
+        </p:txBody>
+      </p:sp>
     </p:spTree>
     <p:extLst>
       <p:ext uri="{BB962C8B-B14F-4D97-AF65-F5344CB8AC3E}">
         <p14:creationId xmlns:p14="http://schemas.microsoft.com/office/powerpoint/2010/main" val="303447833"/>
+      </p:ext>
+    </p:extLst>
+  </p:cSld>
+  <p:clrMapOvr>
+    <a:masterClrMapping/>
+  </p:clrMapOvr>
+</p:sld>
+</file>
+
+<file path=ppt/slides/slide10.xml><?xml version="1.0" encoding="utf-8"?>
+<p:sld xmlns:a="http://schemas.openxmlformats.org/drawingml/2006/main" xmlns:r="http://schemas.openxmlformats.org/officeDocument/2006/relationships" xmlns:p="http://schemas.openxmlformats.org/presentationml/2006/main" show="0">
+  <p:cSld>
+    <p:spTree>
+      <p:nvGrpSpPr>
+        <p:cNvPr id="1" name=""/>
+        <p:cNvGrpSpPr/>
+        <p:nvPr/>
+      </p:nvGrpSpPr>
+      <p:grpSpPr>
+        <a:xfrm>
+          <a:off x="0" y="0"/>
+          <a:ext cx="0" cy="0"/>
+          <a:chOff x="0" y="0"/>
+          <a:chExt cx="0" cy="0"/>
+        </a:xfrm>
+      </p:grpSpPr>
+      <p:sp>
+        <p:nvSpPr>
+          <p:cNvPr id="4" name="Title 3"/>
+          <p:cNvSpPr>
+            <a:spLocks noGrp="1"/>
+          </p:cNvSpPr>
+          <p:nvPr>
+            <p:ph type="title"/>
+          </p:nvPr>
+        </p:nvSpPr>
+        <p:spPr/>
+        <p:txBody>
+          <a:bodyPr>
+            <a:normAutofit fontScale="90000"/>
+          </a:bodyPr>
+          <a:lstStyle/>
+          <a:p>
+            <a:r>
+              <a:rPr lang="en-US" dirty="0"/>
+              <a:t>Free PPT Templates: Allppt.com</a:t>
+            </a:r>
+          </a:p>
+        </p:txBody>
+      </p:sp>
+      <p:sp>
+        <p:nvSpPr>
+          <p:cNvPr id="53" name="Text Placeholder 52"/>
+          <p:cNvSpPr>
+            <a:spLocks noGrp="1"/>
+          </p:cNvSpPr>
+          <p:nvPr>
+            <p:ph type="body" sz="quarter" idx="41"/>
+          </p:nvPr>
+        </p:nvSpPr>
+        <p:spPr/>
+        <p:txBody>
+          <a:bodyPr/>
+          <a:lstStyle/>
+          <a:p>
+            <a:r>
+              <a:rPr lang="en-US" dirty="0"/>
+              <a:t>You can download professional PowerPoint diagrams for free</a:t>
+            </a:r>
+          </a:p>
+        </p:txBody>
+      </p:sp>
+      <p:sp>
+        <p:nvSpPr>
+          <p:cNvPr id="54" name="TextBox 53">
+            <a:extLst>
+              <a:ext uri="{FF2B5EF4-FFF2-40B4-BE49-F238E27FC236}">
+                <a16:creationId xmlns:a16="http://schemas.microsoft.com/office/drawing/2014/main" id="{B86476EE-9FD2-4CEA-A6D9-0AD39ADF3D03}"/>
+              </a:ext>
+            </a:extLst>
+          </p:cNvPr>
+          <p:cNvSpPr txBox="1"/>
+          <p:nvPr/>
+        </p:nvSpPr>
+        <p:spPr>
+          <a:xfrm>
+            <a:off x="0" y="4949820"/>
+            <a:ext cx="9144000" cy="207749"/>
+          </a:xfrm>
+          <a:prstGeom prst="rect">
+            <a:avLst/>
+          </a:prstGeom>
+          <a:noFill/>
+        </p:spPr>
+        <p:txBody>
+          <a:bodyPr wrap="square" rtlCol="0">
+            <a:spAutoFit/>
+          </a:bodyPr>
+          <a:lstStyle/>
+          <a:p>
+            <a:pPr algn="ctr"/>
+            <a:r>
+              <a:rPr lang="en-US" altLang="ko-KR" sz="750" dirty="0">
+                <a:solidFill>
+                  <a:schemeClr val="bg1"/>
+                </a:solidFill>
+                <a:hlinkClick r:id="rId2"/>
+              </a:rPr>
+              <a:t>www.free-powerpoint-templates-design.com</a:t>
+            </a:r>
+            <a:endParaRPr lang="ko-KR" altLang="en-US" sz="750" dirty="0">
+              <a:solidFill>
+                <a:schemeClr val="bg1"/>
+              </a:solidFill>
+            </a:endParaRPr>
+          </a:p>
+        </p:txBody>
+      </p:sp>
+      <p:cxnSp>
+        <p:nvCxnSpPr>
+          <p:cNvPr id="203" name="Straight Arrow Connector 3">
+            <a:extLst>
+              <a:ext uri="{FF2B5EF4-FFF2-40B4-BE49-F238E27FC236}">
+                <a16:creationId xmlns:a16="http://schemas.microsoft.com/office/drawing/2014/main" id="{6AC9633F-7D44-4B1C-AB17-62B27994448E}"/>
+              </a:ext>
+            </a:extLst>
+          </p:cNvPr>
+          <p:cNvCxnSpPr>
+            <a:cxnSpLocks/>
+          </p:cNvCxnSpPr>
+          <p:nvPr/>
+        </p:nvCxnSpPr>
+        <p:spPr>
+          <a:xfrm>
+            <a:off x="0" y="2210378"/>
+            <a:ext cx="9144000" cy="0"/>
+          </a:xfrm>
+          <a:prstGeom prst="straightConnector1">
+            <a:avLst/>
+          </a:prstGeom>
+          <a:ln w="25400">
+            <a:solidFill>
+              <a:schemeClr val="tx1">
+                <a:lumMod val="75000"/>
+                <a:lumOff val="25000"/>
+              </a:schemeClr>
+            </a:solidFill>
+            <a:prstDash val="sysDot"/>
+            <a:tailEnd type="none"/>
+          </a:ln>
+        </p:spPr>
+        <p:style>
+          <a:lnRef idx="1">
+            <a:schemeClr val="accent1"/>
+          </a:lnRef>
+          <a:fillRef idx="0">
+            <a:schemeClr val="accent1"/>
+          </a:fillRef>
+          <a:effectRef idx="0">
+            <a:schemeClr val="accent1"/>
+          </a:effectRef>
+          <a:fontRef idx="minor">
+            <a:schemeClr val="tx1"/>
+          </a:fontRef>
+        </p:style>
+      </p:cxnSp>
+      <p:sp>
+        <p:nvSpPr>
+          <p:cNvPr id="204" name="Oval 4">
+            <a:extLst>
+              <a:ext uri="{FF2B5EF4-FFF2-40B4-BE49-F238E27FC236}">
+                <a16:creationId xmlns:a16="http://schemas.microsoft.com/office/drawing/2014/main" id="{218F9278-03AE-431E-8E9F-7E7D6717932F}"/>
+              </a:ext>
+            </a:extLst>
+          </p:cNvPr>
+          <p:cNvSpPr/>
+          <p:nvPr/>
+        </p:nvSpPr>
+        <p:spPr>
+          <a:xfrm>
+            <a:off x="961199" y="1784115"/>
+            <a:ext cx="810000" cy="810000"/>
+          </a:xfrm>
+          <a:prstGeom prst="ellipse">
+            <a:avLst/>
+          </a:prstGeom>
+          <a:solidFill>
+            <a:schemeClr val="accent1"/>
+          </a:solidFill>
+          <a:ln>
+            <a:solidFill>
+              <a:schemeClr val="tx1">
+                <a:lumMod val="75000"/>
+                <a:lumOff val="25000"/>
+              </a:schemeClr>
+            </a:solidFill>
+          </a:ln>
+        </p:spPr>
+        <p:style>
+          <a:lnRef idx="2">
+            <a:schemeClr val="accent1">
+              <a:shade val="50000"/>
+            </a:schemeClr>
+          </a:lnRef>
+          <a:fillRef idx="1">
+            <a:schemeClr val="accent1"/>
+          </a:fillRef>
+          <a:effectRef idx="0">
+            <a:schemeClr val="accent1"/>
+          </a:effectRef>
+          <a:fontRef idx="minor">
+            <a:schemeClr val="lt1"/>
+          </a:fontRef>
+        </p:style>
+        <p:txBody>
+          <a:bodyPr rtlCol="0" anchor="ctr"/>
+          <a:lstStyle/>
+          <a:p>
+            <a:pPr algn="ctr"/>
+            <a:endParaRPr lang="ko-KR" altLang="en-US" sz="1350">
+              <a:cs typeface="Arial" pitchFamily="34" charset="0"/>
+            </a:endParaRPr>
+          </a:p>
+        </p:txBody>
+      </p:sp>
+      <p:sp>
+        <p:nvSpPr>
+          <p:cNvPr id="205" name="Oval 6">
+            <a:extLst>
+              <a:ext uri="{FF2B5EF4-FFF2-40B4-BE49-F238E27FC236}">
+                <a16:creationId xmlns:a16="http://schemas.microsoft.com/office/drawing/2014/main" id="{9CC06844-5206-4DB8-91C3-174620026932}"/>
+              </a:ext>
+            </a:extLst>
+          </p:cNvPr>
+          <p:cNvSpPr/>
+          <p:nvPr/>
+        </p:nvSpPr>
+        <p:spPr>
+          <a:xfrm>
+            <a:off x="5237749" y="1784115"/>
+            <a:ext cx="810000" cy="810000"/>
+          </a:xfrm>
+          <a:prstGeom prst="ellipse">
+            <a:avLst/>
+          </a:prstGeom>
+          <a:solidFill>
+            <a:schemeClr val="accent3"/>
+          </a:solidFill>
+          <a:ln>
+            <a:solidFill>
+              <a:schemeClr val="tx1">
+                <a:lumMod val="75000"/>
+                <a:lumOff val="25000"/>
+              </a:schemeClr>
+            </a:solidFill>
+          </a:ln>
+        </p:spPr>
+        <p:style>
+          <a:lnRef idx="2">
+            <a:schemeClr val="accent1">
+              <a:shade val="50000"/>
+            </a:schemeClr>
+          </a:lnRef>
+          <a:fillRef idx="1">
+            <a:schemeClr val="accent1"/>
+          </a:fillRef>
+          <a:effectRef idx="0">
+            <a:schemeClr val="accent1"/>
+          </a:effectRef>
+          <a:fontRef idx="minor">
+            <a:schemeClr val="lt1"/>
+          </a:fontRef>
+        </p:style>
+        <p:txBody>
+          <a:bodyPr rtlCol="0" anchor="ctr"/>
+          <a:lstStyle/>
+          <a:p>
+            <a:pPr algn="ctr"/>
+            <a:endParaRPr lang="ko-KR" altLang="en-US" sz="1350">
+              <a:cs typeface="Arial" pitchFamily="34" charset="0"/>
+            </a:endParaRPr>
+          </a:p>
+        </p:txBody>
+      </p:sp>
+      <p:sp>
+        <p:nvSpPr>
+          <p:cNvPr id="206" name="Oval 7">
+            <a:extLst>
+              <a:ext uri="{FF2B5EF4-FFF2-40B4-BE49-F238E27FC236}">
+                <a16:creationId xmlns:a16="http://schemas.microsoft.com/office/drawing/2014/main" id="{41DB641F-F293-42B0-9B4F-3E745E61725E}"/>
+              </a:ext>
+            </a:extLst>
+          </p:cNvPr>
+          <p:cNvSpPr/>
+          <p:nvPr/>
+        </p:nvSpPr>
+        <p:spPr>
+          <a:xfrm>
+            <a:off x="7376024" y="1784115"/>
+            <a:ext cx="810000" cy="810000"/>
+          </a:xfrm>
+          <a:prstGeom prst="ellipse">
+            <a:avLst/>
+          </a:prstGeom>
+          <a:solidFill>
+            <a:schemeClr val="accent4"/>
+          </a:solidFill>
+          <a:ln>
+            <a:solidFill>
+              <a:schemeClr val="tx1">
+                <a:lumMod val="75000"/>
+                <a:lumOff val="25000"/>
+              </a:schemeClr>
+            </a:solidFill>
+          </a:ln>
+        </p:spPr>
+        <p:style>
+          <a:lnRef idx="2">
+            <a:schemeClr val="accent1">
+              <a:shade val="50000"/>
+            </a:schemeClr>
+          </a:lnRef>
+          <a:fillRef idx="1">
+            <a:schemeClr val="accent1"/>
+          </a:fillRef>
+          <a:effectRef idx="0">
+            <a:schemeClr val="accent1"/>
+          </a:effectRef>
+          <a:fontRef idx="minor">
+            <a:schemeClr val="lt1"/>
+          </a:fontRef>
+        </p:style>
+        <p:txBody>
+          <a:bodyPr rtlCol="0" anchor="ctr"/>
+          <a:lstStyle/>
+          <a:p>
+            <a:pPr algn="ctr"/>
+            <a:endParaRPr lang="ko-KR" altLang="en-US" sz="1350">
+              <a:cs typeface="Arial" pitchFamily="34" charset="0"/>
+            </a:endParaRPr>
+          </a:p>
+        </p:txBody>
+      </p:sp>
+      <p:sp>
+        <p:nvSpPr>
+          <p:cNvPr id="207" name="Oval 8">
+            <a:extLst>
+              <a:ext uri="{FF2B5EF4-FFF2-40B4-BE49-F238E27FC236}">
+                <a16:creationId xmlns:a16="http://schemas.microsoft.com/office/drawing/2014/main" id="{A42E2A86-F1A7-4976-A2DC-4BE8EA6E6F46}"/>
+              </a:ext>
+            </a:extLst>
+          </p:cNvPr>
+          <p:cNvSpPr/>
+          <p:nvPr/>
+        </p:nvSpPr>
+        <p:spPr>
+          <a:xfrm>
+            <a:off x="3099474" y="1784115"/>
+            <a:ext cx="810000" cy="810000"/>
+          </a:xfrm>
+          <a:prstGeom prst="ellipse">
+            <a:avLst/>
+          </a:prstGeom>
+          <a:solidFill>
+            <a:schemeClr val="accent2"/>
+          </a:solidFill>
+          <a:ln>
+            <a:solidFill>
+              <a:schemeClr val="tx1">
+                <a:lumMod val="75000"/>
+                <a:lumOff val="25000"/>
+              </a:schemeClr>
+            </a:solidFill>
+          </a:ln>
+        </p:spPr>
+        <p:style>
+          <a:lnRef idx="2">
+            <a:schemeClr val="accent1">
+              <a:shade val="50000"/>
+            </a:schemeClr>
+          </a:lnRef>
+          <a:fillRef idx="1">
+            <a:schemeClr val="accent1"/>
+          </a:fillRef>
+          <a:effectRef idx="0">
+            <a:schemeClr val="accent1"/>
+          </a:effectRef>
+          <a:fontRef idx="minor">
+            <a:schemeClr val="lt1"/>
+          </a:fontRef>
+        </p:style>
+        <p:txBody>
+          <a:bodyPr rtlCol="0" anchor="ctr"/>
+          <a:lstStyle/>
+          <a:p>
+            <a:pPr algn="ctr"/>
+            <a:endParaRPr lang="ko-KR" altLang="en-US" sz="1350"/>
+          </a:p>
+        </p:txBody>
+      </p:sp>
+      <p:grpSp>
+        <p:nvGrpSpPr>
+          <p:cNvPr id="208" name="Group 9">
+            <a:extLst>
+              <a:ext uri="{FF2B5EF4-FFF2-40B4-BE49-F238E27FC236}">
+                <a16:creationId xmlns:a16="http://schemas.microsoft.com/office/drawing/2014/main" id="{88D9EFA4-021A-4F31-8654-E5618A8378B3}"/>
+              </a:ext>
+            </a:extLst>
+          </p:cNvPr>
+          <p:cNvGrpSpPr/>
+          <p:nvPr/>
+        </p:nvGrpSpPr>
+        <p:grpSpPr>
+          <a:xfrm>
+            <a:off x="674838" y="2853091"/>
+            <a:ext cx="1382725" cy="1565739"/>
+            <a:chOff x="2079598" y="4199174"/>
+            <a:chExt cx="3303211" cy="2087651"/>
+          </a:xfrm>
+        </p:grpSpPr>
+        <p:sp>
+          <p:nvSpPr>
+            <p:cNvPr id="209" name="TextBox 208">
+              <a:extLst>
+                <a:ext uri="{FF2B5EF4-FFF2-40B4-BE49-F238E27FC236}">
+                  <a16:creationId xmlns:a16="http://schemas.microsoft.com/office/drawing/2014/main" id="{C64ECC97-4355-4ABD-94CA-B5C6FC96A582}"/>
+                </a:ext>
+              </a:extLst>
+            </p:cNvPr>
+            <p:cNvSpPr txBox="1"/>
+            <p:nvPr/>
+          </p:nvSpPr>
+          <p:spPr>
+            <a:xfrm>
+              <a:off x="2098435" y="4501722"/>
+              <a:ext cx="3255729" cy="1785103"/>
+            </a:xfrm>
+            <a:prstGeom prst="rect">
+              <a:avLst/>
+            </a:prstGeom>
+            <a:noFill/>
+          </p:spPr>
+          <p:txBody>
+            <a:bodyPr wrap="square" rtlCol="0">
+              <a:spAutoFit/>
+            </a:bodyPr>
+            <a:lstStyle/>
+            <a:p>
+              <a:pPr algn="ctr"/>
+              <a:r>
+                <a:rPr lang="en-US" altLang="ko-KR" sz="900" dirty="0">
+                  <a:solidFill>
+                    <a:schemeClr val="tx1">
+                      <a:lumMod val="65000"/>
+                      <a:lumOff val="35000"/>
+                    </a:schemeClr>
+                  </a:solidFill>
+                  <a:cs typeface="Arial" pitchFamily="34" charset="0"/>
+                </a:rPr>
+                <a:t>You can simply impress your audience and add a unique zing and appeal to your Presentations. Get a modern PowerPoint  Presentation that is beautifully designed. </a:t>
+              </a:r>
+            </a:p>
+          </p:txBody>
+        </p:sp>
+        <p:sp>
+          <p:nvSpPr>
+            <p:cNvPr id="210" name="TextBox 209">
+              <a:extLst>
+                <a:ext uri="{FF2B5EF4-FFF2-40B4-BE49-F238E27FC236}">
+                  <a16:creationId xmlns:a16="http://schemas.microsoft.com/office/drawing/2014/main" id="{18BD519D-AD4E-469E-9AC7-DC00D1B4C7C9}"/>
+                </a:ext>
+              </a:extLst>
+            </p:cNvPr>
+            <p:cNvSpPr txBox="1"/>
+            <p:nvPr/>
+          </p:nvSpPr>
+          <p:spPr>
+            <a:xfrm>
+              <a:off x="2079598" y="4199174"/>
+              <a:ext cx="3303211" cy="307776"/>
+            </a:xfrm>
+            <a:prstGeom prst="rect">
+              <a:avLst/>
+            </a:prstGeom>
+            <a:noFill/>
+          </p:spPr>
+          <p:txBody>
+            <a:bodyPr wrap="square" rtlCol="0">
+              <a:spAutoFit/>
+            </a:bodyPr>
+            <a:lstStyle/>
+            <a:p>
+              <a:pPr algn="ctr"/>
+              <a:r>
+                <a:rPr lang="en-US" altLang="ko-KR" sz="900" b="1" dirty="0">
+                  <a:solidFill>
+                    <a:schemeClr val="tx1">
+                      <a:lumMod val="65000"/>
+                      <a:lumOff val="35000"/>
+                    </a:schemeClr>
+                  </a:solidFill>
+                  <a:cs typeface="Arial" pitchFamily="34" charset="0"/>
+                </a:rPr>
+                <a:t>Content  Here</a:t>
+              </a:r>
+              <a:endParaRPr lang="ko-KR" altLang="en-US" sz="900" b="1" dirty="0">
+                <a:solidFill>
+                  <a:schemeClr val="tx1">
+                    <a:lumMod val="65000"/>
+                    <a:lumOff val="35000"/>
+                  </a:schemeClr>
+                </a:solidFill>
+                <a:cs typeface="Arial" pitchFamily="34" charset="0"/>
+              </a:endParaRPr>
+            </a:p>
+          </p:txBody>
+        </p:sp>
+      </p:grpSp>
+      <p:grpSp>
+        <p:nvGrpSpPr>
+          <p:cNvPr id="211" name="Group 15">
+            <a:extLst>
+              <a:ext uri="{FF2B5EF4-FFF2-40B4-BE49-F238E27FC236}">
+                <a16:creationId xmlns:a16="http://schemas.microsoft.com/office/drawing/2014/main" id="{8CA0DCBB-83C2-4C05-83A2-82183F54277B}"/>
+              </a:ext>
+            </a:extLst>
+          </p:cNvPr>
+          <p:cNvGrpSpPr/>
+          <p:nvPr/>
+        </p:nvGrpSpPr>
+        <p:grpSpPr>
+          <a:xfrm>
+            <a:off x="4951387" y="2853091"/>
+            <a:ext cx="1382725" cy="1565739"/>
+            <a:chOff x="2079598" y="4199174"/>
+            <a:chExt cx="3303211" cy="2087651"/>
+          </a:xfrm>
+        </p:grpSpPr>
+        <p:sp>
+          <p:nvSpPr>
+            <p:cNvPr id="212" name="TextBox 211">
+              <a:extLst>
+                <a:ext uri="{FF2B5EF4-FFF2-40B4-BE49-F238E27FC236}">
+                  <a16:creationId xmlns:a16="http://schemas.microsoft.com/office/drawing/2014/main" id="{8688AF91-93B2-44E6-BC39-6D08C4AA2E85}"/>
+                </a:ext>
+              </a:extLst>
+            </p:cNvPr>
+            <p:cNvSpPr txBox="1"/>
+            <p:nvPr/>
+          </p:nvSpPr>
+          <p:spPr>
+            <a:xfrm>
+              <a:off x="2098435" y="4501722"/>
+              <a:ext cx="3255729" cy="1785103"/>
+            </a:xfrm>
+            <a:prstGeom prst="rect">
+              <a:avLst/>
+            </a:prstGeom>
+            <a:noFill/>
+          </p:spPr>
+          <p:txBody>
+            <a:bodyPr wrap="square" rtlCol="0">
+              <a:spAutoFit/>
+            </a:bodyPr>
+            <a:lstStyle/>
+            <a:p>
+              <a:pPr algn="ctr"/>
+              <a:r>
+                <a:rPr lang="en-US" altLang="ko-KR" sz="900" dirty="0">
+                  <a:solidFill>
+                    <a:schemeClr val="tx1">
+                      <a:lumMod val="65000"/>
+                      <a:lumOff val="35000"/>
+                    </a:schemeClr>
+                  </a:solidFill>
+                  <a:cs typeface="Arial" pitchFamily="34" charset="0"/>
+                </a:rPr>
+                <a:t>You can simply impress your audience and add a unique zing and appeal to your Presentations. Get a modern PowerPoint  Presentation that is beautifully designed. </a:t>
+              </a:r>
+            </a:p>
+          </p:txBody>
+        </p:sp>
+        <p:sp>
+          <p:nvSpPr>
+            <p:cNvPr id="213" name="TextBox 212">
+              <a:extLst>
+                <a:ext uri="{FF2B5EF4-FFF2-40B4-BE49-F238E27FC236}">
+                  <a16:creationId xmlns:a16="http://schemas.microsoft.com/office/drawing/2014/main" id="{A6FEA467-9D54-41B0-8838-34F9EAAB09CD}"/>
+                </a:ext>
+              </a:extLst>
+            </p:cNvPr>
+            <p:cNvSpPr txBox="1"/>
+            <p:nvPr/>
+          </p:nvSpPr>
+          <p:spPr>
+            <a:xfrm>
+              <a:off x="2079598" y="4199174"/>
+              <a:ext cx="3303211" cy="307776"/>
+            </a:xfrm>
+            <a:prstGeom prst="rect">
+              <a:avLst/>
+            </a:prstGeom>
+            <a:noFill/>
+          </p:spPr>
+          <p:txBody>
+            <a:bodyPr wrap="square" rtlCol="0">
+              <a:spAutoFit/>
+            </a:bodyPr>
+            <a:lstStyle/>
+            <a:p>
+              <a:pPr algn="ctr"/>
+              <a:r>
+                <a:rPr lang="en-US" altLang="ko-KR" sz="900" b="1" dirty="0">
+                  <a:solidFill>
+                    <a:schemeClr val="tx1">
+                      <a:lumMod val="65000"/>
+                      <a:lumOff val="35000"/>
+                    </a:schemeClr>
+                  </a:solidFill>
+                  <a:cs typeface="Arial" pitchFamily="34" charset="0"/>
+                </a:rPr>
+                <a:t>Content  Here</a:t>
+              </a:r>
+              <a:endParaRPr lang="ko-KR" altLang="en-US" sz="900" b="1" dirty="0">
+                <a:solidFill>
+                  <a:schemeClr val="tx1">
+                    <a:lumMod val="65000"/>
+                    <a:lumOff val="35000"/>
+                  </a:schemeClr>
+                </a:solidFill>
+                <a:cs typeface="Arial" pitchFamily="34" charset="0"/>
+              </a:endParaRPr>
+            </a:p>
+          </p:txBody>
+        </p:sp>
+      </p:grpSp>
+      <p:grpSp>
+        <p:nvGrpSpPr>
+          <p:cNvPr id="214" name="Group 18">
+            <a:extLst>
+              <a:ext uri="{FF2B5EF4-FFF2-40B4-BE49-F238E27FC236}">
+                <a16:creationId xmlns:a16="http://schemas.microsoft.com/office/drawing/2014/main" id="{712D239D-82BB-4F86-B127-3CA0D2C1E072}"/>
+              </a:ext>
+            </a:extLst>
+          </p:cNvPr>
+          <p:cNvGrpSpPr/>
+          <p:nvPr/>
+        </p:nvGrpSpPr>
+        <p:grpSpPr>
+          <a:xfrm>
+            <a:off x="2813112" y="2853091"/>
+            <a:ext cx="1382725" cy="1565739"/>
+            <a:chOff x="2079598" y="4199174"/>
+            <a:chExt cx="3303211" cy="2087651"/>
+          </a:xfrm>
+        </p:grpSpPr>
+        <p:sp>
+          <p:nvSpPr>
+            <p:cNvPr id="215" name="TextBox 214">
+              <a:extLst>
+                <a:ext uri="{FF2B5EF4-FFF2-40B4-BE49-F238E27FC236}">
+                  <a16:creationId xmlns:a16="http://schemas.microsoft.com/office/drawing/2014/main" id="{BF82EDE1-B0CF-4DC7-9ACF-704525CD0284}"/>
+                </a:ext>
+              </a:extLst>
+            </p:cNvPr>
+            <p:cNvSpPr txBox="1"/>
+            <p:nvPr/>
+          </p:nvSpPr>
+          <p:spPr>
+            <a:xfrm>
+              <a:off x="2098435" y="4501722"/>
+              <a:ext cx="3255729" cy="1785103"/>
+            </a:xfrm>
+            <a:prstGeom prst="rect">
+              <a:avLst/>
+            </a:prstGeom>
+            <a:noFill/>
+          </p:spPr>
+          <p:txBody>
+            <a:bodyPr wrap="square" rtlCol="0">
+              <a:spAutoFit/>
+            </a:bodyPr>
+            <a:lstStyle/>
+            <a:p>
+              <a:pPr algn="ctr"/>
+              <a:r>
+                <a:rPr lang="en-US" altLang="ko-KR" sz="900" dirty="0">
+                  <a:solidFill>
+                    <a:schemeClr val="tx1">
+                      <a:lumMod val="65000"/>
+                      <a:lumOff val="35000"/>
+                    </a:schemeClr>
+                  </a:solidFill>
+                  <a:cs typeface="Arial" pitchFamily="34" charset="0"/>
+                </a:rPr>
+                <a:t>You can simply impress your audience and add a unique zing and appeal to your Presentations. Get a modern PowerPoint  Presentation that is beautifully designed. </a:t>
+              </a:r>
+            </a:p>
+          </p:txBody>
+        </p:sp>
+        <p:sp>
+          <p:nvSpPr>
+            <p:cNvPr id="216" name="TextBox 215">
+              <a:extLst>
+                <a:ext uri="{FF2B5EF4-FFF2-40B4-BE49-F238E27FC236}">
+                  <a16:creationId xmlns:a16="http://schemas.microsoft.com/office/drawing/2014/main" id="{B562180B-A19A-4BF1-80AF-A2CA89D3B520}"/>
+                </a:ext>
+              </a:extLst>
+            </p:cNvPr>
+            <p:cNvSpPr txBox="1"/>
+            <p:nvPr/>
+          </p:nvSpPr>
+          <p:spPr>
+            <a:xfrm>
+              <a:off x="2079598" y="4199174"/>
+              <a:ext cx="3303211" cy="307776"/>
+            </a:xfrm>
+            <a:prstGeom prst="rect">
+              <a:avLst/>
+            </a:prstGeom>
+            <a:noFill/>
+          </p:spPr>
+          <p:txBody>
+            <a:bodyPr wrap="square" rtlCol="0">
+              <a:spAutoFit/>
+            </a:bodyPr>
+            <a:lstStyle/>
+            <a:p>
+              <a:pPr algn="ctr"/>
+              <a:r>
+                <a:rPr lang="en-US" altLang="ko-KR" sz="900" b="1" dirty="0">
+                  <a:solidFill>
+                    <a:schemeClr val="tx1">
+                      <a:lumMod val="65000"/>
+                      <a:lumOff val="35000"/>
+                    </a:schemeClr>
+                  </a:solidFill>
+                  <a:cs typeface="Arial" pitchFamily="34" charset="0"/>
+                </a:rPr>
+                <a:t>Content  Here</a:t>
+              </a:r>
+              <a:endParaRPr lang="ko-KR" altLang="en-US" sz="900" b="1" dirty="0">
+                <a:solidFill>
+                  <a:schemeClr val="tx1">
+                    <a:lumMod val="65000"/>
+                    <a:lumOff val="35000"/>
+                  </a:schemeClr>
+                </a:solidFill>
+                <a:cs typeface="Arial" pitchFamily="34" charset="0"/>
+              </a:endParaRPr>
+            </a:p>
+          </p:txBody>
+        </p:sp>
+      </p:grpSp>
+      <p:grpSp>
+        <p:nvGrpSpPr>
+          <p:cNvPr id="217" name="Group 21">
+            <a:extLst>
+              <a:ext uri="{FF2B5EF4-FFF2-40B4-BE49-F238E27FC236}">
+                <a16:creationId xmlns:a16="http://schemas.microsoft.com/office/drawing/2014/main" id="{5A0903F3-6DEF-4D06-B1B7-8B81090CE062}"/>
+              </a:ext>
+            </a:extLst>
+          </p:cNvPr>
+          <p:cNvGrpSpPr/>
+          <p:nvPr/>
+        </p:nvGrpSpPr>
+        <p:grpSpPr>
+          <a:xfrm>
+            <a:off x="7089663" y="2853091"/>
+            <a:ext cx="1382725" cy="1565739"/>
+            <a:chOff x="2079598" y="4199174"/>
+            <a:chExt cx="3303211" cy="2087651"/>
+          </a:xfrm>
+        </p:grpSpPr>
+        <p:sp>
+          <p:nvSpPr>
+            <p:cNvPr id="218" name="TextBox 217">
+              <a:extLst>
+                <a:ext uri="{FF2B5EF4-FFF2-40B4-BE49-F238E27FC236}">
+                  <a16:creationId xmlns:a16="http://schemas.microsoft.com/office/drawing/2014/main" id="{2D541925-1AF4-431A-9C0E-9E7F73AD9456}"/>
+                </a:ext>
+              </a:extLst>
+            </p:cNvPr>
+            <p:cNvSpPr txBox="1"/>
+            <p:nvPr/>
+          </p:nvSpPr>
+          <p:spPr>
+            <a:xfrm>
+              <a:off x="2098435" y="4501722"/>
+              <a:ext cx="3255729" cy="1785103"/>
+            </a:xfrm>
+            <a:prstGeom prst="rect">
+              <a:avLst/>
+            </a:prstGeom>
+            <a:noFill/>
+          </p:spPr>
+          <p:txBody>
+            <a:bodyPr wrap="square" rtlCol="0">
+              <a:spAutoFit/>
+            </a:bodyPr>
+            <a:lstStyle/>
+            <a:p>
+              <a:pPr algn="ctr"/>
+              <a:r>
+                <a:rPr lang="en-US" altLang="ko-KR" sz="900" dirty="0">
+                  <a:solidFill>
+                    <a:schemeClr val="tx1">
+                      <a:lumMod val="65000"/>
+                      <a:lumOff val="35000"/>
+                    </a:schemeClr>
+                  </a:solidFill>
+                  <a:cs typeface="Arial" pitchFamily="34" charset="0"/>
+                </a:rPr>
+                <a:t>You can simply impress your audience and add a unique zing and appeal to your Presentations. Get a modern PowerPoint  Presentation that is beautifully designed.</a:t>
+              </a:r>
+              <a:endParaRPr lang="ko-KR" altLang="en-US" sz="900" dirty="0">
+                <a:solidFill>
+                  <a:schemeClr val="tx1">
+                    <a:lumMod val="65000"/>
+                    <a:lumOff val="35000"/>
+                  </a:schemeClr>
+                </a:solidFill>
+                <a:cs typeface="Arial" pitchFamily="34" charset="0"/>
+              </a:endParaRPr>
+            </a:p>
+          </p:txBody>
+        </p:sp>
+        <p:sp>
+          <p:nvSpPr>
+            <p:cNvPr id="219" name="TextBox 218">
+              <a:extLst>
+                <a:ext uri="{FF2B5EF4-FFF2-40B4-BE49-F238E27FC236}">
+                  <a16:creationId xmlns:a16="http://schemas.microsoft.com/office/drawing/2014/main" id="{C182A40D-5B52-4B31-8946-6EA5A75320EF}"/>
+                </a:ext>
+              </a:extLst>
+            </p:cNvPr>
+            <p:cNvSpPr txBox="1"/>
+            <p:nvPr/>
+          </p:nvSpPr>
+          <p:spPr>
+            <a:xfrm>
+              <a:off x="2079598" y="4199174"/>
+              <a:ext cx="3303211" cy="307776"/>
+            </a:xfrm>
+            <a:prstGeom prst="rect">
+              <a:avLst/>
+            </a:prstGeom>
+            <a:noFill/>
+          </p:spPr>
+          <p:txBody>
+            <a:bodyPr wrap="square" rtlCol="0">
+              <a:spAutoFit/>
+            </a:bodyPr>
+            <a:lstStyle/>
+            <a:p>
+              <a:pPr algn="ctr"/>
+              <a:r>
+                <a:rPr lang="en-US" altLang="ko-KR" sz="900" b="1" dirty="0">
+                  <a:solidFill>
+                    <a:schemeClr val="tx1">
+                      <a:lumMod val="65000"/>
+                      <a:lumOff val="35000"/>
+                    </a:schemeClr>
+                  </a:solidFill>
+                  <a:cs typeface="Arial" pitchFamily="34" charset="0"/>
+                </a:rPr>
+                <a:t>Content  Here</a:t>
+              </a:r>
+              <a:endParaRPr lang="ko-KR" altLang="en-US" sz="900" b="1" dirty="0">
+                <a:solidFill>
+                  <a:schemeClr val="tx1">
+                    <a:lumMod val="65000"/>
+                    <a:lumOff val="35000"/>
+                  </a:schemeClr>
+                </a:solidFill>
+                <a:cs typeface="Arial" pitchFamily="34" charset="0"/>
+              </a:endParaRPr>
+            </a:p>
+          </p:txBody>
+        </p:sp>
+      </p:grpSp>
+      <p:sp>
+        <p:nvSpPr>
+          <p:cNvPr id="220" name="Isosceles Triangle 8">
+            <a:extLst>
+              <a:ext uri="{FF2B5EF4-FFF2-40B4-BE49-F238E27FC236}">
+                <a16:creationId xmlns:a16="http://schemas.microsoft.com/office/drawing/2014/main" id="{9064DD81-0DBA-4D2A-A814-92303FCB31FF}"/>
+              </a:ext>
+            </a:extLst>
+          </p:cNvPr>
+          <p:cNvSpPr/>
+          <p:nvPr/>
+        </p:nvSpPr>
+        <p:spPr>
+          <a:xfrm rot="16200000">
+            <a:off x="3359012" y="2000156"/>
+            <a:ext cx="328550" cy="391718"/>
+          </a:xfrm>
+          <a:custGeom>
+            <a:avLst/>
+            <a:gdLst/>
+            <a:ahLst/>
+            <a:cxnLst/>
+            <a:rect l="l" t="t" r="r" b="b"/>
+            <a:pathLst>
+              <a:path w="2708011" h="3228660">
+                <a:moveTo>
+                  <a:pt x="1895121" y="2005092"/>
+                </a:moveTo>
+                <a:cubicBezTo>
+                  <a:pt x="1769067" y="2196199"/>
+                  <a:pt x="1559641" y="2315968"/>
+                  <a:pt x="1331007" y="2327705"/>
+                </a:cubicBezTo>
+                <a:cubicBezTo>
+                  <a:pt x="1102373" y="2339443"/>
+                  <a:pt x="881783" y="2241749"/>
+                  <a:pt x="736821" y="2064556"/>
+                </a:cubicBezTo>
+                <a:lnTo>
+                  <a:pt x="885891" y="1942602"/>
+                </a:lnTo>
+                <a:cubicBezTo>
+                  <a:pt x="992076" y="2072396"/>
+                  <a:pt x="1153658" y="2143956"/>
+                  <a:pt x="1321132" y="2135359"/>
+                </a:cubicBezTo>
+                <a:cubicBezTo>
+                  <a:pt x="1488607" y="2126761"/>
+                  <a:pt x="1642011" y="2039030"/>
+                  <a:pt x="1734346" y="1899045"/>
+                </a:cubicBezTo>
+                <a:close/>
+                <a:moveTo>
+                  <a:pt x="2315256" y="2179725"/>
+                </a:moveTo>
+                <a:cubicBezTo>
+                  <a:pt x="2124977" y="2519973"/>
+                  <a:pt x="1777729" y="2743099"/>
+                  <a:pt x="1389179" y="2774782"/>
+                </a:cubicBezTo>
+                <a:cubicBezTo>
+                  <a:pt x="1000629" y="2806465"/>
+                  <a:pt x="621821" y="2642541"/>
+                  <a:pt x="378934" y="2337614"/>
+                </a:cubicBezTo>
+                <a:lnTo>
+                  <a:pt x="519502" y="2225645"/>
+                </a:lnTo>
+                <a:cubicBezTo>
+                  <a:pt x="725082" y="2483736"/>
+                  <a:pt x="1045705" y="2622480"/>
+                  <a:pt x="1374574" y="2595664"/>
+                </a:cubicBezTo>
+                <a:cubicBezTo>
+                  <a:pt x="1703443" y="2568848"/>
+                  <a:pt x="1997353" y="2379994"/>
+                  <a:pt x="2158406" y="2092008"/>
+                </a:cubicBezTo>
+                <a:close/>
+                <a:moveTo>
+                  <a:pt x="2315941" y="1615003"/>
+                </a:moveTo>
+                <a:lnTo>
+                  <a:pt x="272242" y="1615003"/>
+                </a:lnTo>
+                <a:lnTo>
+                  <a:pt x="872561" y="666216"/>
+                </a:lnTo>
+                <a:lnTo>
+                  <a:pt x="872561" y="219906"/>
+                </a:lnTo>
+                <a:cubicBezTo>
+                  <a:pt x="872561" y="98674"/>
+                  <a:pt x="970839" y="396"/>
+                  <a:pt x="1092071" y="396"/>
+                </a:cubicBezTo>
+                <a:lnTo>
+                  <a:pt x="1293841" y="396"/>
+                </a:lnTo>
+                <a:lnTo>
+                  <a:pt x="1294092" y="0"/>
+                </a:lnTo>
+                <a:lnTo>
+                  <a:pt x="1294343" y="396"/>
+                </a:lnTo>
+                <a:lnTo>
+                  <a:pt x="1470231" y="396"/>
+                </a:lnTo>
+                <a:cubicBezTo>
+                  <a:pt x="1591463" y="396"/>
+                  <a:pt x="1689741" y="98674"/>
+                  <a:pt x="1689741" y="219906"/>
+                </a:cubicBezTo>
+                <a:lnTo>
+                  <a:pt x="1689741" y="625313"/>
+                </a:lnTo>
+                <a:close/>
+                <a:moveTo>
+                  <a:pt x="2708011" y="2399368"/>
+                </a:moveTo>
+                <a:cubicBezTo>
+                  <a:pt x="2440740" y="2877288"/>
+                  <a:pt x="1950128" y="3187847"/>
+                  <a:pt x="1403807" y="3224932"/>
+                </a:cubicBezTo>
+                <a:cubicBezTo>
+                  <a:pt x="857486" y="3262017"/>
+                  <a:pt x="329406" y="3020609"/>
+                  <a:pt x="0" y="2583191"/>
+                </a:cubicBezTo>
+                <a:lnTo>
+                  <a:pt x="143153" y="2475389"/>
+                </a:lnTo>
+                <a:cubicBezTo>
+                  <a:pt x="436120" y="2864419"/>
+                  <a:pt x="905784" y="3079123"/>
+                  <a:pt x="1391671" y="3046140"/>
+                </a:cubicBezTo>
+                <a:cubicBezTo>
+                  <a:pt x="1877558" y="3013157"/>
+                  <a:pt x="2313899" y="2736952"/>
+                  <a:pt x="2551604" y="2311899"/>
+                </a:cubicBezTo>
+                <a:close/>
+              </a:path>
+            </a:pathLst>
+          </a:custGeom>
+          <a:solidFill>
+            <a:schemeClr val="bg1"/>
+          </a:solidFill>
+          <a:ln>
+            <a:noFill/>
+          </a:ln>
+        </p:spPr>
+        <p:style>
+          <a:lnRef idx="2">
+            <a:schemeClr val="accent1">
+              <a:shade val="50000"/>
+            </a:schemeClr>
+          </a:lnRef>
+          <a:fillRef idx="1">
+            <a:schemeClr val="accent1"/>
+          </a:fillRef>
+          <a:effectRef idx="0">
+            <a:schemeClr val="accent1"/>
+          </a:effectRef>
+          <a:fontRef idx="minor">
+            <a:schemeClr val="lt1"/>
+          </a:fontRef>
+        </p:style>
+        <p:txBody>
+          <a:bodyPr rot="0" spcFirstLastPara="0" vert="horz" wrap="square" lIns="68580" tIns="34290" rIns="68580" bIns="34290" numCol="1" spcCol="0" rtlCol="0" fromWordArt="0" anchor="ctr" anchorCtr="0" forceAA="0" compatLnSpc="1">
+            <a:prstTxWarp prst="textNoShape">
+              <a:avLst/>
+            </a:prstTxWarp>
+            <a:noAutofit/>
+          </a:bodyPr>
+          <a:lstStyle>
+            <a:defPPr>
+              <a:defRPr lang="ko-KR"/>
+            </a:defPPr>
+            <a:lvl1pPr marL="0" algn="l" defTabSz="914400" rtl="0" eaLnBrk="1" latinLnBrk="1" hangingPunct="1">
+              <a:defRPr sz="1800" kern="1200">
+                <a:solidFill>
+                  <a:schemeClr val="lt1"/>
+                </a:solidFill>
+                <a:latin typeface="+mn-lt"/>
+                <a:ea typeface="+mn-ea"/>
+                <a:cs typeface="+mn-cs"/>
+              </a:defRPr>
+            </a:lvl1pPr>
+            <a:lvl2pPr marL="457200" algn="l" defTabSz="914400" rtl="0" eaLnBrk="1" latinLnBrk="1" hangingPunct="1">
+              <a:defRPr sz="1800" kern="1200">
+                <a:solidFill>
+                  <a:schemeClr val="lt1"/>
+                </a:solidFill>
+                <a:latin typeface="+mn-lt"/>
+                <a:ea typeface="+mn-ea"/>
+                <a:cs typeface="+mn-cs"/>
+              </a:defRPr>
+            </a:lvl2pPr>
+            <a:lvl3pPr marL="914400" algn="l" defTabSz="914400" rtl="0" eaLnBrk="1" latinLnBrk="1" hangingPunct="1">
+              <a:defRPr sz="1800" kern="1200">
+                <a:solidFill>
+                  <a:schemeClr val="lt1"/>
+                </a:solidFill>
+                <a:latin typeface="+mn-lt"/>
+                <a:ea typeface="+mn-ea"/>
+                <a:cs typeface="+mn-cs"/>
+              </a:defRPr>
+            </a:lvl3pPr>
+            <a:lvl4pPr marL="1371600" algn="l" defTabSz="914400" rtl="0" eaLnBrk="1" latinLnBrk="1" hangingPunct="1">
+              <a:defRPr sz="1800" kern="1200">
+                <a:solidFill>
+                  <a:schemeClr val="lt1"/>
+                </a:solidFill>
+                <a:latin typeface="+mn-lt"/>
+                <a:ea typeface="+mn-ea"/>
+                <a:cs typeface="+mn-cs"/>
+              </a:defRPr>
+            </a:lvl4pPr>
+            <a:lvl5pPr marL="1828800" algn="l" defTabSz="914400" rtl="0" eaLnBrk="1" latinLnBrk="1" hangingPunct="1">
+              <a:defRPr sz="1800" kern="1200">
+                <a:solidFill>
+                  <a:schemeClr val="lt1"/>
+                </a:solidFill>
+                <a:latin typeface="+mn-lt"/>
+                <a:ea typeface="+mn-ea"/>
+                <a:cs typeface="+mn-cs"/>
+              </a:defRPr>
+            </a:lvl5pPr>
+            <a:lvl6pPr marL="2286000" algn="l" defTabSz="914400" rtl="0" eaLnBrk="1" latinLnBrk="1" hangingPunct="1">
+              <a:defRPr sz="1800" kern="1200">
+                <a:solidFill>
+                  <a:schemeClr val="lt1"/>
+                </a:solidFill>
+                <a:latin typeface="+mn-lt"/>
+                <a:ea typeface="+mn-ea"/>
+                <a:cs typeface="+mn-cs"/>
+              </a:defRPr>
+            </a:lvl6pPr>
+            <a:lvl7pPr marL="2743200" algn="l" defTabSz="914400" rtl="0" eaLnBrk="1" latinLnBrk="1" hangingPunct="1">
+              <a:defRPr sz="1800" kern="1200">
+                <a:solidFill>
+                  <a:schemeClr val="lt1"/>
+                </a:solidFill>
+                <a:latin typeface="+mn-lt"/>
+                <a:ea typeface="+mn-ea"/>
+                <a:cs typeface="+mn-cs"/>
+              </a:defRPr>
+            </a:lvl7pPr>
+            <a:lvl8pPr marL="3200400" algn="l" defTabSz="914400" rtl="0" eaLnBrk="1" latinLnBrk="1" hangingPunct="1">
+              <a:defRPr sz="1800" kern="1200">
+                <a:solidFill>
+                  <a:schemeClr val="lt1"/>
+                </a:solidFill>
+                <a:latin typeface="+mn-lt"/>
+                <a:ea typeface="+mn-ea"/>
+                <a:cs typeface="+mn-cs"/>
+              </a:defRPr>
+            </a:lvl8pPr>
+            <a:lvl9pPr marL="3657600" algn="l" defTabSz="914400" rtl="0" eaLnBrk="1" latinLnBrk="1" hangingPunct="1">
+              <a:defRPr sz="1800" kern="1200">
+                <a:solidFill>
+                  <a:schemeClr val="lt1"/>
+                </a:solidFill>
+                <a:latin typeface="+mn-lt"/>
+                <a:ea typeface="+mn-ea"/>
+                <a:cs typeface="+mn-cs"/>
+              </a:defRPr>
+            </a:lvl9pPr>
+          </a:lstStyle>
+          <a:p>
+            <a:pPr algn="ctr"/>
+            <a:endParaRPr lang="ko-KR" altLang="en-US" sz="1350" dirty="0"/>
+          </a:p>
+        </p:txBody>
+      </p:sp>
+      <p:sp>
+        <p:nvSpPr>
+          <p:cNvPr id="221" name="Oval 7">
+            <a:extLst>
+              <a:ext uri="{FF2B5EF4-FFF2-40B4-BE49-F238E27FC236}">
+                <a16:creationId xmlns:a16="http://schemas.microsoft.com/office/drawing/2014/main" id="{BDCAE6F6-7E60-4155-AC5C-2128BFC147FD}"/>
+              </a:ext>
+            </a:extLst>
+          </p:cNvPr>
+          <p:cNvSpPr/>
+          <p:nvPr/>
+        </p:nvSpPr>
+        <p:spPr>
+          <a:xfrm>
+            <a:off x="5478432" y="2036720"/>
+            <a:ext cx="347317" cy="347317"/>
+          </a:xfrm>
+          <a:custGeom>
+            <a:avLst/>
+            <a:gdLst/>
+            <a:ahLst/>
+            <a:cxnLst/>
+            <a:rect l="l" t="t" r="r" b="b"/>
+            <a:pathLst>
+              <a:path w="3240000" h="3240000">
+                <a:moveTo>
+                  <a:pt x="1415334" y="1947658"/>
+                </a:moveTo>
+                <a:lnTo>
+                  <a:pt x="838053" y="2871852"/>
+                </a:lnTo>
+                <a:cubicBezTo>
+                  <a:pt x="1312591" y="3168264"/>
+                  <a:pt x="1913932" y="3170879"/>
+                  <a:pt x="2391030" y="2878606"/>
+                </a:cubicBezTo>
+                <a:lnTo>
+                  <a:pt x="1821709" y="1949263"/>
+                </a:lnTo>
+                <a:cubicBezTo>
+                  <a:pt x="1763478" y="1986502"/>
+                  <a:pt x="1694174" y="2007350"/>
+                  <a:pt x="1620000" y="2007350"/>
+                </a:cubicBezTo>
+                <a:cubicBezTo>
+                  <a:pt x="1544621" y="2007350"/>
+                  <a:pt x="1474270" y="1985818"/>
+                  <a:pt x="1415334" y="1947658"/>
+                </a:cubicBezTo>
+                <a:close/>
+                <a:moveTo>
+                  <a:pt x="1620001" y="1350973"/>
+                </a:moveTo>
+                <a:cubicBezTo>
+                  <a:pt x="1471421" y="1350973"/>
+                  <a:pt x="1350973" y="1471421"/>
+                  <a:pt x="1350973" y="1620001"/>
+                </a:cubicBezTo>
+                <a:cubicBezTo>
+                  <a:pt x="1350973" y="1768581"/>
+                  <a:pt x="1471421" y="1889029"/>
+                  <a:pt x="1620001" y="1889029"/>
+                </a:cubicBezTo>
+                <a:cubicBezTo>
+                  <a:pt x="1768581" y="1889029"/>
+                  <a:pt x="1889029" y="1768581"/>
+                  <a:pt x="1889029" y="1620001"/>
+                </a:cubicBezTo>
+                <a:cubicBezTo>
+                  <a:pt x="1889029" y="1471421"/>
+                  <a:pt x="1768581" y="1350973"/>
+                  <a:pt x="1620001" y="1350973"/>
+                </a:cubicBezTo>
+                <a:close/>
+                <a:moveTo>
+                  <a:pt x="2324470" y="322965"/>
+                </a:moveTo>
+                <a:lnTo>
+                  <a:pt x="1804044" y="1281148"/>
+                </a:lnTo>
+                <a:cubicBezTo>
+                  <a:pt x="1925507" y="1345192"/>
+                  <a:pt x="2007350" y="1473038"/>
+                  <a:pt x="2007350" y="1620000"/>
+                </a:cubicBezTo>
+                <a:lnTo>
+                  <a:pt x="2005998" y="1633413"/>
+                </a:lnTo>
+                <a:lnTo>
+                  <a:pt x="3095109" y="1671260"/>
+                </a:lnTo>
+                <a:cubicBezTo>
+                  <a:pt x="3114541" y="1112092"/>
+                  <a:pt x="2816135" y="590008"/>
+                  <a:pt x="2324470" y="322965"/>
+                </a:cubicBezTo>
+                <a:close/>
+                <a:moveTo>
+                  <a:pt x="926838" y="316888"/>
+                </a:moveTo>
+                <a:cubicBezTo>
+                  <a:pt x="432869" y="579644"/>
+                  <a:pt x="129933" y="1099113"/>
+                  <a:pt x="144500" y="1658429"/>
+                </a:cubicBezTo>
+                <a:lnTo>
+                  <a:pt x="1233664" y="1630062"/>
+                </a:lnTo>
+                <a:cubicBezTo>
+                  <a:pt x="1232693" y="1626734"/>
+                  <a:pt x="1232650" y="1623372"/>
+                  <a:pt x="1232650" y="1620000"/>
+                </a:cubicBezTo>
+                <a:cubicBezTo>
+                  <a:pt x="1232650" y="1471836"/>
+                  <a:pt x="1315838" y="1343102"/>
+                  <a:pt x="1438904" y="1279548"/>
+                </a:cubicBezTo>
+                <a:close/>
+                <a:moveTo>
+                  <a:pt x="1620000" y="0"/>
+                </a:moveTo>
+                <a:cubicBezTo>
+                  <a:pt x="2514701" y="0"/>
+                  <a:pt x="3240000" y="725299"/>
+                  <a:pt x="3240000" y="1620000"/>
+                </a:cubicBezTo>
+                <a:cubicBezTo>
+                  <a:pt x="3240000" y="2514701"/>
+                  <a:pt x="2514701" y="3240000"/>
+                  <a:pt x="1620000" y="3240000"/>
+                </a:cubicBezTo>
+                <a:cubicBezTo>
+                  <a:pt x="725299" y="3240000"/>
+                  <a:pt x="0" y="2514701"/>
+                  <a:pt x="0" y="1620000"/>
+                </a:cubicBezTo>
+                <a:cubicBezTo>
+                  <a:pt x="0" y="725299"/>
+                  <a:pt x="725299" y="0"/>
+                  <a:pt x="1620000" y="0"/>
+                </a:cubicBezTo>
+                <a:close/>
+              </a:path>
+            </a:pathLst>
+          </a:custGeom>
+          <a:solidFill>
+            <a:schemeClr val="bg1"/>
+          </a:solidFill>
+          <a:ln>
+            <a:noFill/>
+          </a:ln>
+        </p:spPr>
+        <p:style>
+          <a:lnRef idx="2">
+            <a:schemeClr val="accent1">
+              <a:shade val="50000"/>
+            </a:schemeClr>
+          </a:lnRef>
+          <a:fillRef idx="1">
+            <a:schemeClr val="accent1"/>
+          </a:fillRef>
+          <a:effectRef idx="0">
+            <a:schemeClr val="accent1"/>
+          </a:effectRef>
+          <a:fontRef idx="minor">
+            <a:schemeClr val="lt1"/>
+          </a:fontRef>
+        </p:style>
+        <p:txBody>
+          <a:bodyPr rot="0" spcFirstLastPara="0" vert="horz" wrap="square" lIns="68580" tIns="34290" rIns="68580" bIns="34290" numCol="1" spcCol="0" rtlCol="0" fromWordArt="0" anchor="ctr" anchorCtr="0" forceAA="0" compatLnSpc="1">
+            <a:prstTxWarp prst="textNoShape">
+              <a:avLst/>
+            </a:prstTxWarp>
+            <a:noAutofit/>
+          </a:bodyPr>
+          <a:lstStyle>
+            <a:defPPr>
+              <a:defRPr lang="ko-KR"/>
+            </a:defPPr>
+            <a:lvl1pPr marL="0" algn="l" defTabSz="914400" rtl="0" eaLnBrk="1" latinLnBrk="1" hangingPunct="1">
+              <a:defRPr sz="1800" kern="1200">
+                <a:solidFill>
+                  <a:schemeClr val="lt1"/>
+                </a:solidFill>
+                <a:latin typeface="+mn-lt"/>
+                <a:ea typeface="+mn-ea"/>
+                <a:cs typeface="+mn-cs"/>
+              </a:defRPr>
+            </a:lvl1pPr>
+            <a:lvl2pPr marL="457200" algn="l" defTabSz="914400" rtl="0" eaLnBrk="1" latinLnBrk="1" hangingPunct="1">
+              <a:defRPr sz="1800" kern="1200">
+                <a:solidFill>
+                  <a:schemeClr val="lt1"/>
+                </a:solidFill>
+                <a:latin typeface="+mn-lt"/>
+                <a:ea typeface="+mn-ea"/>
+                <a:cs typeface="+mn-cs"/>
+              </a:defRPr>
+            </a:lvl2pPr>
+            <a:lvl3pPr marL="914400" algn="l" defTabSz="914400" rtl="0" eaLnBrk="1" latinLnBrk="1" hangingPunct="1">
+              <a:defRPr sz="1800" kern="1200">
+                <a:solidFill>
+                  <a:schemeClr val="lt1"/>
+                </a:solidFill>
+                <a:latin typeface="+mn-lt"/>
+                <a:ea typeface="+mn-ea"/>
+                <a:cs typeface="+mn-cs"/>
+              </a:defRPr>
+            </a:lvl3pPr>
+            <a:lvl4pPr marL="1371600" algn="l" defTabSz="914400" rtl="0" eaLnBrk="1" latinLnBrk="1" hangingPunct="1">
+              <a:defRPr sz="1800" kern="1200">
+                <a:solidFill>
+                  <a:schemeClr val="lt1"/>
+                </a:solidFill>
+                <a:latin typeface="+mn-lt"/>
+                <a:ea typeface="+mn-ea"/>
+                <a:cs typeface="+mn-cs"/>
+              </a:defRPr>
+            </a:lvl4pPr>
+            <a:lvl5pPr marL="1828800" algn="l" defTabSz="914400" rtl="0" eaLnBrk="1" latinLnBrk="1" hangingPunct="1">
+              <a:defRPr sz="1800" kern="1200">
+                <a:solidFill>
+                  <a:schemeClr val="lt1"/>
+                </a:solidFill>
+                <a:latin typeface="+mn-lt"/>
+                <a:ea typeface="+mn-ea"/>
+                <a:cs typeface="+mn-cs"/>
+              </a:defRPr>
+            </a:lvl5pPr>
+            <a:lvl6pPr marL="2286000" algn="l" defTabSz="914400" rtl="0" eaLnBrk="1" latinLnBrk="1" hangingPunct="1">
+              <a:defRPr sz="1800" kern="1200">
+                <a:solidFill>
+                  <a:schemeClr val="lt1"/>
+                </a:solidFill>
+                <a:latin typeface="+mn-lt"/>
+                <a:ea typeface="+mn-ea"/>
+                <a:cs typeface="+mn-cs"/>
+              </a:defRPr>
+            </a:lvl6pPr>
+            <a:lvl7pPr marL="2743200" algn="l" defTabSz="914400" rtl="0" eaLnBrk="1" latinLnBrk="1" hangingPunct="1">
+              <a:defRPr sz="1800" kern="1200">
+                <a:solidFill>
+                  <a:schemeClr val="lt1"/>
+                </a:solidFill>
+                <a:latin typeface="+mn-lt"/>
+                <a:ea typeface="+mn-ea"/>
+                <a:cs typeface="+mn-cs"/>
+              </a:defRPr>
+            </a:lvl7pPr>
+            <a:lvl8pPr marL="3200400" algn="l" defTabSz="914400" rtl="0" eaLnBrk="1" latinLnBrk="1" hangingPunct="1">
+              <a:defRPr sz="1800" kern="1200">
+                <a:solidFill>
+                  <a:schemeClr val="lt1"/>
+                </a:solidFill>
+                <a:latin typeface="+mn-lt"/>
+                <a:ea typeface="+mn-ea"/>
+                <a:cs typeface="+mn-cs"/>
+              </a:defRPr>
+            </a:lvl8pPr>
+            <a:lvl9pPr marL="3657600" algn="l" defTabSz="914400" rtl="0" eaLnBrk="1" latinLnBrk="1" hangingPunct="1">
+              <a:defRPr sz="1800" kern="1200">
+                <a:solidFill>
+                  <a:schemeClr val="lt1"/>
+                </a:solidFill>
+                <a:latin typeface="+mn-lt"/>
+                <a:ea typeface="+mn-ea"/>
+                <a:cs typeface="+mn-cs"/>
+              </a:defRPr>
+            </a:lvl9pPr>
+          </a:lstStyle>
+          <a:p>
+            <a:pPr algn="ctr"/>
+            <a:endParaRPr lang="ko-KR" altLang="en-US" sz="1350" dirty="0"/>
+          </a:p>
+        </p:txBody>
+      </p:sp>
+      <p:sp>
+        <p:nvSpPr>
+          <p:cNvPr id="222" name="Rectangle 16">
+            <a:extLst>
+              <a:ext uri="{FF2B5EF4-FFF2-40B4-BE49-F238E27FC236}">
+                <a16:creationId xmlns:a16="http://schemas.microsoft.com/office/drawing/2014/main" id="{943F7954-B658-4738-B190-0BC20CCC5EB3}"/>
+              </a:ext>
+            </a:extLst>
+          </p:cNvPr>
+          <p:cNvSpPr/>
+          <p:nvPr/>
+        </p:nvSpPr>
+        <p:spPr>
+          <a:xfrm>
+            <a:off x="1190538" y="2085873"/>
+            <a:ext cx="378889" cy="249011"/>
+          </a:xfrm>
+          <a:custGeom>
+            <a:avLst/>
+            <a:gdLst/>
+            <a:ahLst/>
+            <a:cxnLst/>
+            <a:rect l="l" t="t" r="r" b="b"/>
+            <a:pathLst>
+              <a:path w="3240006" h="2129375">
+                <a:moveTo>
+                  <a:pt x="1916836" y="454558"/>
+                </a:moveTo>
+                <a:cubicBezTo>
+                  <a:pt x="2018418" y="454558"/>
+                  <a:pt x="2100766" y="536906"/>
+                  <a:pt x="2100766" y="638488"/>
+                </a:cubicBezTo>
+                <a:cubicBezTo>
+                  <a:pt x="2100766" y="740070"/>
+                  <a:pt x="2018418" y="822418"/>
+                  <a:pt x="1916836" y="822418"/>
+                </a:cubicBezTo>
+                <a:cubicBezTo>
+                  <a:pt x="1815254" y="822418"/>
+                  <a:pt x="1732906" y="740070"/>
+                  <a:pt x="1732906" y="638488"/>
+                </a:cubicBezTo>
+                <a:cubicBezTo>
+                  <a:pt x="1732906" y="536906"/>
+                  <a:pt x="1815254" y="454558"/>
+                  <a:pt x="1916836" y="454558"/>
+                </a:cubicBezTo>
+                <a:close/>
+                <a:moveTo>
+                  <a:pt x="1197545" y="272737"/>
+                </a:moveTo>
+                <a:lnTo>
+                  <a:pt x="1861974" y="1458536"/>
+                </a:lnTo>
+                <a:lnTo>
+                  <a:pt x="2263096" y="848801"/>
+                </a:lnTo>
+                <a:lnTo>
+                  <a:pt x="2919562" y="1846679"/>
+                </a:lnTo>
+                <a:lnTo>
+                  <a:pt x="2079459" y="1846679"/>
+                </a:lnTo>
+                <a:lnTo>
+                  <a:pt x="1606629" y="1846679"/>
+                </a:lnTo>
+                <a:lnTo>
+                  <a:pt x="315630" y="1846679"/>
+                </a:lnTo>
+                <a:close/>
+                <a:moveTo>
+                  <a:pt x="180003" y="164687"/>
+                </a:moveTo>
+                <a:lnTo>
+                  <a:pt x="180003" y="1964687"/>
+                </a:lnTo>
+                <a:lnTo>
+                  <a:pt x="3060003" y="1964687"/>
+                </a:lnTo>
+                <a:lnTo>
+                  <a:pt x="3060003" y="164687"/>
+                </a:lnTo>
+                <a:close/>
+                <a:moveTo>
+                  <a:pt x="0" y="0"/>
+                </a:moveTo>
+                <a:lnTo>
+                  <a:pt x="3240006" y="0"/>
+                </a:lnTo>
+                <a:lnTo>
+                  <a:pt x="3240006" y="2129375"/>
+                </a:lnTo>
+                <a:lnTo>
+                  <a:pt x="0" y="2129375"/>
+                </a:lnTo>
+                <a:close/>
+              </a:path>
+            </a:pathLst>
+          </a:custGeom>
+          <a:solidFill>
+            <a:schemeClr val="bg1"/>
+          </a:solidFill>
+          <a:ln>
+            <a:noFill/>
+          </a:ln>
+        </p:spPr>
+        <p:style>
+          <a:lnRef idx="2">
+            <a:schemeClr val="accent1">
+              <a:shade val="50000"/>
+            </a:schemeClr>
+          </a:lnRef>
+          <a:fillRef idx="1">
+            <a:schemeClr val="accent1"/>
+          </a:fillRef>
+          <a:effectRef idx="0">
+            <a:schemeClr val="accent1"/>
+          </a:effectRef>
+          <a:fontRef idx="minor">
+            <a:schemeClr val="lt1"/>
+          </a:fontRef>
+        </p:style>
+        <p:txBody>
+          <a:bodyPr rot="0" spcFirstLastPara="0" vert="horz" wrap="square" lIns="68580" tIns="34290" rIns="68580" bIns="34290" numCol="1" spcCol="0" rtlCol="0" fromWordArt="0" anchor="ctr" anchorCtr="0" forceAA="0" compatLnSpc="1">
+            <a:prstTxWarp prst="textNoShape">
+              <a:avLst/>
+            </a:prstTxWarp>
+            <a:noAutofit/>
+          </a:bodyPr>
+          <a:lstStyle>
+            <a:defPPr>
+              <a:defRPr lang="ko-KR"/>
+            </a:defPPr>
+            <a:lvl1pPr marL="0" algn="l" defTabSz="914400" rtl="0" eaLnBrk="1" latinLnBrk="1" hangingPunct="1">
+              <a:defRPr sz="1800" kern="1200">
+                <a:solidFill>
+                  <a:schemeClr val="lt1"/>
+                </a:solidFill>
+                <a:latin typeface="+mn-lt"/>
+                <a:ea typeface="+mn-ea"/>
+                <a:cs typeface="+mn-cs"/>
+              </a:defRPr>
+            </a:lvl1pPr>
+            <a:lvl2pPr marL="457200" algn="l" defTabSz="914400" rtl="0" eaLnBrk="1" latinLnBrk="1" hangingPunct="1">
+              <a:defRPr sz="1800" kern="1200">
+                <a:solidFill>
+                  <a:schemeClr val="lt1"/>
+                </a:solidFill>
+                <a:latin typeface="+mn-lt"/>
+                <a:ea typeface="+mn-ea"/>
+                <a:cs typeface="+mn-cs"/>
+              </a:defRPr>
+            </a:lvl2pPr>
+            <a:lvl3pPr marL="914400" algn="l" defTabSz="914400" rtl="0" eaLnBrk="1" latinLnBrk="1" hangingPunct="1">
+              <a:defRPr sz="1800" kern="1200">
+                <a:solidFill>
+                  <a:schemeClr val="lt1"/>
+                </a:solidFill>
+                <a:latin typeface="+mn-lt"/>
+                <a:ea typeface="+mn-ea"/>
+                <a:cs typeface="+mn-cs"/>
+              </a:defRPr>
+            </a:lvl3pPr>
+            <a:lvl4pPr marL="1371600" algn="l" defTabSz="914400" rtl="0" eaLnBrk="1" latinLnBrk="1" hangingPunct="1">
+              <a:defRPr sz="1800" kern="1200">
+                <a:solidFill>
+                  <a:schemeClr val="lt1"/>
+                </a:solidFill>
+                <a:latin typeface="+mn-lt"/>
+                <a:ea typeface="+mn-ea"/>
+                <a:cs typeface="+mn-cs"/>
+              </a:defRPr>
+            </a:lvl4pPr>
+            <a:lvl5pPr marL="1828800" algn="l" defTabSz="914400" rtl="0" eaLnBrk="1" latinLnBrk="1" hangingPunct="1">
+              <a:defRPr sz="1800" kern="1200">
+                <a:solidFill>
+                  <a:schemeClr val="lt1"/>
+                </a:solidFill>
+                <a:latin typeface="+mn-lt"/>
+                <a:ea typeface="+mn-ea"/>
+                <a:cs typeface="+mn-cs"/>
+              </a:defRPr>
+            </a:lvl5pPr>
+            <a:lvl6pPr marL="2286000" algn="l" defTabSz="914400" rtl="0" eaLnBrk="1" latinLnBrk="1" hangingPunct="1">
+              <a:defRPr sz="1800" kern="1200">
+                <a:solidFill>
+                  <a:schemeClr val="lt1"/>
+                </a:solidFill>
+                <a:latin typeface="+mn-lt"/>
+                <a:ea typeface="+mn-ea"/>
+                <a:cs typeface="+mn-cs"/>
+              </a:defRPr>
+            </a:lvl6pPr>
+            <a:lvl7pPr marL="2743200" algn="l" defTabSz="914400" rtl="0" eaLnBrk="1" latinLnBrk="1" hangingPunct="1">
+              <a:defRPr sz="1800" kern="1200">
+                <a:solidFill>
+                  <a:schemeClr val="lt1"/>
+                </a:solidFill>
+                <a:latin typeface="+mn-lt"/>
+                <a:ea typeface="+mn-ea"/>
+                <a:cs typeface="+mn-cs"/>
+              </a:defRPr>
+            </a:lvl7pPr>
+            <a:lvl8pPr marL="3200400" algn="l" defTabSz="914400" rtl="0" eaLnBrk="1" latinLnBrk="1" hangingPunct="1">
+              <a:defRPr sz="1800" kern="1200">
+                <a:solidFill>
+                  <a:schemeClr val="lt1"/>
+                </a:solidFill>
+                <a:latin typeface="+mn-lt"/>
+                <a:ea typeface="+mn-ea"/>
+                <a:cs typeface="+mn-cs"/>
+              </a:defRPr>
+            </a:lvl8pPr>
+            <a:lvl9pPr marL="3657600" algn="l" defTabSz="914400" rtl="0" eaLnBrk="1" latinLnBrk="1" hangingPunct="1">
+              <a:defRPr sz="1800" kern="1200">
+                <a:solidFill>
+                  <a:schemeClr val="lt1"/>
+                </a:solidFill>
+                <a:latin typeface="+mn-lt"/>
+                <a:ea typeface="+mn-ea"/>
+                <a:cs typeface="+mn-cs"/>
+              </a:defRPr>
+            </a:lvl9pPr>
+          </a:lstStyle>
+          <a:p>
+            <a:pPr algn="ctr"/>
+            <a:endParaRPr lang="ko-KR" altLang="en-US" sz="1350" dirty="0"/>
+          </a:p>
+        </p:txBody>
+      </p:sp>
+      <p:sp>
+        <p:nvSpPr>
+          <p:cNvPr id="223" name="Donut 24">
+            <a:extLst>
+              <a:ext uri="{FF2B5EF4-FFF2-40B4-BE49-F238E27FC236}">
+                <a16:creationId xmlns:a16="http://schemas.microsoft.com/office/drawing/2014/main" id="{2C172970-6DCB-4FC6-A386-E4CED487C98F}"/>
+              </a:ext>
+            </a:extLst>
+          </p:cNvPr>
+          <p:cNvSpPr/>
+          <p:nvPr/>
+        </p:nvSpPr>
+        <p:spPr>
+          <a:xfrm>
+            <a:off x="7588999" y="1994161"/>
+            <a:ext cx="379946" cy="383039"/>
+          </a:xfrm>
+          <a:custGeom>
+            <a:avLst/>
+            <a:gdLst/>
+            <a:ahLst/>
+            <a:cxnLst/>
+            <a:rect l="l" t="t" r="r" b="b"/>
+            <a:pathLst>
+              <a:path w="3208412" h="3234532">
+                <a:moveTo>
+                  <a:pt x="1561445" y="1065858"/>
+                </a:moveTo>
+                <a:cubicBezTo>
+                  <a:pt x="1654998" y="1065858"/>
+                  <a:pt x="1743610" y="1087015"/>
+                  <a:pt x="1821879" y="1126644"/>
+                </a:cubicBezTo>
+                <a:lnTo>
+                  <a:pt x="1611352" y="1337172"/>
+                </a:lnTo>
+                <a:cubicBezTo>
+                  <a:pt x="1595200" y="1333388"/>
+                  <a:pt x="1578468" y="1332141"/>
+                  <a:pt x="1561445" y="1332141"/>
+                </a:cubicBezTo>
+                <a:cubicBezTo>
+                  <a:pt x="1373145" y="1332141"/>
+                  <a:pt x="1220499" y="1484787"/>
+                  <a:pt x="1220499" y="1673087"/>
+                </a:cubicBezTo>
+                <a:cubicBezTo>
+                  <a:pt x="1220499" y="1861387"/>
+                  <a:pt x="1373145" y="2014033"/>
+                  <a:pt x="1561445" y="2014033"/>
+                </a:cubicBezTo>
+                <a:cubicBezTo>
+                  <a:pt x="1749745" y="2014033"/>
+                  <a:pt x="1902391" y="1861387"/>
+                  <a:pt x="1902391" y="1673087"/>
+                </a:cubicBezTo>
+                <a:cubicBezTo>
+                  <a:pt x="1902391" y="1643675"/>
+                  <a:pt x="1898667" y="1615133"/>
+                  <a:pt x="1890450" y="1588219"/>
+                </a:cubicBezTo>
+                <a:lnTo>
+                  <a:pt x="2093156" y="1385512"/>
+                </a:lnTo>
+                <a:cubicBezTo>
+                  <a:pt x="2142229" y="1470075"/>
+                  <a:pt x="2168674" y="1568493"/>
+                  <a:pt x="2168674" y="1673087"/>
+                </a:cubicBezTo>
+                <a:cubicBezTo>
+                  <a:pt x="2168674" y="2008450"/>
+                  <a:pt x="1896808" y="2280316"/>
+                  <a:pt x="1561445" y="2280316"/>
+                </a:cubicBezTo>
+                <a:cubicBezTo>
+                  <a:pt x="1226082" y="2280316"/>
+                  <a:pt x="954217" y="2008450"/>
+                  <a:pt x="954217" y="1673087"/>
+                </a:cubicBezTo>
+                <a:cubicBezTo>
+                  <a:pt x="954217" y="1337724"/>
+                  <a:pt x="1226082" y="1065858"/>
+                  <a:pt x="1561445" y="1065858"/>
+                </a:cubicBezTo>
+                <a:close/>
+                <a:moveTo>
+                  <a:pt x="1561445" y="580076"/>
+                </a:moveTo>
+                <a:cubicBezTo>
+                  <a:pt x="1790175" y="580076"/>
+                  <a:pt x="2002494" y="650333"/>
+                  <a:pt x="2177834" y="770690"/>
+                </a:cubicBezTo>
+                <a:lnTo>
+                  <a:pt x="1968030" y="980494"/>
+                </a:lnTo>
+                <a:cubicBezTo>
+                  <a:pt x="1849962" y="907198"/>
+                  <a:pt x="1710422" y="866794"/>
+                  <a:pt x="1561445" y="866794"/>
+                </a:cubicBezTo>
+                <a:cubicBezTo>
+                  <a:pt x="1116142" y="866794"/>
+                  <a:pt x="755153" y="1227784"/>
+                  <a:pt x="755153" y="1673087"/>
+                </a:cubicBezTo>
+                <a:cubicBezTo>
+                  <a:pt x="755153" y="2118390"/>
+                  <a:pt x="1116142" y="2479380"/>
+                  <a:pt x="1561445" y="2479380"/>
+                </a:cubicBezTo>
+                <a:cubicBezTo>
+                  <a:pt x="2006748" y="2479380"/>
+                  <a:pt x="2367738" y="2118390"/>
+                  <a:pt x="2367738" y="1673087"/>
+                </a:cubicBezTo>
+                <a:cubicBezTo>
+                  <a:pt x="2367738" y="1513043"/>
+                  <a:pt x="2321108" y="1363890"/>
+                  <a:pt x="2239307" y="1239362"/>
+                </a:cubicBezTo>
+                <a:lnTo>
+                  <a:pt x="2445928" y="1032741"/>
+                </a:lnTo>
+                <a:cubicBezTo>
+                  <a:pt x="2577451" y="1212149"/>
+                  <a:pt x="2654457" y="1433625"/>
+                  <a:pt x="2654457" y="1673087"/>
+                </a:cubicBezTo>
+                <a:cubicBezTo>
+                  <a:pt x="2654457" y="2276741"/>
+                  <a:pt x="2165099" y="2766099"/>
+                  <a:pt x="1561445" y="2766099"/>
+                </a:cubicBezTo>
+                <a:cubicBezTo>
+                  <a:pt x="957792" y="2766099"/>
+                  <a:pt x="468434" y="2276741"/>
+                  <a:pt x="468434" y="1673087"/>
+                </a:cubicBezTo>
+                <a:cubicBezTo>
+                  <a:pt x="468434" y="1069433"/>
+                  <a:pt x="957792" y="580076"/>
+                  <a:pt x="1561445" y="580076"/>
+                </a:cubicBezTo>
+                <a:close/>
+                <a:moveTo>
+                  <a:pt x="1561445" y="111642"/>
+                </a:moveTo>
+                <a:cubicBezTo>
+                  <a:pt x="1890473" y="111642"/>
+                  <a:pt x="2195731" y="213411"/>
+                  <a:pt x="2447076" y="387744"/>
+                </a:cubicBezTo>
+                <a:lnTo>
+                  <a:pt x="2453780" y="494744"/>
+                </a:lnTo>
+                <a:lnTo>
+                  <a:pt x="2309436" y="639088"/>
+                </a:lnTo>
+                <a:cubicBezTo>
+                  <a:pt x="2099826" y="485554"/>
+                  <a:pt x="1841132" y="395669"/>
+                  <a:pt x="1561445" y="395669"/>
+                </a:cubicBezTo>
+                <a:cubicBezTo>
+                  <a:pt x="855947" y="395669"/>
+                  <a:pt x="284027" y="967589"/>
+                  <a:pt x="284027" y="1673087"/>
+                </a:cubicBezTo>
+                <a:cubicBezTo>
+                  <a:pt x="284027" y="2378585"/>
+                  <a:pt x="855947" y="2950505"/>
+                  <a:pt x="1561445" y="2950505"/>
+                </a:cubicBezTo>
+                <a:cubicBezTo>
+                  <a:pt x="2266943" y="2950505"/>
+                  <a:pt x="2838863" y="2378585"/>
+                  <a:pt x="2838863" y="1673087"/>
+                </a:cubicBezTo>
+                <a:cubicBezTo>
+                  <a:pt x="2838863" y="1382650"/>
+                  <a:pt x="2741936" y="1114852"/>
+                  <a:pt x="2577529" y="901139"/>
+                </a:cubicBezTo>
+                <a:lnTo>
+                  <a:pt x="2706681" y="771988"/>
+                </a:lnTo>
+                <a:lnTo>
+                  <a:pt x="2841540" y="780437"/>
+                </a:lnTo>
+                <a:cubicBezTo>
+                  <a:pt x="3019168" y="1032973"/>
+                  <a:pt x="3122890" y="1340917"/>
+                  <a:pt x="3122890" y="1673087"/>
+                </a:cubicBezTo>
+                <a:cubicBezTo>
+                  <a:pt x="3122890" y="2535449"/>
+                  <a:pt x="2423807" y="3234532"/>
+                  <a:pt x="1561445" y="3234532"/>
+                </a:cubicBezTo>
+                <a:cubicBezTo>
+                  <a:pt x="699083" y="3234532"/>
+                  <a:pt x="0" y="2535449"/>
+                  <a:pt x="0" y="1673087"/>
+                </a:cubicBezTo>
+                <a:cubicBezTo>
+                  <a:pt x="0" y="810725"/>
+                  <a:pt x="699083" y="111642"/>
+                  <a:pt x="1561445" y="111642"/>
+                </a:cubicBezTo>
+                <a:close/>
+                <a:moveTo>
+                  <a:pt x="2909110" y="0"/>
+                </a:moveTo>
+                <a:lnTo>
+                  <a:pt x="2926757" y="281655"/>
+                </a:lnTo>
+                <a:lnTo>
+                  <a:pt x="3208412" y="299301"/>
+                </a:lnTo>
+                <a:lnTo>
+                  <a:pt x="2863230" y="644483"/>
+                </a:lnTo>
+                <a:lnTo>
+                  <a:pt x="2685547" y="633351"/>
+                </a:lnTo>
+                <a:lnTo>
+                  <a:pt x="1718098" y="1600799"/>
+                </a:lnTo>
+                <a:cubicBezTo>
+                  <a:pt x="1729236" y="1622491"/>
+                  <a:pt x="1734939" y="1647123"/>
+                  <a:pt x="1734939" y="1673087"/>
+                </a:cubicBezTo>
+                <a:cubicBezTo>
+                  <a:pt x="1734939" y="1768905"/>
+                  <a:pt x="1657263" y="1846581"/>
+                  <a:pt x="1561445" y="1846581"/>
+                </a:cubicBezTo>
+                <a:cubicBezTo>
+                  <a:pt x="1465627" y="1846581"/>
+                  <a:pt x="1387951" y="1768905"/>
+                  <a:pt x="1387951" y="1673087"/>
+                </a:cubicBezTo>
+                <a:cubicBezTo>
+                  <a:pt x="1387951" y="1577269"/>
+                  <a:pt x="1465627" y="1499593"/>
+                  <a:pt x="1561445" y="1499593"/>
+                </a:cubicBezTo>
+                <a:lnTo>
+                  <a:pt x="1591006" y="1505561"/>
+                </a:lnTo>
+                <a:lnTo>
+                  <a:pt x="2574981" y="521587"/>
+                </a:lnTo>
+                <a:lnTo>
+                  <a:pt x="2563928" y="345182"/>
+                </a:lnTo>
+                <a:close/>
+              </a:path>
+            </a:pathLst>
+          </a:custGeom>
+          <a:solidFill>
+            <a:schemeClr val="bg1"/>
+          </a:solidFill>
+          <a:ln>
+            <a:noFill/>
+          </a:ln>
+        </p:spPr>
+        <p:style>
+          <a:lnRef idx="2">
+            <a:schemeClr val="accent1">
+              <a:shade val="50000"/>
+            </a:schemeClr>
+          </a:lnRef>
+          <a:fillRef idx="1">
+            <a:schemeClr val="accent1"/>
+          </a:fillRef>
+          <a:effectRef idx="0">
+            <a:schemeClr val="accent1"/>
+          </a:effectRef>
+          <a:fontRef idx="minor">
+            <a:schemeClr val="lt1"/>
+          </a:fontRef>
+        </p:style>
+        <p:txBody>
+          <a:bodyPr rtlCol="0" anchor="ctr"/>
+          <a:lstStyle>
+            <a:defPPr>
+              <a:defRPr lang="ko-KR"/>
+            </a:defPPr>
+            <a:lvl1pPr marL="0" algn="l" defTabSz="914400" rtl="0" eaLnBrk="1" latinLnBrk="1" hangingPunct="1">
+              <a:defRPr sz="1800" kern="1200">
+                <a:solidFill>
+                  <a:schemeClr val="lt1"/>
+                </a:solidFill>
+                <a:latin typeface="+mn-lt"/>
+                <a:ea typeface="+mn-ea"/>
+                <a:cs typeface="+mn-cs"/>
+              </a:defRPr>
+            </a:lvl1pPr>
+            <a:lvl2pPr marL="457200" algn="l" defTabSz="914400" rtl="0" eaLnBrk="1" latinLnBrk="1" hangingPunct="1">
+              <a:defRPr sz="1800" kern="1200">
+                <a:solidFill>
+                  <a:schemeClr val="lt1"/>
+                </a:solidFill>
+                <a:latin typeface="+mn-lt"/>
+                <a:ea typeface="+mn-ea"/>
+                <a:cs typeface="+mn-cs"/>
+              </a:defRPr>
+            </a:lvl2pPr>
+            <a:lvl3pPr marL="914400" algn="l" defTabSz="914400" rtl="0" eaLnBrk="1" latinLnBrk="1" hangingPunct="1">
+              <a:defRPr sz="1800" kern="1200">
+                <a:solidFill>
+                  <a:schemeClr val="lt1"/>
+                </a:solidFill>
+                <a:latin typeface="+mn-lt"/>
+                <a:ea typeface="+mn-ea"/>
+                <a:cs typeface="+mn-cs"/>
+              </a:defRPr>
+            </a:lvl3pPr>
+            <a:lvl4pPr marL="1371600" algn="l" defTabSz="914400" rtl="0" eaLnBrk="1" latinLnBrk="1" hangingPunct="1">
+              <a:defRPr sz="1800" kern="1200">
+                <a:solidFill>
+                  <a:schemeClr val="lt1"/>
+                </a:solidFill>
+                <a:latin typeface="+mn-lt"/>
+                <a:ea typeface="+mn-ea"/>
+                <a:cs typeface="+mn-cs"/>
+              </a:defRPr>
+            </a:lvl4pPr>
+            <a:lvl5pPr marL="1828800" algn="l" defTabSz="914400" rtl="0" eaLnBrk="1" latinLnBrk="1" hangingPunct="1">
+              <a:defRPr sz="1800" kern="1200">
+                <a:solidFill>
+                  <a:schemeClr val="lt1"/>
+                </a:solidFill>
+                <a:latin typeface="+mn-lt"/>
+                <a:ea typeface="+mn-ea"/>
+                <a:cs typeface="+mn-cs"/>
+              </a:defRPr>
+            </a:lvl5pPr>
+            <a:lvl6pPr marL="2286000" algn="l" defTabSz="914400" rtl="0" eaLnBrk="1" latinLnBrk="1" hangingPunct="1">
+              <a:defRPr sz="1800" kern="1200">
+                <a:solidFill>
+                  <a:schemeClr val="lt1"/>
+                </a:solidFill>
+                <a:latin typeface="+mn-lt"/>
+                <a:ea typeface="+mn-ea"/>
+                <a:cs typeface="+mn-cs"/>
+              </a:defRPr>
+            </a:lvl6pPr>
+            <a:lvl7pPr marL="2743200" algn="l" defTabSz="914400" rtl="0" eaLnBrk="1" latinLnBrk="1" hangingPunct="1">
+              <a:defRPr sz="1800" kern="1200">
+                <a:solidFill>
+                  <a:schemeClr val="lt1"/>
+                </a:solidFill>
+                <a:latin typeface="+mn-lt"/>
+                <a:ea typeface="+mn-ea"/>
+                <a:cs typeface="+mn-cs"/>
+              </a:defRPr>
+            </a:lvl7pPr>
+            <a:lvl8pPr marL="3200400" algn="l" defTabSz="914400" rtl="0" eaLnBrk="1" latinLnBrk="1" hangingPunct="1">
+              <a:defRPr sz="1800" kern="1200">
+                <a:solidFill>
+                  <a:schemeClr val="lt1"/>
+                </a:solidFill>
+                <a:latin typeface="+mn-lt"/>
+                <a:ea typeface="+mn-ea"/>
+                <a:cs typeface="+mn-cs"/>
+              </a:defRPr>
+            </a:lvl8pPr>
+            <a:lvl9pPr marL="3657600" algn="l" defTabSz="914400" rtl="0" eaLnBrk="1" latinLnBrk="1" hangingPunct="1">
+              <a:defRPr sz="1800" kern="1200">
+                <a:solidFill>
+                  <a:schemeClr val="lt1"/>
+                </a:solidFill>
+                <a:latin typeface="+mn-lt"/>
+                <a:ea typeface="+mn-ea"/>
+                <a:cs typeface="+mn-cs"/>
+              </a:defRPr>
+            </a:lvl9pPr>
+          </a:lstStyle>
+          <a:p>
+            <a:pPr algn="ctr"/>
+            <a:endParaRPr lang="ko-KR" altLang="en-US" sz="1350" dirty="0">
+              <a:solidFill>
+                <a:schemeClr val="tx1"/>
+              </a:solidFill>
+            </a:endParaRPr>
+          </a:p>
+        </p:txBody>
+      </p:sp>
+    </p:spTree>
+    <p:extLst>
+      <p:ext uri="{BB962C8B-B14F-4D97-AF65-F5344CB8AC3E}">
+        <p14:creationId xmlns:p14="http://schemas.microsoft.com/office/powerpoint/2010/main" val="1441458281"/>
       </p:ext>
     </p:extLst>
   </p:cSld>
@@ -5571,7 +7608,7 @@
 </file>
 
 <file path=ppt/slides/slide3.xml><?xml version="1.0" encoding="utf-8"?>
-<p:sld xmlns:a="http://schemas.openxmlformats.org/drawingml/2006/main" xmlns:r="http://schemas.openxmlformats.org/officeDocument/2006/relationships" xmlns:p="http://schemas.openxmlformats.org/presentationml/2006/main">
+<p:sld xmlns:a="http://schemas.openxmlformats.org/drawingml/2006/main" xmlns:r="http://schemas.openxmlformats.org/officeDocument/2006/relationships" xmlns:p="http://schemas.openxmlformats.org/presentationml/2006/main" show="0">
   <p:cSld>
     <p:spTree>
       <p:nvGrpSpPr>
@@ -8185,13 +10222,8 @@
           <a:p>
             <a:r>
               <a:rPr lang="en-US" dirty="0"/>
-              <a:t> 	</a:t>
+              <a:t> 	Tools</a:t>
             </a:r>
-            <a:r>
-              <a:rPr lang="en-US" dirty="0" err="1"/>
-              <a:t>Functinal</a:t>
-            </a:r>
-            <a:endParaRPr lang="en-US" dirty="0"/>
           </a:p>
         </p:txBody>
       </p:sp>
@@ -8241,7 +10273,34 @@
           <a:bodyPr/>
           <a:lstStyle/>
           <a:p>
-            <a:endParaRPr lang="en-US"/>
+            <a:pPr marL="285750" indent="-285750">
+              <a:buFontTx/>
+              <a:buChar char="-"/>
+            </a:pPr>
+            <a:r>
+              <a:rPr lang="en-US" dirty="0"/>
+              <a:t>Android Studio</a:t>
+            </a:r>
+          </a:p>
+          <a:p>
+            <a:pPr marL="285750" indent="-285750">
+              <a:buFontTx/>
+              <a:buChar char="-"/>
+            </a:pPr>
+            <a:r>
+              <a:rPr lang="en-US" dirty="0"/>
+              <a:t>GitHub, Bitbucket</a:t>
+            </a:r>
+          </a:p>
+          <a:p>
+            <a:pPr marL="285750" indent="-285750">
+              <a:buFontTx/>
+              <a:buChar char="-"/>
+            </a:pPr>
+            <a:r>
+              <a:rPr lang="en-US" dirty="0"/>
+              <a:t>Trello</a:t>
+            </a:r>
           </a:p>
         </p:txBody>
       </p:sp>
@@ -8277,7 +10336,13 @@
       </p:grpSpPr>
       <p:sp>
         <p:nvSpPr>
-          <p:cNvPr id="3" name="Title 2"/>
+          <p:cNvPr id="2" name="Title 1">
+            <a:extLst>
+              <a:ext uri="{FF2B5EF4-FFF2-40B4-BE49-F238E27FC236}">
+                <a16:creationId xmlns:a16="http://schemas.microsoft.com/office/drawing/2014/main" id="{AFD637C9-F6C0-49FF-95BA-EF99FB526E97}"/>
+              </a:ext>
+            </a:extLst>
+          </p:cNvPr>
           <p:cNvSpPr>
             <a:spLocks noGrp="1"/>
           </p:cNvSpPr>
@@ -8290,17 +10355,19 @@
           <a:bodyPr/>
           <a:lstStyle/>
           <a:p>
-            <a:r>
-              <a:rPr lang="en-US" altLang="ko-KR" dirty="0"/>
-              <a:t>Free PPT _ Click to add title</a:t>
-            </a:r>
-            <a:endParaRPr lang="ko-KR" altLang="en-US" dirty="0"/>
-          </a:p>
-        </p:txBody>
-      </p:sp>
-      <p:sp>
-        <p:nvSpPr>
-          <p:cNvPr id="2" name="Content Placeholder 1"/>
+            <a:endParaRPr lang="en-US"/>
+          </a:p>
+        </p:txBody>
+      </p:sp>
+      <p:sp>
+        <p:nvSpPr>
+          <p:cNvPr id="3" name="Content Placeholder 2">
+            <a:extLst>
+              <a:ext uri="{FF2B5EF4-FFF2-40B4-BE49-F238E27FC236}">
+                <a16:creationId xmlns:a16="http://schemas.microsoft.com/office/drawing/2014/main" id="{4B78E376-4C59-411B-AD4C-A207A5D0C2E0}"/>
+              </a:ext>
+            </a:extLst>
+          </p:cNvPr>
           <p:cNvSpPr>
             <a:spLocks noGrp="1"/>
           </p:cNvSpPr>
@@ -8313,21 +10380,19 @@
           <a:bodyPr/>
           <a:lstStyle/>
           <a:p>
-            <a:pPr lvl="0"/>
-            <a:r>
-              <a:rPr lang="en-US" altLang="ko-KR" b="1" dirty="0"/>
-              <a:t>Click to edit text styles </a:t>
-            </a:r>
-            <a:r>
-              <a:rPr lang="en-US" b="1" dirty="0"/>
-              <a:t>- Widescreen(16:9)</a:t>
-            </a:r>
-          </a:p>
-        </p:txBody>
-      </p:sp>
-      <p:sp>
-        <p:nvSpPr>
-          <p:cNvPr id="5" name="Content Placeholder 4"/>
+            <a:endParaRPr lang="en-US"/>
+          </a:p>
+        </p:txBody>
+      </p:sp>
+      <p:sp>
+        <p:nvSpPr>
+          <p:cNvPr id="4" name="Content Placeholder 3">
+            <a:extLst>
+              <a:ext uri="{FF2B5EF4-FFF2-40B4-BE49-F238E27FC236}">
+                <a16:creationId xmlns:a16="http://schemas.microsoft.com/office/drawing/2014/main" id="{EDE1CB03-A3EB-4318-8E20-E7327749D3A8}"/>
+              </a:ext>
+            </a:extLst>
+          </p:cNvPr>
           <p:cNvSpPr>
             <a:spLocks noGrp="1"/>
           </p:cNvSpPr>
@@ -8340,58 +10405,44 @@
           <a:bodyPr/>
           <a:lstStyle/>
           <a:p>
-            <a:r>
-              <a:rPr lang="en-US" altLang="ko-KR" dirty="0">
-                <a:latin typeface="Arial" pitchFamily="34" charset="0"/>
-                <a:cs typeface="Arial" pitchFamily="34" charset="0"/>
-              </a:rPr>
-              <a:t>This PowerPoint Template has clean and neutral design that can be adapted to any content and meets various market segments. With this many slides you are able to make a complete PowerPoint Presentation that best suit your needs. </a:t>
-            </a:r>
-          </a:p>
-          <a:p>
-            <a:pPr>
-              <a:buFont typeface="Wingdings" pitchFamily="2" charset="2"/>
-              <a:buChar char="ü"/>
-            </a:pPr>
-            <a:endParaRPr lang="en-US" altLang="ko-KR" dirty="0">
-              <a:latin typeface="Arial" pitchFamily="34" charset="0"/>
-              <a:cs typeface="Arial" pitchFamily="34" charset="0"/>
-            </a:endParaRPr>
-          </a:p>
-          <a:p>
-            <a:r>
-              <a:rPr lang="en-US" altLang="ko-KR" dirty="0">
-                <a:latin typeface="Arial" pitchFamily="34" charset="0"/>
-                <a:cs typeface="Arial" pitchFamily="34" charset="0"/>
-              </a:rPr>
-              <a:t>This PowerPoint Template has clean and neutral design that can be adapted to any content and meets various market segments. With this many slides you are able to make a complete PowerPoint Presentation that best suit your needs.</a:t>
-            </a:r>
-          </a:p>
-          <a:p>
-            <a:endParaRPr lang="en-US" altLang="ko-KR" dirty="0">
-              <a:latin typeface="Arial" pitchFamily="34" charset="0"/>
-              <a:cs typeface="Arial" pitchFamily="34" charset="0"/>
-            </a:endParaRPr>
-          </a:p>
-          <a:p>
-            <a:r>
-              <a:rPr lang="en-US" altLang="ko-KR" dirty="0">
-                <a:latin typeface="Arial" pitchFamily="34" charset="0"/>
-                <a:cs typeface="Arial" pitchFamily="34" charset="0"/>
-              </a:rPr>
-              <a:t>This PowerPoint Template has clean and neutral design that can be adapted to any content and meets various market segments. With this many slides you are able to make a complete PowerPoint Presentation that best suit your needs.</a:t>
-            </a:r>
-            <a:endParaRPr lang="ko-KR" altLang="en-US" dirty="0">
-              <a:latin typeface="Arial" pitchFamily="34" charset="0"/>
-              <a:cs typeface="Arial" pitchFamily="34" charset="0"/>
-            </a:endParaRPr>
-          </a:p>
-        </p:txBody>
-      </p:sp>
+            <a:endParaRPr lang="en-US"/>
+          </a:p>
+        </p:txBody>
+      </p:sp>
+      <p:pic>
+        <p:nvPicPr>
+          <p:cNvPr id="5" name="Picture 4">
+            <a:extLst>
+              <a:ext uri="{FF2B5EF4-FFF2-40B4-BE49-F238E27FC236}">
+                <a16:creationId xmlns:a16="http://schemas.microsoft.com/office/drawing/2014/main" id="{4CCEB04F-DD91-4F39-B6E5-901AD97E4779}"/>
+              </a:ext>
+            </a:extLst>
+          </p:cNvPr>
+          <p:cNvPicPr>
+            <a:picLocks noChangeAspect="1"/>
+          </p:cNvPicPr>
+          <p:nvPr/>
+        </p:nvPicPr>
+        <p:blipFill>
+          <a:blip r:embed="rId2"/>
+          <a:stretch>
+            <a:fillRect/>
+          </a:stretch>
+        </p:blipFill>
+        <p:spPr>
+          <a:xfrm>
+            <a:off x="0" y="1255"/>
+            <a:ext cx="9144000" cy="5140990"/>
+          </a:xfrm>
+          <a:prstGeom prst="rect">
+            <a:avLst/>
+          </a:prstGeom>
+        </p:spPr>
+      </p:pic>
     </p:spTree>
     <p:extLst>
       <p:ext uri="{BB962C8B-B14F-4D97-AF65-F5344CB8AC3E}">
-        <p14:creationId xmlns:p14="http://schemas.microsoft.com/office/powerpoint/2010/main" val="979107610"/>
+        <p14:creationId xmlns:p14="http://schemas.microsoft.com/office/powerpoint/2010/main" val="2460120123"/>
       </p:ext>
     </p:extLst>
   </p:cSld>
@@ -8420,7 +10471,13 @@
       </p:grpSpPr>
       <p:sp>
         <p:nvSpPr>
-          <p:cNvPr id="4" name="Title 3"/>
+          <p:cNvPr id="2" name="Title 1">
+            <a:extLst>
+              <a:ext uri="{FF2B5EF4-FFF2-40B4-BE49-F238E27FC236}">
+                <a16:creationId xmlns:a16="http://schemas.microsoft.com/office/drawing/2014/main" id="{420D242D-CC33-4647-94B2-310F8E24092A}"/>
+              </a:ext>
+            </a:extLst>
+          </p:cNvPr>
           <p:cNvSpPr>
             <a:spLocks noGrp="1"/>
           </p:cNvSpPr>
@@ -8430,26 +10487,27 @@
         </p:nvSpPr>
         <p:spPr/>
         <p:txBody>
-          <a:bodyPr>
-            <a:normAutofit fontScale="90000"/>
-          </a:bodyPr>
+          <a:bodyPr/>
           <a:lstStyle/>
           <a:p>
-            <a:r>
-              <a:rPr lang="en-US" dirty="0"/>
-              <a:t>Free PPT Templates: Allppt.com</a:t>
-            </a:r>
-          </a:p>
-        </p:txBody>
-      </p:sp>
-      <p:sp>
-        <p:nvSpPr>
-          <p:cNvPr id="53" name="Text Placeholder 52"/>
+            <a:endParaRPr lang="en-US"/>
+          </a:p>
+        </p:txBody>
+      </p:sp>
+      <p:sp>
+        <p:nvSpPr>
+          <p:cNvPr id="3" name="Content Placeholder 2">
+            <a:extLst>
+              <a:ext uri="{FF2B5EF4-FFF2-40B4-BE49-F238E27FC236}">
+                <a16:creationId xmlns:a16="http://schemas.microsoft.com/office/drawing/2014/main" id="{A1226B64-9C10-44AA-868B-5AE95439A0A4}"/>
+              </a:ext>
+            </a:extLst>
+          </p:cNvPr>
           <p:cNvSpPr>
             <a:spLocks noGrp="1"/>
           </p:cNvSpPr>
           <p:nvPr>
-            <p:ph type="body" sz="quarter" idx="41"/>
+            <p:ph idx="1"/>
           </p:nvPr>
         </p:nvSpPr>
         <p:spPr/>
@@ -8457,2004 +10515,454 @@
           <a:bodyPr/>
           <a:lstStyle/>
           <a:p>
-            <a:r>
-              <a:rPr lang="en-US" dirty="0"/>
-              <a:t>You can download professional PowerPoint diagrams for free</a:t>
-            </a:r>
-          </a:p>
-        </p:txBody>
-      </p:sp>
-      <p:sp>
-        <p:nvSpPr>
-          <p:cNvPr id="54" name="TextBox 53">
+            <a:endParaRPr lang="en-US"/>
+          </a:p>
+        </p:txBody>
+      </p:sp>
+      <p:sp>
+        <p:nvSpPr>
+          <p:cNvPr id="4" name="Content Placeholder 3">
             <a:extLst>
               <a:ext uri="{FF2B5EF4-FFF2-40B4-BE49-F238E27FC236}">
-                <a16:creationId xmlns:a16="http://schemas.microsoft.com/office/drawing/2014/main" id="{B86476EE-9FD2-4CEA-A6D9-0AD39ADF3D03}"/>
+                <a16:creationId xmlns:a16="http://schemas.microsoft.com/office/drawing/2014/main" id="{47713DF6-CA50-4AA8-968A-B162C880A486}"/>
               </a:ext>
             </a:extLst>
           </p:cNvPr>
-          <p:cNvSpPr txBox="1"/>
+          <p:cNvSpPr>
+            <a:spLocks noGrp="1"/>
+          </p:cNvSpPr>
+          <p:nvPr>
+            <p:ph idx="10"/>
+          </p:nvPr>
+        </p:nvSpPr>
+        <p:spPr/>
+        <p:txBody>
+          <a:bodyPr/>
+          <a:lstStyle/>
+          <a:p>
+            <a:endParaRPr lang="en-US"/>
+          </a:p>
+        </p:txBody>
+      </p:sp>
+      <p:pic>
+        <p:nvPicPr>
+          <p:cNvPr id="5" name="Picture 4">
+            <a:extLst>
+              <a:ext uri="{FF2B5EF4-FFF2-40B4-BE49-F238E27FC236}">
+                <a16:creationId xmlns:a16="http://schemas.microsoft.com/office/drawing/2014/main" id="{345280B7-887F-4D97-8753-8746BC38E8CD}"/>
+              </a:ext>
+            </a:extLst>
+          </p:cNvPr>
+          <p:cNvPicPr>
+            <a:picLocks noChangeAspect="1"/>
+          </p:cNvPicPr>
           <p:nvPr/>
-        </p:nvSpPr>
+        </p:nvPicPr>
+        <p:blipFill>
+          <a:blip r:embed="rId2"/>
+          <a:stretch>
+            <a:fillRect/>
+          </a:stretch>
+        </p:blipFill>
         <p:spPr>
           <a:xfrm>
-            <a:off x="0" y="4949820"/>
-            <a:ext cx="9144000" cy="207749"/>
+            <a:off x="1619672" y="0"/>
+            <a:ext cx="7524328" cy="5143500"/>
           </a:xfrm>
           <a:prstGeom prst="rect">
             <a:avLst/>
           </a:prstGeom>
-          <a:noFill/>
         </p:spPr>
-        <p:txBody>
-          <a:bodyPr wrap="square" rtlCol="0">
-            <a:spAutoFit/>
-          </a:bodyPr>
-          <a:lstStyle/>
-          <a:p>
-            <a:pPr algn="ctr"/>
-            <a:r>
-              <a:rPr lang="en-US" altLang="ko-KR" sz="750" dirty="0">
-                <a:solidFill>
-                  <a:schemeClr val="bg1"/>
-                </a:solidFill>
-                <a:hlinkClick r:id="rId2"/>
-              </a:rPr>
-              <a:t>www.free-powerpoint-templates-design.com</a:t>
-            </a:r>
-            <a:endParaRPr lang="ko-KR" altLang="en-US" sz="750" dirty="0">
-              <a:solidFill>
-                <a:schemeClr val="bg1"/>
-              </a:solidFill>
-            </a:endParaRPr>
-          </a:p>
-        </p:txBody>
-      </p:sp>
-      <p:cxnSp>
-        <p:nvCxnSpPr>
-          <p:cNvPr id="203" name="Straight Arrow Connector 3">
+      </p:pic>
+    </p:spTree>
+    <p:extLst>
+      <p:ext uri="{BB962C8B-B14F-4D97-AF65-F5344CB8AC3E}">
+        <p14:creationId xmlns:p14="http://schemas.microsoft.com/office/powerpoint/2010/main" val="3245013507"/>
+      </p:ext>
+    </p:extLst>
+  </p:cSld>
+  <p:clrMapOvr>
+    <a:masterClrMapping/>
+  </p:clrMapOvr>
+</p:sld>
+</file>
+
+<file path=ppt/slides/slide7.xml><?xml version="1.0" encoding="utf-8"?>
+<p:sld xmlns:a="http://schemas.openxmlformats.org/drawingml/2006/main" xmlns:r="http://schemas.openxmlformats.org/officeDocument/2006/relationships" xmlns:p="http://schemas.openxmlformats.org/presentationml/2006/main">
+  <p:cSld>
+    <p:spTree>
+      <p:nvGrpSpPr>
+        <p:cNvPr id="1" name=""/>
+        <p:cNvGrpSpPr/>
+        <p:nvPr/>
+      </p:nvGrpSpPr>
+      <p:grpSpPr>
+        <a:xfrm>
+          <a:off x="0" y="0"/>
+          <a:ext cx="0" cy="0"/>
+          <a:chOff x="0" y="0"/>
+          <a:chExt cx="0" cy="0"/>
+        </a:xfrm>
+      </p:grpSpPr>
+      <p:sp>
+        <p:nvSpPr>
+          <p:cNvPr id="2" name="Title 1">
             <a:extLst>
               <a:ext uri="{FF2B5EF4-FFF2-40B4-BE49-F238E27FC236}">
-                <a16:creationId xmlns:a16="http://schemas.microsoft.com/office/drawing/2014/main" id="{6AC9633F-7D44-4B1C-AB17-62B27994448E}"/>
+                <a16:creationId xmlns:a16="http://schemas.microsoft.com/office/drawing/2014/main" id="{C6E2A7B7-D918-497B-9B99-BD38F643C855}"/>
               </a:ext>
             </a:extLst>
           </p:cNvPr>
-          <p:cNvCxnSpPr>
-            <a:cxnSpLocks/>
-          </p:cNvCxnSpPr>
-          <p:nvPr/>
-        </p:nvCxnSpPr>
-        <p:spPr>
-          <a:xfrm>
-            <a:off x="0" y="2210378"/>
-            <a:ext cx="9144000" cy="0"/>
-          </a:xfrm>
-          <a:prstGeom prst="straightConnector1">
-            <a:avLst/>
-          </a:prstGeom>
-          <a:ln w="25400">
-            <a:solidFill>
-              <a:schemeClr val="tx1">
-                <a:lumMod val="75000"/>
-                <a:lumOff val="25000"/>
-              </a:schemeClr>
-            </a:solidFill>
-            <a:prstDash val="sysDot"/>
-            <a:tailEnd type="none"/>
-          </a:ln>
-        </p:spPr>
-        <p:style>
-          <a:lnRef idx="1">
-            <a:schemeClr val="accent1"/>
-          </a:lnRef>
-          <a:fillRef idx="0">
-            <a:schemeClr val="accent1"/>
-          </a:fillRef>
-          <a:effectRef idx="0">
-            <a:schemeClr val="accent1"/>
-          </a:effectRef>
-          <a:fontRef idx="minor">
-            <a:schemeClr val="tx1"/>
-          </a:fontRef>
-        </p:style>
-      </p:cxnSp>
-      <p:sp>
-        <p:nvSpPr>
-          <p:cNvPr id="204" name="Oval 4">
+          <p:cNvSpPr>
+            <a:spLocks noGrp="1"/>
+          </p:cNvSpPr>
+          <p:nvPr>
+            <p:ph type="title"/>
+          </p:nvPr>
+        </p:nvSpPr>
+        <p:spPr/>
+        <p:txBody>
+          <a:bodyPr/>
+          <a:lstStyle/>
+          <a:p>
+            <a:endParaRPr lang="en-US"/>
+          </a:p>
+        </p:txBody>
+      </p:sp>
+      <p:sp>
+        <p:nvSpPr>
+          <p:cNvPr id="3" name="Content Placeholder 2">
             <a:extLst>
               <a:ext uri="{FF2B5EF4-FFF2-40B4-BE49-F238E27FC236}">
-                <a16:creationId xmlns:a16="http://schemas.microsoft.com/office/drawing/2014/main" id="{218F9278-03AE-431E-8E9F-7E7D6717932F}"/>
+                <a16:creationId xmlns:a16="http://schemas.microsoft.com/office/drawing/2014/main" id="{FB89E708-C3B4-4999-AD81-639F11F89A98}"/>
               </a:ext>
             </a:extLst>
           </p:cNvPr>
-          <p:cNvSpPr/>
-          <p:nvPr/>
-        </p:nvSpPr>
-        <p:spPr>
-          <a:xfrm>
-            <a:off x="961199" y="1784115"/>
-            <a:ext cx="810000" cy="810000"/>
-          </a:xfrm>
-          <a:prstGeom prst="ellipse">
-            <a:avLst/>
-          </a:prstGeom>
-          <a:solidFill>
-            <a:schemeClr val="accent1"/>
-          </a:solidFill>
-          <a:ln>
-            <a:solidFill>
-              <a:schemeClr val="tx1">
-                <a:lumMod val="75000"/>
-                <a:lumOff val="25000"/>
-              </a:schemeClr>
-            </a:solidFill>
-          </a:ln>
-        </p:spPr>
-        <p:style>
-          <a:lnRef idx="2">
-            <a:schemeClr val="accent1">
-              <a:shade val="50000"/>
-            </a:schemeClr>
-          </a:lnRef>
-          <a:fillRef idx="1">
-            <a:schemeClr val="accent1"/>
-          </a:fillRef>
-          <a:effectRef idx="0">
-            <a:schemeClr val="accent1"/>
-          </a:effectRef>
-          <a:fontRef idx="minor">
-            <a:schemeClr val="lt1"/>
-          </a:fontRef>
-        </p:style>
-        <p:txBody>
-          <a:bodyPr rtlCol="0" anchor="ctr"/>
+          <p:cNvSpPr>
+            <a:spLocks noGrp="1"/>
+          </p:cNvSpPr>
+          <p:nvPr>
+            <p:ph idx="1"/>
+          </p:nvPr>
+        </p:nvSpPr>
+        <p:spPr/>
+        <p:txBody>
+          <a:bodyPr/>
           <a:lstStyle/>
           <a:p>
-            <a:pPr algn="ctr"/>
-            <a:endParaRPr lang="ko-KR" altLang="en-US" sz="1350">
-              <a:cs typeface="Arial" pitchFamily="34" charset="0"/>
-            </a:endParaRPr>
-          </a:p>
-        </p:txBody>
-      </p:sp>
-      <p:sp>
-        <p:nvSpPr>
-          <p:cNvPr id="205" name="Oval 6">
+            <a:endParaRPr lang="en-US"/>
+          </a:p>
+        </p:txBody>
+      </p:sp>
+      <p:sp>
+        <p:nvSpPr>
+          <p:cNvPr id="4" name="Content Placeholder 3">
             <a:extLst>
               <a:ext uri="{FF2B5EF4-FFF2-40B4-BE49-F238E27FC236}">
-                <a16:creationId xmlns:a16="http://schemas.microsoft.com/office/drawing/2014/main" id="{9CC06844-5206-4DB8-91C3-174620026932}"/>
+                <a16:creationId xmlns:a16="http://schemas.microsoft.com/office/drawing/2014/main" id="{D4C9ACA4-48D4-4292-94EE-567EC09DB0DC}"/>
               </a:ext>
             </a:extLst>
           </p:cNvPr>
-          <p:cNvSpPr/>
-          <p:nvPr/>
-        </p:nvSpPr>
-        <p:spPr>
-          <a:xfrm>
-            <a:off x="5237749" y="1784115"/>
-            <a:ext cx="810000" cy="810000"/>
-          </a:xfrm>
-          <a:prstGeom prst="ellipse">
-            <a:avLst/>
-          </a:prstGeom>
-          <a:solidFill>
-            <a:schemeClr val="accent3"/>
-          </a:solidFill>
-          <a:ln>
-            <a:solidFill>
-              <a:schemeClr val="tx1">
-                <a:lumMod val="75000"/>
-                <a:lumOff val="25000"/>
-              </a:schemeClr>
-            </a:solidFill>
-          </a:ln>
-        </p:spPr>
-        <p:style>
-          <a:lnRef idx="2">
-            <a:schemeClr val="accent1">
-              <a:shade val="50000"/>
-            </a:schemeClr>
-          </a:lnRef>
-          <a:fillRef idx="1">
-            <a:schemeClr val="accent1"/>
-          </a:fillRef>
-          <a:effectRef idx="0">
-            <a:schemeClr val="accent1"/>
-          </a:effectRef>
-          <a:fontRef idx="minor">
-            <a:schemeClr val="lt1"/>
-          </a:fontRef>
-        </p:style>
-        <p:txBody>
-          <a:bodyPr rtlCol="0" anchor="ctr"/>
+          <p:cNvSpPr>
+            <a:spLocks noGrp="1"/>
+          </p:cNvSpPr>
+          <p:nvPr>
+            <p:ph idx="10"/>
+          </p:nvPr>
+        </p:nvSpPr>
+        <p:spPr/>
+        <p:txBody>
+          <a:bodyPr/>
           <a:lstStyle/>
           <a:p>
-            <a:pPr algn="ctr"/>
-            <a:endParaRPr lang="ko-KR" altLang="en-US" sz="1350">
-              <a:cs typeface="Arial" pitchFamily="34" charset="0"/>
-            </a:endParaRPr>
-          </a:p>
-        </p:txBody>
-      </p:sp>
-      <p:sp>
-        <p:nvSpPr>
-          <p:cNvPr id="206" name="Oval 7">
+            <a:endParaRPr lang="en-US"/>
+          </a:p>
+        </p:txBody>
+      </p:sp>
+      <p:pic>
+        <p:nvPicPr>
+          <p:cNvPr id="5" name="Picture 4">
             <a:extLst>
               <a:ext uri="{FF2B5EF4-FFF2-40B4-BE49-F238E27FC236}">
-                <a16:creationId xmlns:a16="http://schemas.microsoft.com/office/drawing/2014/main" id="{41DB641F-F293-42B0-9B4F-3E745E61725E}"/>
+                <a16:creationId xmlns:a16="http://schemas.microsoft.com/office/drawing/2014/main" id="{03FEABAF-6A9E-4FA4-9FE8-A753B91A0460}"/>
               </a:ext>
             </a:extLst>
           </p:cNvPr>
-          <p:cNvSpPr/>
+          <p:cNvPicPr>
+            <a:picLocks noChangeAspect="1"/>
+          </p:cNvPicPr>
           <p:nvPr/>
-        </p:nvSpPr>
+        </p:nvPicPr>
+        <p:blipFill>
+          <a:blip r:embed="rId2"/>
+          <a:stretch>
+            <a:fillRect/>
+          </a:stretch>
+        </p:blipFill>
         <p:spPr>
           <a:xfrm>
-            <a:off x="7376024" y="1784115"/>
-            <a:ext cx="810000" cy="810000"/>
+            <a:off x="1619672" y="0"/>
+            <a:ext cx="7524328" cy="5143500"/>
           </a:xfrm>
-          <a:prstGeom prst="ellipse">
+          <a:prstGeom prst="rect">
             <a:avLst/>
           </a:prstGeom>
-          <a:solidFill>
-            <a:schemeClr val="accent4"/>
-          </a:solidFill>
-          <a:ln>
-            <a:solidFill>
-              <a:schemeClr val="tx1">
-                <a:lumMod val="75000"/>
-                <a:lumOff val="25000"/>
-              </a:schemeClr>
-            </a:solidFill>
-          </a:ln>
         </p:spPr>
-        <p:style>
-          <a:lnRef idx="2">
-            <a:schemeClr val="accent1">
-              <a:shade val="50000"/>
-            </a:schemeClr>
-          </a:lnRef>
-          <a:fillRef idx="1">
-            <a:schemeClr val="accent1"/>
-          </a:fillRef>
-          <a:effectRef idx="0">
-            <a:schemeClr val="accent1"/>
-          </a:effectRef>
-          <a:fontRef idx="minor">
-            <a:schemeClr val="lt1"/>
-          </a:fontRef>
-        </p:style>
-        <p:txBody>
-          <a:bodyPr rtlCol="0" anchor="ctr"/>
-          <a:lstStyle/>
-          <a:p>
-            <a:pPr algn="ctr"/>
-            <a:endParaRPr lang="ko-KR" altLang="en-US" sz="1350">
-              <a:cs typeface="Arial" pitchFamily="34" charset="0"/>
-            </a:endParaRPr>
-          </a:p>
-        </p:txBody>
-      </p:sp>
-      <p:sp>
-        <p:nvSpPr>
-          <p:cNvPr id="207" name="Oval 8">
+      </p:pic>
+    </p:spTree>
+    <p:extLst>
+      <p:ext uri="{BB962C8B-B14F-4D97-AF65-F5344CB8AC3E}">
+        <p14:creationId xmlns:p14="http://schemas.microsoft.com/office/powerpoint/2010/main" val="4143779511"/>
+      </p:ext>
+    </p:extLst>
+  </p:cSld>
+  <p:clrMapOvr>
+    <a:masterClrMapping/>
+  </p:clrMapOvr>
+</p:sld>
+</file>
+
+<file path=ppt/slides/slide8.xml><?xml version="1.0" encoding="utf-8"?>
+<p:sld xmlns:a="http://schemas.openxmlformats.org/drawingml/2006/main" xmlns:r="http://schemas.openxmlformats.org/officeDocument/2006/relationships" xmlns:p="http://schemas.openxmlformats.org/presentationml/2006/main">
+  <p:cSld>
+    <p:spTree>
+      <p:nvGrpSpPr>
+        <p:cNvPr id="1" name=""/>
+        <p:cNvGrpSpPr/>
+        <p:nvPr/>
+      </p:nvGrpSpPr>
+      <p:grpSpPr>
+        <a:xfrm>
+          <a:off x="0" y="0"/>
+          <a:ext cx="0" cy="0"/>
+          <a:chOff x="0" y="0"/>
+          <a:chExt cx="0" cy="0"/>
+        </a:xfrm>
+      </p:grpSpPr>
+      <p:sp>
+        <p:nvSpPr>
+          <p:cNvPr id="2" name="Title 1">
             <a:extLst>
               <a:ext uri="{FF2B5EF4-FFF2-40B4-BE49-F238E27FC236}">
-                <a16:creationId xmlns:a16="http://schemas.microsoft.com/office/drawing/2014/main" id="{A42E2A86-F1A7-4976-A2DC-4BE8EA6E6F46}"/>
+                <a16:creationId xmlns:a16="http://schemas.microsoft.com/office/drawing/2014/main" id="{DBDF9650-F542-41B1-91CC-0E43265BD820}"/>
               </a:ext>
             </a:extLst>
           </p:cNvPr>
-          <p:cNvSpPr/>
-          <p:nvPr/>
-        </p:nvSpPr>
-        <p:spPr>
-          <a:xfrm>
-            <a:off x="3099474" y="1784115"/>
-            <a:ext cx="810000" cy="810000"/>
-          </a:xfrm>
-          <a:prstGeom prst="ellipse">
-            <a:avLst/>
-          </a:prstGeom>
-          <a:solidFill>
-            <a:schemeClr val="accent2"/>
-          </a:solidFill>
-          <a:ln>
-            <a:solidFill>
-              <a:schemeClr val="tx1">
-                <a:lumMod val="75000"/>
-                <a:lumOff val="25000"/>
-              </a:schemeClr>
-            </a:solidFill>
-          </a:ln>
-        </p:spPr>
-        <p:style>
-          <a:lnRef idx="2">
-            <a:schemeClr val="accent1">
-              <a:shade val="50000"/>
-            </a:schemeClr>
-          </a:lnRef>
-          <a:fillRef idx="1">
-            <a:schemeClr val="accent1"/>
-          </a:fillRef>
-          <a:effectRef idx="0">
-            <a:schemeClr val="accent1"/>
-          </a:effectRef>
-          <a:fontRef idx="minor">
-            <a:schemeClr val="lt1"/>
-          </a:fontRef>
-        </p:style>
-        <p:txBody>
-          <a:bodyPr rtlCol="0" anchor="ctr"/>
+          <p:cNvSpPr>
+            <a:spLocks noGrp="1"/>
+          </p:cNvSpPr>
+          <p:nvPr>
+            <p:ph type="title"/>
+          </p:nvPr>
+        </p:nvSpPr>
+        <p:spPr/>
+        <p:txBody>
+          <a:bodyPr/>
           <a:lstStyle/>
           <a:p>
-            <a:pPr algn="ctr"/>
-            <a:endParaRPr lang="ko-KR" altLang="en-US" sz="1350"/>
-          </a:p>
-        </p:txBody>
-      </p:sp>
-      <p:grpSp>
-        <p:nvGrpSpPr>
-          <p:cNvPr id="208" name="Group 9">
+            <a:r>
+              <a:rPr lang="en-US" dirty="0"/>
+              <a:t>	Line of Code</a:t>
+            </a:r>
+          </a:p>
+        </p:txBody>
+      </p:sp>
+      <p:sp>
+        <p:nvSpPr>
+          <p:cNvPr id="3" name="Content Placeholder 2">
             <a:extLst>
               <a:ext uri="{FF2B5EF4-FFF2-40B4-BE49-F238E27FC236}">
-                <a16:creationId xmlns:a16="http://schemas.microsoft.com/office/drawing/2014/main" id="{88D9EFA4-021A-4F31-8654-E5618A8378B3}"/>
+                <a16:creationId xmlns:a16="http://schemas.microsoft.com/office/drawing/2014/main" id="{DBB0342E-96C4-4095-9D28-664440C1C528}"/>
               </a:ext>
             </a:extLst>
           </p:cNvPr>
-          <p:cNvGrpSpPr/>
-          <p:nvPr/>
-        </p:nvGrpSpPr>
-        <p:grpSpPr>
-          <a:xfrm>
-            <a:off x="674838" y="2853091"/>
-            <a:ext cx="1382725" cy="1565739"/>
-            <a:chOff x="2079598" y="4199174"/>
-            <a:chExt cx="3303211" cy="2087651"/>
-          </a:xfrm>
-        </p:grpSpPr>
-        <p:sp>
-          <p:nvSpPr>
-            <p:cNvPr id="209" name="TextBox 208">
-              <a:extLst>
-                <a:ext uri="{FF2B5EF4-FFF2-40B4-BE49-F238E27FC236}">
-                  <a16:creationId xmlns:a16="http://schemas.microsoft.com/office/drawing/2014/main" id="{C64ECC97-4355-4ABD-94CA-B5C6FC96A582}"/>
-                </a:ext>
-              </a:extLst>
-            </p:cNvPr>
-            <p:cNvSpPr txBox="1"/>
-            <p:nvPr/>
-          </p:nvSpPr>
-          <p:spPr>
-            <a:xfrm>
-              <a:off x="2098435" y="4501722"/>
-              <a:ext cx="3255729" cy="1785103"/>
-            </a:xfrm>
-            <a:prstGeom prst="rect">
-              <a:avLst/>
-            </a:prstGeom>
-            <a:noFill/>
-          </p:spPr>
-          <p:txBody>
-            <a:bodyPr wrap="square" rtlCol="0">
-              <a:spAutoFit/>
-            </a:bodyPr>
-            <a:lstStyle/>
-            <a:p>
-              <a:pPr algn="ctr"/>
-              <a:r>
-                <a:rPr lang="en-US" altLang="ko-KR" sz="900" dirty="0">
-                  <a:solidFill>
-                    <a:schemeClr val="tx1">
-                      <a:lumMod val="65000"/>
-                      <a:lumOff val="35000"/>
-                    </a:schemeClr>
-                  </a:solidFill>
-                  <a:cs typeface="Arial" pitchFamily="34" charset="0"/>
-                </a:rPr>
-                <a:t>You can simply impress your audience and add a unique zing and appeal to your Presentations. Get a modern PowerPoint  Presentation that is beautifully designed. </a:t>
-              </a:r>
-            </a:p>
-          </p:txBody>
-        </p:sp>
-        <p:sp>
-          <p:nvSpPr>
-            <p:cNvPr id="210" name="TextBox 209">
-              <a:extLst>
-                <a:ext uri="{FF2B5EF4-FFF2-40B4-BE49-F238E27FC236}">
-                  <a16:creationId xmlns:a16="http://schemas.microsoft.com/office/drawing/2014/main" id="{18BD519D-AD4E-469E-9AC7-DC00D1B4C7C9}"/>
-                </a:ext>
-              </a:extLst>
-            </p:cNvPr>
-            <p:cNvSpPr txBox="1"/>
-            <p:nvPr/>
-          </p:nvSpPr>
-          <p:spPr>
-            <a:xfrm>
-              <a:off x="2079598" y="4199174"/>
-              <a:ext cx="3303211" cy="307776"/>
-            </a:xfrm>
-            <a:prstGeom prst="rect">
-              <a:avLst/>
-            </a:prstGeom>
-            <a:noFill/>
-          </p:spPr>
-          <p:txBody>
-            <a:bodyPr wrap="square" rtlCol="0">
-              <a:spAutoFit/>
-            </a:bodyPr>
-            <a:lstStyle/>
-            <a:p>
-              <a:pPr algn="ctr"/>
-              <a:r>
-                <a:rPr lang="en-US" altLang="ko-KR" sz="900" b="1" dirty="0">
-                  <a:solidFill>
-                    <a:schemeClr val="tx1">
-                      <a:lumMod val="65000"/>
-                      <a:lumOff val="35000"/>
-                    </a:schemeClr>
-                  </a:solidFill>
-                  <a:cs typeface="Arial" pitchFamily="34" charset="0"/>
-                </a:rPr>
-                <a:t>Content  Here</a:t>
-              </a:r>
-              <a:endParaRPr lang="ko-KR" altLang="en-US" sz="900" b="1" dirty="0">
-                <a:solidFill>
-                  <a:schemeClr val="tx1">
-                    <a:lumMod val="65000"/>
-                    <a:lumOff val="35000"/>
-                  </a:schemeClr>
-                </a:solidFill>
-                <a:cs typeface="Arial" pitchFamily="34" charset="0"/>
-              </a:endParaRPr>
-            </a:p>
-          </p:txBody>
-        </p:sp>
-      </p:grpSp>
-      <p:grpSp>
-        <p:nvGrpSpPr>
-          <p:cNvPr id="211" name="Group 15">
+          <p:cNvSpPr>
+            <a:spLocks noGrp="1"/>
+          </p:cNvSpPr>
+          <p:nvPr>
+            <p:ph idx="1"/>
+          </p:nvPr>
+        </p:nvSpPr>
+        <p:spPr/>
+        <p:txBody>
+          <a:bodyPr/>
+          <a:lstStyle/>
+          <a:p>
+            <a:endParaRPr lang="en-US"/>
+          </a:p>
+        </p:txBody>
+      </p:sp>
+      <p:pic>
+        <p:nvPicPr>
+          <p:cNvPr id="5" name="Content Placeholder 4">
             <a:extLst>
               <a:ext uri="{FF2B5EF4-FFF2-40B4-BE49-F238E27FC236}">
-                <a16:creationId xmlns:a16="http://schemas.microsoft.com/office/drawing/2014/main" id="{8CA0DCBB-83C2-4C05-83A2-82183F54277B}"/>
+                <a16:creationId xmlns:a16="http://schemas.microsoft.com/office/drawing/2014/main" id="{0F1742C0-9B01-465E-B3EB-6CCB1B45F7D6}"/>
               </a:ext>
             </a:extLst>
           </p:cNvPr>
-          <p:cNvGrpSpPr/>
-          <p:nvPr/>
-        </p:nvGrpSpPr>
-        <p:grpSpPr>
+          <p:cNvPicPr>
+            <a:picLocks noGrp="1" noChangeAspect="1"/>
+          </p:cNvPicPr>
+          <p:nvPr>
+            <p:ph idx="10"/>
+          </p:nvPr>
+        </p:nvPicPr>
+        <p:blipFill>
+          <a:blip r:embed="rId2"/>
+          <a:stretch>
+            <a:fillRect/>
+          </a:stretch>
+        </p:blipFill>
+        <p:spPr>
           <a:xfrm>
-            <a:off x="4951387" y="2853091"/>
-            <a:ext cx="1382725" cy="1565739"/>
-            <a:chOff x="2079598" y="4199174"/>
-            <a:chExt cx="3303211" cy="2087651"/>
+            <a:off x="1369199" y="1131590"/>
+            <a:ext cx="6570702" cy="3672185"/>
           </a:xfrm>
-        </p:grpSpPr>
-        <p:sp>
-          <p:nvSpPr>
-            <p:cNvPr id="212" name="TextBox 211">
-              <a:extLst>
-                <a:ext uri="{FF2B5EF4-FFF2-40B4-BE49-F238E27FC236}">
-                  <a16:creationId xmlns:a16="http://schemas.microsoft.com/office/drawing/2014/main" id="{8688AF91-93B2-44E6-BC39-6D08C4AA2E85}"/>
-                </a:ext>
-              </a:extLst>
-            </p:cNvPr>
-            <p:cNvSpPr txBox="1"/>
-            <p:nvPr/>
-          </p:nvSpPr>
-          <p:spPr>
-            <a:xfrm>
-              <a:off x="2098435" y="4501722"/>
-              <a:ext cx="3255729" cy="1785103"/>
-            </a:xfrm>
-            <a:prstGeom prst="rect">
-              <a:avLst/>
-            </a:prstGeom>
-            <a:noFill/>
-          </p:spPr>
-          <p:txBody>
-            <a:bodyPr wrap="square" rtlCol="0">
-              <a:spAutoFit/>
-            </a:bodyPr>
-            <a:lstStyle/>
-            <a:p>
-              <a:pPr algn="ctr"/>
-              <a:r>
-                <a:rPr lang="en-US" altLang="ko-KR" sz="900" dirty="0">
-                  <a:solidFill>
-                    <a:schemeClr val="tx1">
-                      <a:lumMod val="65000"/>
-                      <a:lumOff val="35000"/>
-                    </a:schemeClr>
-                  </a:solidFill>
-                  <a:cs typeface="Arial" pitchFamily="34" charset="0"/>
-                </a:rPr>
-                <a:t>You can simply impress your audience and add a unique zing and appeal to your Presentations. Get a modern PowerPoint  Presentation that is beautifully designed. </a:t>
-              </a:r>
-            </a:p>
-          </p:txBody>
-        </p:sp>
-        <p:sp>
-          <p:nvSpPr>
-            <p:cNvPr id="213" name="TextBox 212">
-              <a:extLst>
-                <a:ext uri="{FF2B5EF4-FFF2-40B4-BE49-F238E27FC236}">
-                  <a16:creationId xmlns:a16="http://schemas.microsoft.com/office/drawing/2014/main" id="{A6FEA467-9D54-41B0-8838-34F9EAAB09CD}"/>
-                </a:ext>
-              </a:extLst>
-            </p:cNvPr>
-            <p:cNvSpPr txBox="1"/>
-            <p:nvPr/>
-          </p:nvSpPr>
-          <p:spPr>
-            <a:xfrm>
-              <a:off x="2079598" y="4199174"/>
-              <a:ext cx="3303211" cy="307776"/>
-            </a:xfrm>
-            <a:prstGeom prst="rect">
-              <a:avLst/>
-            </a:prstGeom>
-            <a:noFill/>
-          </p:spPr>
-          <p:txBody>
-            <a:bodyPr wrap="square" rtlCol="0">
-              <a:spAutoFit/>
-            </a:bodyPr>
-            <a:lstStyle/>
-            <a:p>
-              <a:pPr algn="ctr"/>
-              <a:r>
-                <a:rPr lang="en-US" altLang="ko-KR" sz="900" b="1" dirty="0">
-                  <a:solidFill>
-                    <a:schemeClr val="tx1">
-                      <a:lumMod val="65000"/>
-                      <a:lumOff val="35000"/>
-                    </a:schemeClr>
-                  </a:solidFill>
-                  <a:cs typeface="Arial" pitchFamily="34" charset="0"/>
-                </a:rPr>
-                <a:t>Content  Here</a:t>
-              </a:r>
-              <a:endParaRPr lang="ko-KR" altLang="en-US" sz="900" b="1" dirty="0">
-                <a:solidFill>
-                  <a:schemeClr val="tx1">
-                    <a:lumMod val="65000"/>
-                    <a:lumOff val="35000"/>
-                  </a:schemeClr>
-                </a:solidFill>
-                <a:cs typeface="Arial" pitchFamily="34" charset="0"/>
-              </a:endParaRPr>
-            </a:p>
-          </p:txBody>
-        </p:sp>
-      </p:grpSp>
-      <p:grpSp>
-        <p:nvGrpSpPr>
-          <p:cNvPr id="214" name="Group 18">
+          <a:prstGeom prst="rect">
+            <a:avLst/>
+          </a:prstGeom>
+        </p:spPr>
+      </p:pic>
+    </p:spTree>
+    <p:extLst>
+      <p:ext uri="{BB962C8B-B14F-4D97-AF65-F5344CB8AC3E}">
+        <p14:creationId xmlns:p14="http://schemas.microsoft.com/office/powerpoint/2010/main" val="4049092805"/>
+      </p:ext>
+    </p:extLst>
+  </p:cSld>
+  <p:clrMapOvr>
+    <a:masterClrMapping/>
+  </p:clrMapOvr>
+</p:sld>
+</file>
+
+<file path=ppt/slides/slide9.xml><?xml version="1.0" encoding="utf-8"?>
+<p:sld xmlns:a="http://schemas.openxmlformats.org/drawingml/2006/main" xmlns:r="http://schemas.openxmlformats.org/officeDocument/2006/relationships" xmlns:p="http://schemas.openxmlformats.org/presentationml/2006/main">
+  <p:cSld>
+    <p:spTree>
+      <p:nvGrpSpPr>
+        <p:cNvPr id="1" name=""/>
+        <p:cNvGrpSpPr/>
+        <p:nvPr/>
+      </p:nvGrpSpPr>
+      <p:grpSpPr>
+        <a:xfrm>
+          <a:off x="0" y="0"/>
+          <a:ext cx="0" cy="0"/>
+          <a:chOff x="0" y="0"/>
+          <a:chExt cx="0" cy="0"/>
+        </a:xfrm>
+      </p:grpSpPr>
+      <p:sp>
+        <p:nvSpPr>
+          <p:cNvPr id="2" name="Title 1">
             <a:extLst>
               <a:ext uri="{FF2B5EF4-FFF2-40B4-BE49-F238E27FC236}">
-                <a16:creationId xmlns:a16="http://schemas.microsoft.com/office/drawing/2014/main" id="{712D239D-82BB-4F86-B127-3CA0D2C1E072}"/>
+                <a16:creationId xmlns:a16="http://schemas.microsoft.com/office/drawing/2014/main" id="{A4FFD4D5-0371-4C84-A829-3C8BA630738D}"/>
               </a:ext>
             </a:extLst>
           </p:cNvPr>
-          <p:cNvGrpSpPr/>
-          <p:nvPr/>
-        </p:nvGrpSpPr>
-        <p:grpSpPr>
-          <a:xfrm>
-            <a:off x="2813112" y="2853091"/>
-            <a:ext cx="1382725" cy="1565739"/>
-            <a:chOff x="2079598" y="4199174"/>
-            <a:chExt cx="3303211" cy="2087651"/>
-          </a:xfrm>
-        </p:grpSpPr>
-        <p:sp>
-          <p:nvSpPr>
-            <p:cNvPr id="215" name="TextBox 214">
-              <a:extLst>
-                <a:ext uri="{FF2B5EF4-FFF2-40B4-BE49-F238E27FC236}">
-                  <a16:creationId xmlns:a16="http://schemas.microsoft.com/office/drawing/2014/main" id="{BF82EDE1-B0CF-4DC7-9ACF-704525CD0284}"/>
-                </a:ext>
-              </a:extLst>
-            </p:cNvPr>
-            <p:cNvSpPr txBox="1"/>
-            <p:nvPr/>
-          </p:nvSpPr>
-          <p:spPr>
-            <a:xfrm>
-              <a:off x="2098435" y="4501722"/>
-              <a:ext cx="3255729" cy="1785103"/>
-            </a:xfrm>
-            <a:prstGeom prst="rect">
-              <a:avLst/>
-            </a:prstGeom>
-            <a:noFill/>
-          </p:spPr>
-          <p:txBody>
-            <a:bodyPr wrap="square" rtlCol="0">
-              <a:spAutoFit/>
-            </a:bodyPr>
-            <a:lstStyle/>
-            <a:p>
-              <a:pPr algn="ctr"/>
-              <a:r>
-                <a:rPr lang="en-US" altLang="ko-KR" sz="900" dirty="0">
-                  <a:solidFill>
-                    <a:schemeClr val="tx1">
-                      <a:lumMod val="65000"/>
-                      <a:lumOff val="35000"/>
-                    </a:schemeClr>
-                  </a:solidFill>
-                  <a:cs typeface="Arial" pitchFamily="34" charset="0"/>
-                </a:rPr>
-                <a:t>You can simply impress your audience and add a unique zing and appeal to your Presentations. Get a modern PowerPoint  Presentation that is beautifully designed. </a:t>
-              </a:r>
-            </a:p>
-          </p:txBody>
-        </p:sp>
-        <p:sp>
-          <p:nvSpPr>
-            <p:cNvPr id="216" name="TextBox 215">
-              <a:extLst>
-                <a:ext uri="{FF2B5EF4-FFF2-40B4-BE49-F238E27FC236}">
-                  <a16:creationId xmlns:a16="http://schemas.microsoft.com/office/drawing/2014/main" id="{B562180B-A19A-4BF1-80AF-A2CA89D3B520}"/>
-                </a:ext>
-              </a:extLst>
-            </p:cNvPr>
-            <p:cNvSpPr txBox="1"/>
-            <p:nvPr/>
-          </p:nvSpPr>
-          <p:spPr>
-            <a:xfrm>
-              <a:off x="2079598" y="4199174"/>
-              <a:ext cx="3303211" cy="307776"/>
-            </a:xfrm>
-            <a:prstGeom prst="rect">
-              <a:avLst/>
-            </a:prstGeom>
-            <a:noFill/>
-          </p:spPr>
-          <p:txBody>
-            <a:bodyPr wrap="square" rtlCol="0">
-              <a:spAutoFit/>
-            </a:bodyPr>
-            <a:lstStyle/>
-            <a:p>
-              <a:pPr algn="ctr"/>
-              <a:r>
-                <a:rPr lang="en-US" altLang="ko-KR" sz="900" b="1" dirty="0">
-                  <a:solidFill>
-                    <a:schemeClr val="tx1">
-                      <a:lumMod val="65000"/>
-                      <a:lumOff val="35000"/>
-                    </a:schemeClr>
-                  </a:solidFill>
-                  <a:cs typeface="Arial" pitchFamily="34" charset="0"/>
-                </a:rPr>
-                <a:t>Content  Here</a:t>
-              </a:r>
-              <a:endParaRPr lang="ko-KR" altLang="en-US" sz="900" b="1" dirty="0">
-                <a:solidFill>
-                  <a:schemeClr val="tx1">
-                    <a:lumMod val="65000"/>
-                    <a:lumOff val="35000"/>
-                  </a:schemeClr>
-                </a:solidFill>
-                <a:cs typeface="Arial" pitchFamily="34" charset="0"/>
-              </a:endParaRPr>
-            </a:p>
-          </p:txBody>
-        </p:sp>
-      </p:grpSp>
-      <p:grpSp>
-        <p:nvGrpSpPr>
-          <p:cNvPr id="217" name="Group 21">
+          <p:cNvSpPr>
+            <a:spLocks noGrp="1"/>
+          </p:cNvSpPr>
+          <p:nvPr>
+            <p:ph type="title"/>
+          </p:nvPr>
+        </p:nvSpPr>
+        <p:spPr/>
+        <p:txBody>
+          <a:bodyPr/>
+          <a:lstStyle/>
+          <a:p>
+            <a:endParaRPr lang="en-US"/>
+          </a:p>
+        </p:txBody>
+      </p:sp>
+      <p:sp>
+        <p:nvSpPr>
+          <p:cNvPr id="3" name="Content Placeholder 2">
             <a:extLst>
               <a:ext uri="{FF2B5EF4-FFF2-40B4-BE49-F238E27FC236}">
-                <a16:creationId xmlns:a16="http://schemas.microsoft.com/office/drawing/2014/main" id="{5A0903F3-6DEF-4D06-B1B7-8B81090CE062}"/>
+                <a16:creationId xmlns:a16="http://schemas.microsoft.com/office/drawing/2014/main" id="{B70E42FF-6FE1-449F-A2B4-43F128AFF6BF}"/>
               </a:ext>
             </a:extLst>
           </p:cNvPr>
-          <p:cNvGrpSpPr/>
-          <p:nvPr/>
-        </p:nvGrpSpPr>
-        <p:grpSpPr>
-          <a:xfrm>
-            <a:off x="7089663" y="2853091"/>
-            <a:ext cx="1382725" cy="1565739"/>
-            <a:chOff x="2079598" y="4199174"/>
-            <a:chExt cx="3303211" cy="2087651"/>
-          </a:xfrm>
-        </p:grpSpPr>
-        <p:sp>
-          <p:nvSpPr>
-            <p:cNvPr id="218" name="TextBox 217">
-              <a:extLst>
-                <a:ext uri="{FF2B5EF4-FFF2-40B4-BE49-F238E27FC236}">
-                  <a16:creationId xmlns:a16="http://schemas.microsoft.com/office/drawing/2014/main" id="{2D541925-1AF4-431A-9C0E-9E7F73AD9456}"/>
-                </a:ext>
-              </a:extLst>
-            </p:cNvPr>
-            <p:cNvSpPr txBox="1"/>
-            <p:nvPr/>
-          </p:nvSpPr>
-          <p:spPr>
-            <a:xfrm>
-              <a:off x="2098435" y="4501722"/>
-              <a:ext cx="3255729" cy="1785103"/>
-            </a:xfrm>
-            <a:prstGeom prst="rect">
-              <a:avLst/>
-            </a:prstGeom>
-            <a:noFill/>
-          </p:spPr>
-          <p:txBody>
-            <a:bodyPr wrap="square" rtlCol="0">
-              <a:spAutoFit/>
-            </a:bodyPr>
-            <a:lstStyle/>
-            <a:p>
-              <a:pPr algn="ctr"/>
-              <a:r>
-                <a:rPr lang="en-US" altLang="ko-KR" sz="900" dirty="0">
-                  <a:solidFill>
-                    <a:schemeClr val="tx1">
-                      <a:lumMod val="65000"/>
-                      <a:lumOff val="35000"/>
-                    </a:schemeClr>
-                  </a:solidFill>
-                  <a:cs typeface="Arial" pitchFamily="34" charset="0"/>
-                </a:rPr>
-                <a:t>You can simply impress your audience and add a unique zing and appeal to your Presentations. Get a modern PowerPoint  Presentation that is beautifully designed.</a:t>
-              </a:r>
-              <a:endParaRPr lang="ko-KR" altLang="en-US" sz="900" dirty="0">
-                <a:solidFill>
-                  <a:schemeClr val="tx1">
-                    <a:lumMod val="65000"/>
-                    <a:lumOff val="35000"/>
-                  </a:schemeClr>
-                </a:solidFill>
-                <a:cs typeface="Arial" pitchFamily="34" charset="0"/>
-              </a:endParaRPr>
-            </a:p>
-          </p:txBody>
-        </p:sp>
-        <p:sp>
-          <p:nvSpPr>
-            <p:cNvPr id="219" name="TextBox 218">
-              <a:extLst>
-                <a:ext uri="{FF2B5EF4-FFF2-40B4-BE49-F238E27FC236}">
-                  <a16:creationId xmlns:a16="http://schemas.microsoft.com/office/drawing/2014/main" id="{C182A40D-5B52-4B31-8946-6EA5A75320EF}"/>
-                </a:ext>
-              </a:extLst>
-            </p:cNvPr>
-            <p:cNvSpPr txBox="1"/>
-            <p:nvPr/>
-          </p:nvSpPr>
-          <p:spPr>
-            <a:xfrm>
-              <a:off x="2079598" y="4199174"/>
-              <a:ext cx="3303211" cy="307776"/>
-            </a:xfrm>
-            <a:prstGeom prst="rect">
-              <a:avLst/>
-            </a:prstGeom>
-            <a:noFill/>
-          </p:spPr>
-          <p:txBody>
-            <a:bodyPr wrap="square" rtlCol="0">
-              <a:spAutoFit/>
-            </a:bodyPr>
-            <a:lstStyle/>
-            <a:p>
-              <a:pPr algn="ctr"/>
-              <a:r>
-                <a:rPr lang="en-US" altLang="ko-KR" sz="900" b="1" dirty="0">
-                  <a:solidFill>
-                    <a:schemeClr val="tx1">
-                      <a:lumMod val="65000"/>
-                      <a:lumOff val="35000"/>
-                    </a:schemeClr>
-                  </a:solidFill>
-                  <a:cs typeface="Arial" pitchFamily="34" charset="0"/>
-                </a:rPr>
-                <a:t>Content  Here</a:t>
-              </a:r>
-              <a:endParaRPr lang="ko-KR" altLang="en-US" sz="900" b="1" dirty="0">
-                <a:solidFill>
-                  <a:schemeClr val="tx1">
-                    <a:lumMod val="65000"/>
-                    <a:lumOff val="35000"/>
-                  </a:schemeClr>
-                </a:solidFill>
-                <a:cs typeface="Arial" pitchFamily="34" charset="0"/>
-              </a:endParaRPr>
-            </a:p>
-          </p:txBody>
-        </p:sp>
-      </p:grpSp>
-      <p:sp>
-        <p:nvSpPr>
-          <p:cNvPr id="220" name="Isosceles Triangle 8">
+          <p:cNvSpPr>
+            <a:spLocks noGrp="1"/>
+          </p:cNvSpPr>
+          <p:nvPr>
+            <p:ph idx="1"/>
+          </p:nvPr>
+        </p:nvSpPr>
+        <p:spPr/>
+        <p:txBody>
+          <a:bodyPr/>
+          <a:lstStyle/>
+          <a:p>
+            <a:endParaRPr lang="en-US"/>
+          </a:p>
+        </p:txBody>
+      </p:sp>
+      <p:sp>
+        <p:nvSpPr>
+          <p:cNvPr id="4" name="Content Placeholder 3">
             <a:extLst>
               <a:ext uri="{FF2B5EF4-FFF2-40B4-BE49-F238E27FC236}">
-                <a16:creationId xmlns:a16="http://schemas.microsoft.com/office/drawing/2014/main" id="{9064DD81-0DBA-4D2A-A814-92303FCB31FF}"/>
+                <a16:creationId xmlns:a16="http://schemas.microsoft.com/office/drawing/2014/main" id="{72B63CAB-674C-4552-A3DA-D2CD1960AF9D}"/>
               </a:ext>
             </a:extLst>
           </p:cNvPr>
-          <p:cNvSpPr/>
-          <p:nvPr/>
-        </p:nvSpPr>
-        <p:spPr>
-          <a:xfrm rot="16200000">
-            <a:off x="3359012" y="2000156"/>
-            <a:ext cx="328550" cy="391718"/>
-          </a:xfrm>
-          <a:custGeom>
-            <a:avLst/>
-            <a:gdLst/>
-            <a:ahLst/>
-            <a:cxnLst/>
-            <a:rect l="l" t="t" r="r" b="b"/>
-            <a:pathLst>
-              <a:path w="2708011" h="3228660">
-                <a:moveTo>
-                  <a:pt x="1895121" y="2005092"/>
-                </a:moveTo>
-                <a:cubicBezTo>
-                  <a:pt x="1769067" y="2196199"/>
-                  <a:pt x="1559641" y="2315968"/>
-                  <a:pt x="1331007" y="2327705"/>
-                </a:cubicBezTo>
-                <a:cubicBezTo>
-                  <a:pt x="1102373" y="2339443"/>
-                  <a:pt x="881783" y="2241749"/>
-                  <a:pt x="736821" y="2064556"/>
-                </a:cubicBezTo>
-                <a:lnTo>
-                  <a:pt x="885891" y="1942602"/>
-                </a:lnTo>
-                <a:cubicBezTo>
-                  <a:pt x="992076" y="2072396"/>
-                  <a:pt x="1153658" y="2143956"/>
-                  <a:pt x="1321132" y="2135359"/>
-                </a:cubicBezTo>
-                <a:cubicBezTo>
-                  <a:pt x="1488607" y="2126761"/>
-                  <a:pt x="1642011" y="2039030"/>
-                  <a:pt x="1734346" y="1899045"/>
-                </a:cubicBezTo>
-                <a:close/>
-                <a:moveTo>
-                  <a:pt x="2315256" y="2179725"/>
-                </a:moveTo>
-                <a:cubicBezTo>
-                  <a:pt x="2124977" y="2519973"/>
-                  <a:pt x="1777729" y="2743099"/>
-                  <a:pt x="1389179" y="2774782"/>
-                </a:cubicBezTo>
-                <a:cubicBezTo>
-                  <a:pt x="1000629" y="2806465"/>
-                  <a:pt x="621821" y="2642541"/>
-                  <a:pt x="378934" y="2337614"/>
-                </a:cubicBezTo>
-                <a:lnTo>
-                  <a:pt x="519502" y="2225645"/>
-                </a:lnTo>
-                <a:cubicBezTo>
-                  <a:pt x="725082" y="2483736"/>
-                  <a:pt x="1045705" y="2622480"/>
-                  <a:pt x="1374574" y="2595664"/>
-                </a:cubicBezTo>
-                <a:cubicBezTo>
-                  <a:pt x="1703443" y="2568848"/>
-                  <a:pt x="1997353" y="2379994"/>
-                  <a:pt x="2158406" y="2092008"/>
-                </a:cubicBezTo>
-                <a:close/>
-                <a:moveTo>
-                  <a:pt x="2315941" y="1615003"/>
-                </a:moveTo>
-                <a:lnTo>
-                  <a:pt x="272242" y="1615003"/>
-                </a:lnTo>
-                <a:lnTo>
-                  <a:pt x="872561" y="666216"/>
-                </a:lnTo>
-                <a:lnTo>
-                  <a:pt x="872561" y="219906"/>
-                </a:lnTo>
-                <a:cubicBezTo>
-                  <a:pt x="872561" y="98674"/>
-                  <a:pt x="970839" y="396"/>
-                  <a:pt x="1092071" y="396"/>
-                </a:cubicBezTo>
-                <a:lnTo>
-                  <a:pt x="1293841" y="396"/>
-                </a:lnTo>
-                <a:lnTo>
-                  <a:pt x="1294092" y="0"/>
-                </a:lnTo>
-                <a:lnTo>
-                  <a:pt x="1294343" y="396"/>
-                </a:lnTo>
-                <a:lnTo>
-                  <a:pt x="1470231" y="396"/>
-                </a:lnTo>
-                <a:cubicBezTo>
-                  <a:pt x="1591463" y="396"/>
-                  <a:pt x="1689741" y="98674"/>
-                  <a:pt x="1689741" y="219906"/>
-                </a:cubicBezTo>
-                <a:lnTo>
-                  <a:pt x="1689741" y="625313"/>
-                </a:lnTo>
-                <a:close/>
-                <a:moveTo>
-                  <a:pt x="2708011" y="2399368"/>
-                </a:moveTo>
-                <a:cubicBezTo>
-                  <a:pt x="2440740" y="2877288"/>
-                  <a:pt x="1950128" y="3187847"/>
-                  <a:pt x="1403807" y="3224932"/>
-                </a:cubicBezTo>
-                <a:cubicBezTo>
-                  <a:pt x="857486" y="3262017"/>
-                  <a:pt x="329406" y="3020609"/>
-                  <a:pt x="0" y="2583191"/>
-                </a:cubicBezTo>
-                <a:lnTo>
-                  <a:pt x="143153" y="2475389"/>
-                </a:lnTo>
-                <a:cubicBezTo>
-                  <a:pt x="436120" y="2864419"/>
-                  <a:pt x="905784" y="3079123"/>
-                  <a:pt x="1391671" y="3046140"/>
-                </a:cubicBezTo>
-                <a:cubicBezTo>
-                  <a:pt x="1877558" y="3013157"/>
-                  <a:pt x="2313899" y="2736952"/>
-                  <a:pt x="2551604" y="2311899"/>
-                </a:cubicBezTo>
-                <a:close/>
-              </a:path>
-            </a:pathLst>
-          </a:custGeom>
-          <a:solidFill>
-            <a:schemeClr val="bg1"/>
-          </a:solidFill>
-          <a:ln>
-            <a:noFill/>
-          </a:ln>
-        </p:spPr>
-        <p:style>
-          <a:lnRef idx="2">
-            <a:schemeClr val="accent1">
-              <a:shade val="50000"/>
-            </a:schemeClr>
-          </a:lnRef>
-          <a:fillRef idx="1">
-            <a:schemeClr val="accent1"/>
-          </a:fillRef>
-          <a:effectRef idx="0">
-            <a:schemeClr val="accent1"/>
-          </a:effectRef>
-          <a:fontRef idx="minor">
-            <a:schemeClr val="lt1"/>
-          </a:fontRef>
-        </p:style>
-        <p:txBody>
-          <a:bodyPr rot="0" spcFirstLastPara="0" vert="horz" wrap="square" lIns="68580" tIns="34290" rIns="68580" bIns="34290" numCol="1" spcCol="0" rtlCol="0" fromWordArt="0" anchor="ctr" anchorCtr="0" forceAA="0" compatLnSpc="1">
-            <a:prstTxWarp prst="textNoShape">
-              <a:avLst/>
-            </a:prstTxWarp>
-            <a:noAutofit/>
-          </a:bodyPr>
-          <a:lstStyle>
-            <a:defPPr>
-              <a:defRPr lang="ko-KR"/>
-            </a:defPPr>
-            <a:lvl1pPr marL="0" algn="l" defTabSz="914400" rtl="0" eaLnBrk="1" latinLnBrk="1" hangingPunct="1">
-              <a:defRPr sz="1800" kern="1200">
-                <a:solidFill>
-                  <a:schemeClr val="lt1"/>
-                </a:solidFill>
-                <a:latin typeface="+mn-lt"/>
-                <a:ea typeface="+mn-ea"/>
-                <a:cs typeface="+mn-cs"/>
-              </a:defRPr>
-            </a:lvl1pPr>
-            <a:lvl2pPr marL="457200" algn="l" defTabSz="914400" rtl="0" eaLnBrk="1" latinLnBrk="1" hangingPunct="1">
-              <a:defRPr sz="1800" kern="1200">
-                <a:solidFill>
-                  <a:schemeClr val="lt1"/>
-                </a:solidFill>
-                <a:latin typeface="+mn-lt"/>
-                <a:ea typeface="+mn-ea"/>
-                <a:cs typeface="+mn-cs"/>
-              </a:defRPr>
-            </a:lvl2pPr>
-            <a:lvl3pPr marL="914400" algn="l" defTabSz="914400" rtl="0" eaLnBrk="1" latinLnBrk="1" hangingPunct="1">
-              <a:defRPr sz="1800" kern="1200">
-                <a:solidFill>
-                  <a:schemeClr val="lt1"/>
-                </a:solidFill>
-                <a:latin typeface="+mn-lt"/>
-                <a:ea typeface="+mn-ea"/>
-                <a:cs typeface="+mn-cs"/>
-              </a:defRPr>
-            </a:lvl3pPr>
-            <a:lvl4pPr marL="1371600" algn="l" defTabSz="914400" rtl="0" eaLnBrk="1" latinLnBrk="1" hangingPunct="1">
-              <a:defRPr sz="1800" kern="1200">
-                <a:solidFill>
-                  <a:schemeClr val="lt1"/>
-                </a:solidFill>
-                <a:latin typeface="+mn-lt"/>
-                <a:ea typeface="+mn-ea"/>
-                <a:cs typeface="+mn-cs"/>
-              </a:defRPr>
-            </a:lvl4pPr>
-            <a:lvl5pPr marL="1828800" algn="l" defTabSz="914400" rtl="0" eaLnBrk="1" latinLnBrk="1" hangingPunct="1">
-              <a:defRPr sz="1800" kern="1200">
-                <a:solidFill>
-                  <a:schemeClr val="lt1"/>
-                </a:solidFill>
-                <a:latin typeface="+mn-lt"/>
-                <a:ea typeface="+mn-ea"/>
-                <a:cs typeface="+mn-cs"/>
-              </a:defRPr>
-            </a:lvl5pPr>
-            <a:lvl6pPr marL="2286000" algn="l" defTabSz="914400" rtl="0" eaLnBrk="1" latinLnBrk="1" hangingPunct="1">
-              <a:defRPr sz="1800" kern="1200">
-                <a:solidFill>
-                  <a:schemeClr val="lt1"/>
-                </a:solidFill>
-                <a:latin typeface="+mn-lt"/>
-                <a:ea typeface="+mn-ea"/>
-                <a:cs typeface="+mn-cs"/>
-              </a:defRPr>
-            </a:lvl6pPr>
-            <a:lvl7pPr marL="2743200" algn="l" defTabSz="914400" rtl="0" eaLnBrk="1" latinLnBrk="1" hangingPunct="1">
-              <a:defRPr sz="1800" kern="1200">
-                <a:solidFill>
-                  <a:schemeClr val="lt1"/>
-                </a:solidFill>
-                <a:latin typeface="+mn-lt"/>
-                <a:ea typeface="+mn-ea"/>
-                <a:cs typeface="+mn-cs"/>
-              </a:defRPr>
-            </a:lvl7pPr>
-            <a:lvl8pPr marL="3200400" algn="l" defTabSz="914400" rtl="0" eaLnBrk="1" latinLnBrk="1" hangingPunct="1">
-              <a:defRPr sz="1800" kern="1200">
-                <a:solidFill>
-                  <a:schemeClr val="lt1"/>
-                </a:solidFill>
-                <a:latin typeface="+mn-lt"/>
-                <a:ea typeface="+mn-ea"/>
-                <a:cs typeface="+mn-cs"/>
-              </a:defRPr>
-            </a:lvl8pPr>
-            <a:lvl9pPr marL="3657600" algn="l" defTabSz="914400" rtl="0" eaLnBrk="1" latinLnBrk="1" hangingPunct="1">
-              <a:defRPr sz="1800" kern="1200">
-                <a:solidFill>
-                  <a:schemeClr val="lt1"/>
-                </a:solidFill>
-                <a:latin typeface="+mn-lt"/>
-                <a:ea typeface="+mn-ea"/>
-                <a:cs typeface="+mn-cs"/>
-              </a:defRPr>
-            </a:lvl9pPr>
-          </a:lstStyle>
-          <a:p>
-            <a:pPr algn="ctr"/>
-            <a:endParaRPr lang="ko-KR" altLang="en-US" sz="1350" dirty="0"/>
-          </a:p>
-        </p:txBody>
-      </p:sp>
-      <p:sp>
-        <p:nvSpPr>
-          <p:cNvPr id="221" name="Oval 7">
+          <p:cNvSpPr>
+            <a:spLocks noGrp="1"/>
+          </p:cNvSpPr>
+          <p:nvPr>
+            <p:ph idx="10"/>
+          </p:nvPr>
+        </p:nvSpPr>
+        <p:spPr/>
+        <p:txBody>
+          <a:bodyPr/>
+          <a:lstStyle/>
+          <a:p>
+            <a:endParaRPr lang="en-US"/>
+          </a:p>
+        </p:txBody>
+      </p:sp>
+      <p:pic>
+        <p:nvPicPr>
+          <p:cNvPr id="5" name="Picture 4">
             <a:extLst>
               <a:ext uri="{FF2B5EF4-FFF2-40B4-BE49-F238E27FC236}">
-                <a16:creationId xmlns:a16="http://schemas.microsoft.com/office/drawing/2014/main" id="{BDCAE6F6-7E60-4155-AC5C-2128BFC147FD}"/>
+                <a16:creationId xmlns:a16="http://schemas.microsoft.com/office/drawing/2014/main" id="{6A7BB98B-1C0D-42EF-B831-9513A7100DDC}"/>
               </a:ext>
             </a:extLst>
           </p:cNvPr>
-          <p:cNvSpPr/>
+          <p:cNvPicPr>
+            <a:picLocks noChangeAspect="1"/>
+          </p:cNvPicPr>
           <p:nvPr/>
-        </p:nvSpPr>
+        </p:nvPicPr>
+        <p:blipFill>
+          <a:blip r:embed="rId2"/>
+          <a:stretch>
+            <a:fillRect/>
+          </a:stretch>
+        </p:blipFill>
         <p:spPr>
           <a:xfrm>
-            <a:off x="5478432" y="2036720"/>
-            <a:ext cx="347317" cy="347317"/>
+            <a:off x="899592" y="1131590"/>
+            <a:ext cx="7560840" cy="3528392"/>
           </a:xfrm>
-          <a:custGeom>
+          <a:prstGeom prst="rect">
             <a:avLst/>
-            <a:gdLst/>
-            <a:ahLst/>
-            <a:cxnLst/>
-            <a:rect l="l" t="t" r="r" b="b"/>
-            <a:pathLst>
-              <a:path w="3240000" h="3240000">
-                <a:moveTo>
-                  <a:pt x="1415334" y="1947658"/>
-                </a:moveTo>
-                <a:lnTo>
-                  <a:pt x="838053" y="2871852"/>
-                </a:lnTo>
-                <a:cubicBezTo>
-                  <a:pt x="1312591" y="3168264"/>
-                  <a:pt x="1913932" y="3170879"/>
-                  <a:pt x="2391030" y="2878606"/>
-                </a:cubicBezTo>
-                <a:lnTo>
-                  <a:pt x="1821709" y="1949263"/>
-                </a:lnTo>
-                <a:cubicBezTo>
-                  <a:pt x="1763478" y="1986502"/>
-                  <a:pt x="1694174" y="2007350"/>
-                  <a:pt x="1620000" y="2007350"/>
-                </a:cubicBezTo>
-                <a:cubicBezTo>
-                  <a:pt x="1544621" y="2007350"/>
-                  <a:pt x="1474270" y="1985818"/>
-                  <a:pt x="1415334" y="1947658"/>
-                </a:cubicBezTo>
-                <a:close/>
-                <a:moveTo>
-                  <a:pt x="1620001" y="1350973"/>
-                </a:moveTo>
-                <a:cubicBezTo>
-                  <a:pt x="1471421" y="1350973"/>
-                  <a:pt x="1350973" y="1471421"/>
-                  <a:pt x="1350973" y="1620001"/>
-                </a:cubicBezTo>
-                <a:cubicBezTo>
-                  <a:pt x="1350973" y="1768581"/>
-                  <a:pt x="1471421" y="1889029"/>
-                  <a:pt x="1620001" y="1889029"/>
-                </a:cubicBezTo>
-                <a:cubicBezTo>
-                  <a:pt x="1768581" y="1889029"/>
-                  <a:pt x="1889029" y="1768581"/>
-                  <a:pt x="1889029" y="1620001"/>
-                </a:cubicBezTo>
-                <a:cubicBezTo>
-                  <a:pt x="1889029" y="1471421"/>
-                  <a:pt x="1768581" y="1350973"/>
-                  <a:pt x="1620001" y="1350973"/>
-                </a:cubicBezTo>
-                <a:close/>
-                <a:moveTo>
-                  <a:pt x="2324470" y="322965"/>
-                </a:moveTo>
-                <a:lnTo>
-                  <a:pt x="1804044" y="1281148"/>
-                </a:lnTo>
-                <a:cubicBezTo>
-                  <a:pt x="1925507" y="1345192"/>
-                  <a:pt x="2007350" y="1473038"/>
-                  <a:pt x="2007350" y="1620000"/>
-                </a:cubicBezTo>
-                <a:lnTo>
-                  <a:pt x="2005998" y="1633413"/>
-                </a:lnTo>
-                <a:lnTo>
-                  <a:pt x="3095109" y="1671260"/>
-                </a:lnTo>
-                <a:cubicBezTo>
-                  <a:pt x="3114541" y="1112092"/>
-                  <a:pt x="2816135" y="590008"/>
-                  <a:pt x="2324470" y="322965"/>
-                </a:cubicBezTo>
-                <a:close/>
-                <a:moveTo>
-                  <a:pt x="926838" y="316888"/>
-                </a:moveTo>
-                <a:cubicBezTo>
-                  <a:pt x="432869" y="579644"/>
-                  <a:pt x="129933" y="1099113"/>
-                  <a:pt x="144500" y="1658429"/>
-                </a:cubicBezTo>
-                <a:lnTo>
-                  <a:pt x="1233664" y="1630062"/>
-                </a:lnTo>
-                <a:cubicBezTo>
-                  <a:pt x="1232693" y="1626734"/>
-                  <a:pt x="1232650" y="1623372"/>
-                  <a:pt x="1232650" y="1620000"/>
-                </a:cubicBezTo>
-                <a:cubicBezTo>
-                  <a:pt x="1232650" y="1471836"/>
-                  <a:pt x="1315838" y="1343102"/>
-                  <a:pt x="1438904" y="1279548"/>
-                </a:cubicBezTo>
-                <a:close/>
-                <a:moveTo>
-                  <a:pt x="1620000" y="0"/>
-                </a:moveTo>
-                <a:cubicBezTo>
-                  <a:pt x="2514701" y="0"/>
-                  <a:pt x="3240000" y="725299"/>
-                  <a:pt x="3240000" y="1620000"/>
-                </a:cubicBezTo>
-                <a:cubicBezTo>
-                  <a:pt x="3240000" y="2514701"/>
-                  <a:pt x="2514701" y="3240000"/>
-                  <a:pt x="1620000" y="3240000"/>
-                </a:cubicBezTo>
-                <a:cubicBezTo>
-                  <a:pt x="725299" y="3240000"/>
-                  <a:pt x="0" y="2514701"/>
-                  <a:pt x="0" y="1620000"/>
-                </a:cubicBezTo>
-                <a:cubicBezTo>
-                  <a:pt x="0" y="725299"/>
-                  <a:pt x="725299" y="0"/>
-                  <a:pt x="1620000" y="0"/>
-                </a:cubicBezTo>
-                <a:close/>
-              </a:path>
-            </a:pathLst>
-          </a:custGeom>
-          <a:solidFill>
-            <a:schemeClr val="bg1"/>
-          </a:solidFill>
-          <a:ln>
-            <a:noFill/>
-          </a:ln>
+          </a:prstGeom>
         </p:spPr>
-        <p:style>
-          <a:lnRef idx="2">
-            <a:schemeClr val="accent1">
-              <a:shade val="50000"/>
-            </a:schemeClr>
-          </a:lnRef>
-          <a:fillRef idx="1">
-            <a:schemeClr val="accent1"/>
-          </a:fillRef>
-          <a:effectRef idx="0">
-            <a:schemeClr val="accent1"/>
-          </a:effectRef>
-          <a:fontRef idx="minor">
-            <a:schemeClr val="lt1"/>
-          </a:fontRef>
-        </p:style>
-        <p:txBody>
-          <a:bodyPr rot="0" spcFirstLastPara="0" vert="horz" wrap="square" lIns="68580" tIns="34290" rIns="68580" bIns="34290" numCol="1" spcCol="0" rtlCol="0" fromWordArt="0" anchor="ctr" anchorCtr="0" forceAA="0" compatLnSpc="1">
-            <a:prstTxWarp prst="textNoShape">
-              <a:avLst/>
-            </a:prstTxWarp>
-            <a:noAutofit/>
-          </a:bodyPr>
-          <a:lstStyle>
-            <a:defPPr>
-              <a:defRPr lang="ko-KR"/>
-            </a:defPPr>
-            <a:lvl1pPr marL="0" algn="l" defTabSz="914400" rtl="0" eaLnBrk="1" latinLnBrk="1" hangingPunct="1">
-              <a:defRPr sz="1800" kern="1200">
-                <a:solidFill>
-                  <a:schemeClr val="lt1"/>
-                </a:solidFill>
-                <a:latin typeface="+mn-lt"/>
-                <a:ea typeface="+mn-ea"/>
-                <a:cs typeface="+mn-cs"/>
-              </a:defRPr>
-            </a:lvl1pPr>
-            <a:lvl2pPr marL="457200" algn="l" defTabSz="914400" rtl="0" eaLnBrk="1" latinLnBrk="1" hangingPunct="1">
-              <a:defRPr sz="1800" kern="1200">
-                <a:solidFill>
-                  <a:schemeClr val="lt1"/>
-                </a:solidFill>
-                <a:latin typeface="+mn-lt"/>
-                <a:ea typeface="+mn-ea"/>
-                <a:cs typeface="+mn-cs"/>
-              </a:defRPr>
-            </a:lvl2pPr>
-            <a:lvl3pPr marL="914400" algn="l" defTabSz="914400" rtl="0" eaLnBrk="1" latinLnBrk="1" hangingPunct="1">
-              <a:defRPr sz="1800" kern="1200">
-                <a:solidFill>
-                  <a:schemeClr val="lt1"/>
-                </a:solidFill>
-                <a:latin typeface="+mn-lt"/>
-                <a:ea typeface="+mn-ea"/>
-                <a:cs typeface="+mn-cs"/>
-              </a:defRPr>
-            </a:lvl3pPr>
-            <a:lvl4pPr marL="1371600" algn="l" defTabSz="914400" rtl="0" eaLnBrk="1" latinLnBrk="1" hangingPunct="1">
-              <a:defRPr sz="1800" kern="1200">
-                <a:solidFill>
-                  <a:schemeClr val="lt1"/>
-                </a:solidFill>
-                <a:latin typeface="+mn-lt"/>
-                <a:ea typeface="+mn-ea"/>
-                <a:cs typeface="+mn-cs"/>
-              </a:defRPr>
-            </a:lvl4pPr>
-            <a:lvl5pPr marL="1828800" algn="l" defTabSz="914400" rtl="0" eaLnBrk="1" latinLnBrk="1" hangingPunct="1">
-              <a:defRPr sz="1800" kern="1200">
-                <a:solidFill>
-                  <a:schemeClr val="lt1"/>
-                </a:solidFill>
-                <a:latin typeface="+mn-lt"/>
-                <a:ea typeface="+mn-ea"/>
-                <a:cs typeface="+mn-cs"/>
-              </a:defRPr>
-            </a:lvl5pPr>
-            <a:lvl6pPr marL="2286000" algn="l" defTabSz="914400" rtl="0" eaLnBrk="1" latinLnBrk="1" hangingPunct="1">
-              <a:defRPr sz="1800" kern="1200">
-                <a:solidFill>
-                  <a:schemeClr val="lt1"/>
-                </a:solidFill>
-                <a:latin typeface="+mn-lt"/>
-                <a:ea typeface="+mn-ea"/>
-                <a:cs typeface="+mn-cs"/>
-              </a:defRPr>
-            </a:lvl6pPr>
-            <a:lvl7pPr marL="2743200" algn="l" defTabSz="914400" rtl="0" eaLnBrk="1" latinLnBrk="1" hangingPunct="1">
-              <a:defRPr sz="1800" kern="1200">
-                <a:solidFill>
-                  <a:schemeClr val="lt1"/>
-                </a:solidFill>
-                <a:latin typeface="+mn-lt"/>
-                <a:ea typeface="+mn-ea"/>
-                <a:cs typeface="+mn-cs"/>
-              </a:defRPr>
-            </a:lvl7pPr>
-            <a:lvl8pPr marL="3200400" algn="l" defTabSz="914400" rtl="0" eaLnBrk="1" latinLnBrk="1" hangingPunct="1">
-              <a:defRPr sz="1800" kern="1200">
-                <a:solidFill>
-                  <a:schemeClr val="lt1"/>
-                </a:solidFill>
-                <a:latin typeface="+mn-lt"/>
-                <a:ea typeface="+mn-ea"/>
-                <a:cs typeface="+mn-cs"/>
-              </a:defRPr>
-            </a:lvl8pPr>
-            <a:lvl9pPr marL="3657600" algn="l" defTabSz="914400" rtl="0" eaLnBrk="1" latinLnBrk="1" hangingPunct="1">
-              <a:defRPr sz="1800" kern="1200">
-                <a:solidFill>
-                  <a:schemeClr val="lt1"/>
-                </a:solidFill>
-                <a:latin typeface="+mn-lt"/>
-                <a:ea typeface="+mn-ea"/>
-                <a:cs typeface="+mn-cs"/>
-              </a:defRPr>
-            </a:lvl9pPr>
-          </a:lstStyle>
-          <a:p>
-            <a:pPr algn="ctr"/>
-            <a:endParaRPr lang="ko-KR" altLang="en-US" sz="1350" dirty="0"/>
-          </a:p>
-        </p:txBody>
-      </p:sp>
-      <p:sp>
-        <p:nvSpPr>
-          <p:cNvPr id="222" name="Rectangle 16">
-            <a:extLst>
-              <a:ext uri="{FF2B5EF4-FFF2-40B4-BE49-F238E27FC236}">
-                <a16:creationId xmlns:a16="http://schemas.microsoft.com/office/drawing/2014/main" id="{943F7954-B658-4738-B190-0BC20CCC5EB3}"/>
-              </a:ext>
-            </a:extLst>
-          </p:cNvPr>
-          <p:cNvSpPr/>
-          <p:nvPr/>
-        </p:nvSpPr>
-        <p:spPr>
-          <a:xfrm>
-            <a:off x="1190538" y="2085873"/>
-            <a:ext cx="378889" cy="249011"/>
-          </a:xfrm>
-          <a:custGeom>
-            <a:avLst/>
-            <a:gdLst/>
-            <a:ahLst/>
-            <a:cxnLst/>
-            <a:rect l="l" t="t" r="r" b="b"/>
-            <a:pathLst>
-              <a:path w="3240006" h="2129375">
-                <a:moveTo>
-                  <a:pt x="1916836" y="454558"/>
-                </a:moveTo>
-                <a:cubicBezTo>
-                  <a:pt x="2018418" y="454558"/>
-                  <a:pt x="2100766" y="536906"/>
-                  <a:pt x="2100766" y="638488"/>
-                </a:cubicBezTo>
-                <a:cubicBezTo>
-                  <a:pt x="2100766" y="740070"/>
-                  <a:pt x="2018418" y="822418"/>
-                  <a:pt x="1916836" y="822418"/>
-                </a:cubicBezTo>
-                <a:cubicBezTo>
-                  <a:pt x="1815254" y="822418"/>
-                  <a:pt x="1732906" y="740070"/>
-                  <a:pt x="1732906" y="638488"/>
-                </a:cubicBezTo>
-                <a:cubicBezTo>
-                  <a:pt x="1732906" y="536906"/>
-                  <a:pt x="1815254" y="454558"/>
-                  <a:pt x="1916836" y="454558"/>
-                </a:cubicBezTo>
-                <a:close/>
-                <a:moveTo>
-                  <a:pt x="1197545" y="272737"/>
-                </a:moveTo>
-                <a:lnTo>
-                  <a:pt x="1861974" y="1458536"/>
-                </a:lnTo>
-                <a:lnTo>
-                  <a:pt x="2263096" y="848801"/>
-                </a:lnTo>
-                <a:lnTo>
-                  <a:pt x="2919562" y="1846679"/>
-                </a:lnTo>
-                <a:lnTo>
-                  <a:pt x="2079459" y="1846679"/>
-                </a:lnTo>
-                <a:lnTo>
-                  <a:pt x="1606629" y="1846679"/>
-                </a:lnTo>
-                <a:lnTo>
-                  <a:pt x="315630" y="1846679"/>
-                </a:lnTo>
-                <a:close/>
-                <a:moveTo>
-                  <a:pt x="180003" y="164687"/>
-                </a:moveTo>
-                <a:lnTo>
-                  <a:pt x="180003" y="1964687"/>
-                </a:lnTo>
-                <a:lnTo>
-                  <a:pt x="3060003" y="1964687"/>
-                </a:lnTo>
-                <a:lnTo>
-                  <a:pt x="3060003" y="164687"/>
-                </a:lnTo>
-                <a:close/>
-                <a:moveTo>
-                  <a:pt x="0" y="0"/>
-                </a:moveTo>
-                <a:lnTo>
-                  <a:pt x="3240006" y="0"/>
-                </a:lnTo>
-                <a:lnTo>
-                  <a:pt x="3240006" y="2129375"/>
-                </a:lnTo>
-                <a:lnTo>
-                  <a:pt x="0" y="2129375"/>
-                </a:lnTo>
-                <a:close/>
-              </a:path>
-            </a:pathLst>
-          </a:custGeom>
-          <a:solidFill>
-            <a:schemeClr val="bg1"/>
-          </a:solidFill>
-          <a:ln>
-            <a:noFill/>
-          </a:ln>
-        </p:spPr>
-        <p:style>
-          <a:lnRef idx="2">
-            <a:schemeClr val="accent1">
-              <a:shade val="50000"/>
-            </a:schemeClr>
-          </a:lnRef>
-          <a:fillRef idx="1">
-            <a:schemeClr val="accent1"/>
-          </a:fillRef>
-          <a:effectRef idx="0">
-            <a:schemeClr val="accent1"/>
-          </a:effectRef>
-          <a:fontRef idx="minor">
-            <a:schemeClr val="lt1"/>
-          </a:fontRef>
-        </p:style>
-        <p:txBody>
-          <a:bodyPr rot="0" spcFirstLastPara="0" vert="horz" wrap="square" lIns="68580" tIns="34290" rIns="68580" bIns="34290" numCol="1" spcCol="0" rtlCol="0" fromWordArt="0" anchor="ctr" anchorCtr="0" forceAA="0" compatLnSpc="1">
-            <a:prstTxWarp prst="textNoShape">
-              <a:avLst/>
-            </a:prstTxWarp>
-            <a:noAutofit/>
-          </a:bodyPr>
-          <a:lstStyle>
-            <a:defPPr>
-              <a:defRPr lang="ko-KR"/>
-            </a:defPPr>
-            <a:lvl1pPr marL="0" algn="l" defTabSz="914400" rtl="0" eaLnBrk="1" latinLnBrk="1" hangingPunct="1">
-              <a:defRPr sz="1800" kern="1200">
-                <a:solidFill>
-                  <a:schemeClr val="lt1"/>
-                </a:solidFill>
-                <a:latin typeface="+mn-lt"/>
-                <a:ea typeface="+mn-ea"/>
-                <a:cs typeface="+mn-cs"/>
-              </a:defRPr>
-            </a:lvl1pPr>
-            <a:lvl2pPr marL="457200" algn="l" defTabSz="914400" rtl="0" eaLnBrk="1" latinLnBrk="1" hangingPunct="1">
-              <a:defRPr sz="1800" kern="1200">
-                <a:solidFill>
-                  <a:schemeClr val="lt1"/>
-                </a:solidFill>
-                <a:latin typeface="+mn-lt"/>
-                <a:ea typeface="+mn-ea"/>
-                <a:cs typeface="+mn-cs"/>
-              </a:defRPr>
-            </a:lvl2pPr>
-            <a:lvl3pPr marL="914400" algn="l" defTabSz="914400" rtl="0" eaLnBrk="1" latinLnBrk="1" hangingPunct="1">
-              <a:defRPr sz="1800" kern="1200">
-                <a:solidFill>
-                  <a:schemeClr val="lt1"/>
-                </a:solidFill>
-                <a:latin typeface="+mn-lt"/>
-                <a:ea typeface="+mn-ea"/>
-                <a:cs typeface="+mn-cs"/>
-              </a:defRPr>
-            </a:lvl3pPr>
-            <a:lvl4pPr marL="1371600" algn="l" defTabSz="914400" rtl="0" eaLnBrk="1" latinLnBrk="1" hangingPunct="1">
-              <a:defRPr sz="1800" kern="1200">
-                <a:solidFill>
-                  <a:schemeClr val="lt1"/>
-                </a:solidFill>
-                <a:latin typeface="+mn-lt"/>
-                <a:ea typeface="+mn-ea"/>
-                <a:cs typeface="+mn-cs"/>
-              </a:defRPr>
-            </a:lvl4pPr>
-            <a:lvl5pPr marL="1828800" algn="l" defTabSz="914400" rtl="0" eaLnBrk="1" latinLnBrk="1" hangingPunct="1">
-              <a:defRPr sz="1800" kern="1200">
-                <a:solidFill>
-                  <a:schemeClr val="lt1"/>
-                </a:solidFill>
-                <a:latin typeface="+mn-lt"/>
-                <a:ea typeface="+mn-ea"/>
-                <a:cs typeface="+mn-cs"/>
-              </a:defRPr>
-            </a:lvl5pPr>
-            <a:lvl6pPr marL="2286000" algn="l" defTabSz="914400" rtl="0" eaLnBrk="1" latinLnBrk="1" hangingPunct="1">
-              <a:defRPr sz="1800" kern="1200">
-                <a:solidFill>
-                  <a:schemeClr val="lt1"/>
-                </a:solidFill>
-                <a:latin typeface="+mn-lt"/>
-                <a:ea typeface="+mn-ea"/>
-                <a:cs typeface="+mn-cs"/>
-              </a:defRPr>
-            </a:lvl6pPr>
-            <a:lvl7pPr marL="2743200" algn="l" defTabSz="914400" rtl="0" eaLnBrk="1" latinLnBrk="1" hangingPunct="1">
-              <a:defRPr sz="1800" kern="1200">
-                <a:solidFill>
-                  <a:schemeClr val="lt1"/>
-                </a:solidFill>
-                <a:latin typeface="+mn-lt"/>
-                <a:ea typeface="+mn-ea"/>
-                <a:cs typeface="+mn-cs"/>
-              </a:defRPr>
-            </a:lvl7pPr>
-            <a:lvl8pPr marL="3200400" algn="l" defTabSz="914400" rtl="0" eaLnBrk="1" latinLnBrk="1" hangingPunct="1">
-              <a:defRPr sz="1800" kern="1200">
-                <a:solidFill>
-                  <a:schemeClr val="lt1"/>
-                </a:solidFill>
-                <a:latin typeface="+mn-lt"/>
-                <a:ea typeface="+mn-ea"/>
-                <a:cs typeface="+mn-cs"/>
-              </a:defRPr>
-            </a:lvl8pPr>
-            <a:lvl9pPr marL="3657600" algn="l" defTabSz="914400" rtl="0" eaLnBrk="1" latinLnBrk="1" hangingPunct="1">
-              <a:defRPr sz="1800" kern="1200">
-                <a:solidFill>
-                  <a:schemeClr val="lt1"/>
-                </a:solidFill>
-                <a:latin typeface="+mn-lt"/>
-                <a:ea typeface="+mn-ea"/>
-                <a:cs typeface="+mn-cs"/>
-              </a:defRPr>
-            </a:lvl9pPr>
-          </a:lstStyle>
-          <a:p>
-            <a:pPr algn="ctr"/>
-            <a:endParaRPr lang="ko-KR" altLang="en-US" sz="1350" dirty="0"/>
-          </a:p>
-        </p:txBody>
-      </p:sp>
-      <p:sp>
-        <p:nvSpPr>
-          <p:cNvPr id="223" name="Donut 24">
-            <a:extLst>
-              <a:ext uri="{FF2B5EF4-FFF2-40B4-BE49-F238E27FC236}">
-                <a16:creationId xmlns:a16="http://schemas.microsoft.com/office/drawing/2014/main" id="{2C172970-6DCB-4FC6-A386-E4CED487C98F}"/>
-              </a:ext>
-            </a:extLst>
-          </p:cNvPr>
-          <p:cNvSpPr/>
-          <p:nvPr/>
-        </p:nvSpPr>
-        <p:spPr>
-          <a:xfrm>
-            <a:off x="7588999" y="1994161"/>
-            <a:ext cx="379946" cy="383039"/>
-          </a:xfrm>
-          <a:custGeom>
-            <a:avLst/>
-            <a:gdLst/>
-            <a:ahLst/>
-            <a:cxnLst/>
-            <a:rect l="l" t="t" r="r" b="b"/>
-            <a:pathLst>
-              <a:path w="3208412" h="3234532">
-                <a:moveTo>
-                  <a:pt x="1561445" y="1065858"/>
-                </a:moveTo>
-                <a:cubicBezTo>
-                  <a:pt x="1654998" y="1065858"/>
-                  <a:pt x="1743610" y="1087015"/>
-                  <a:pt x="1821879" y="1126644"/>
-                </a:cubicBezTo>
-                <a:lnTo>
-                  <a:pt x="1611352" y="1337172"/>
-                </a:lnTo>
-                <a:cubicBezTo>
-                  <a:pt x="1595200" y="1333388"/>
-                  <a:pt x="1578468" y="1332141"/>
-                  <a:pt x="1561445" y="1332141"/>
-                </a:cubicBezTo>
-                <a:cubicBezTo>
-                  <a:pt x="1373145" y="1332141"/>
-                  <a:pt x="1220499" y="1484787"/>
-                  <a:pt x="1220499" y="1673087"/>
-                </a:cubicBezTo>
-                <a:cubicBezTo>
-                  <a:pt x="1220499" y="1861387"/>
-                  <a:pt x="1373145" y="2014033"/>
-                  <a:pt x="1561445" y="2014033"/>
-                </a:cubicBezTo>
-                <a:cubicBezTo>
-                  <a:pt x="1749745" y="2014033"/>
-                  <a:pt x="1902391" y="1861387"/>
-                  <a:pt x="1902391" y="1673087"/>
-                </a:cubicBezTo>
-                <a:cubicBezTo>
-                  <a:pt x="1902391" y="1643675"/>
-                  <a:pt x="1898667" y="1615133"/>
-                  <a:pt x="1890450" y="1588219"/>
-                </a:cubicBezTo>
-                <a:lnTo>
-                  <a:pt x="2093156" y="1385512"/>
-                </a:lnTo>
-                <a:cubicBezTo>
-                  <a:pt x="2142229" y="1470075"/>
-                  <a:pt x="2168674" y="1568493"/>
-                  <a:pt x="2168674" y="1673087"/>
-                </a:cubicBezTo>
-                <a:cubicBezTo>
-                  <a:pt x="2168674" y="2008450"/>
-                  <a:pt x="1896808" y="2280316"/>
-                  <a:pt x="1561445" y="2280316"/>
-                </a:cubicBezTo>
-                <a:cubicBezTo>
-                  <a:pt x="1226082" y="2280316"/>
-                  <a:pt x="954217" y="2008450"/>
-                  <a:pt x="954217" y="1673087"/>
-                </a:cubicBezTo>
-                <a:cubicBezTo>
-                  <a:pt x="954217" y="1337724"/>
-                  <a:pt x="1226082" y="1065858"/>
-                  <a:pt x="1561445" y="1065858"/>
-                </a:cubicBezTo>
-                <a:close/>
-                <a:moveTo>
-                  <a:pt x="1561445" y="580076"/>
-                </a:moveTo>
-                <a:cubicBezTo>
-                  <a:pt x="1790175" y="580076"/>
-                  <a:pt x="2002494" y="650333"/>
-                  <a:pt x="2177834" y="770690"/>
-                </a:cubicBezTo>
-                <a:lnTo>
-                  <a:pt x="1968030" y="980494"/>
-                </a:lnTo>
-                <a:cubicBezTo>
-                  <a:pt x="1849962" y="907198"/>
-                  <a:pt x="1710422" y="866794"/>
-                  <a:pt x="1561445" y="866794"/>
-                </a:cubicBezTo>
-                <a:cubicBezTo>
-                  <a:pt x="1116142" y="866794"/>
-                  <a:pt x="755153" y="1227784"/>
-                  <a:pt x="755153" y="1673087"/>
-                </a:cubicBezTo>
-                <a:cubicBezTo>
-                  <a:pt x="755153" y="2118390"/>
-                  <a:pt x="1116142" y="2479380"/>
-                  <a:pt x="1561445" y="2479380"/>
-                </a:cubicBezTo>
-                <a:cubicBezTo>
-                  <a:pt x="2006748" y="2479380"/>
-                  <a:pt x="2367738" y="2118390"/>
-                  <a:pt x="2367738" y="1673087"/>
-                </a:cubicBezTo>
-                <a:cubicBezTo>
-                  <a:pt x="2367738" y="1513043"/>
-                  <a:pt x="2321108" y="1363890"/>
-                  <a:pt x="2239307" y="1239362"/>
-                </a:cubicBezTo>
-                <a:lnTo>
-                  <a:pt x="2445928" y="1032741"/>
-                </a:lnTo>
-                <a:cubicBezTo>
-                  <a:pt x="2577451" y="1212149"/>
-                  <a:pt x="2654457" y="1433625"/>
-                  <a:pt x="2654457" y="1673087"/>
-                </a:cubicBezTo>
-                <a:cubicBezTo>
-                  <a:pt x="2654457" y="2276741"/>
-                  <a:pt x="2165099" y="2766099"/>
-                  <a:pt x="1561445" y="2766099"/>
-                </a:cubicBezTo>
-                <a:cubicBezTo>
-                  <a:pt x="957792" y="2766099"/>
-                  <a:pt x="468434" y="2276741"/>
-                  <a:pt x="468434" y="1673087"/>
-                </a:cubicBezTo>
-                <a:cubicBezTo>
-                  <a:pt x="468434" y="1069433"/>
-                  <a:pt x="957792" y="580076"/>
-                  <a:pt x="1561445" y="580076"/>
-                </a:cubicBezTo>
-                <a:close/>
-                <a:moveTo>
-                  <a:pt x="1561445" y="111642"/>
-                </a:moveTo>
-                <a:cubicBezTo>
-                  <a:pt x="1890473" y="111642"/>
-                  <a:pt x="2195731" y="213411"/>
-                  <a:pt x="2447076" y="387744"/>
-                </a:cubicBezTo>
-                <a:lnTo>
-                  <a:pt x="2453780" y="494744"/>
-                </a:lnTo>
-                <a:lnTo>
-                  <a:pt x="2309436" y="639088"/>
-                </a:lnTo>
-                <a:cubicBezTo>
-                  <a:pt x="2099826" y="485554"/>
-                  <a:pt x="1841132" y="395669"/>
-                  <a:pt x="1561445" y="395669"/>
-                </a:cubicBezTo>
-                <a:cubicBezTo>
-                  <a:pt x="855947" y="395669"/>
-                  <a:pt x="284027" y="967589"/>
-                  <a:pt x="284027" y="1673087"/>
-                </a:cubicBezTo>
-                <a:cubicBezTo>
-                  <a:pt x="284027" y="2378585"/>
-                  <a:pt x="855947" y="2950505"/>
-                  <a:pt x="1561445" y="2950505"/>
-                </a:cubicBezTo>
-                <a:cubicBezTo>
-                  <a:pt x="2266943" y="2950505"/>
-                  <a:pt x="2838863" y="2378585"/>
-                  <a:pt x="2838863" y="1673087"/>
-                </a:cubicBezTo>
-                <a:cubicBezTo>
-                  <a:pt x="2838863" y="1382650"/>
-                  <a:pt x="2741936" y="1114852"/>
-                  <a:pt x="2577529" y="901139"/>
-                </a:cubicBezTo>
-                <a:lnTo>
-                  <a:pt x="2706681" y="771988"/>
-                </a:lnTo>
-                <a:lnTo>
-                  <a:pt x="2841540" y="780437"/>
-                </a:lnTo>
-                <a:cubicBezTo>
-                  <a:pt x="3019168" y="1032973"/>
-                  <a:pt x="3122890" y="1340917"/>
-                  <a:pt x="3122890" y="1673087"/>
-                </a:cubicBezTo>
-                <a:cubicBezTo>
-                  <a:pt x="3122890" y="2535449"/>
-                  <a:pt x="2423807" y="3234532"/>
-                  <a:pt x="1561445" y="3234532"/>
-                </a:cubicBezTo>
-                <a:cubicBezTo>
-                  <a:pt x="699083" y="3234532"/>
-                  <a:pt x="0" y="2535449"/>
-                  <a:pt x="0" y="1673087"/>
-                </a:cubicBezTo>
-                <a:cubicBezTo>
-                  <a:pt x="0" y="810725"/>
-                  <a:pt x="699083" y="111642"/>
-                  <a:pt x="1561445" y="111642"/>
-                </a:cubicBezTo>
-                <a:close/>
-                <a:moveTo>
-                  <a:pt x="2909110" y="0"/>
-                </a:moveTo>
-                <a:lnTo>
-                  <a:pt x="2926757" y="281655"/>
-                </a:lnTo>
-                <a:lnTo>
-                  <a:pt x="3208412" y="299301"/>
-                </a:lnTo>
-                <a:lnTo>
-                  <a:pt x="2863230" y="644483"/>
-                </a:lnTo>
-                <a:lnTo>
-                  <a:pt x="2685547" y="633351"/>
-                </a:lnTo>
-                <a:lnTo>
-                  <a:pt x="1718098" y="1600799"/>
-                </a:lnTo>
-                <a:cubicBezTo>
-                  <a:pt x="1729236" y="1622491"/>
-                  <a:pt x="1734939" y="1647123"/>
-                  <a:pt x="1734939" y="1673087"/>
-                </a:cubicBezTo>
-                <a:cubicBezTo>
-                  <a:pt x="1734939" y="1768905"/>
-                  <a:pt x="1657263" y="1846581"/>
-                  <a:pt x="1561445" y="1846581"/>
-                </a:cubicBezTo>
-                <a:cubicBezTo>
-                  <a:pt x="1465627" y="1846581"/>
-                  <a:pt x="1387951" y="1768905"/>
-                  <a:pt x="1387951" y="1673087"/>
-                </a:cubicBezTo>
-                <a:cubicBezTo>
-                  <a:pt x="1387951" y="1577269"/>
-                  <a:pt x="1465627" y="1499593"/>
-                  <a:pt x="1561445" y="1499593"/>
-                </a:cubicBezTo>
-                <a:lnTo>
-                  <a:pt x="1591006" y="1505561"/>
-                </a:lnTo>
-                <a:lnTo>
-                  <a:pt x="2574981" y="521587"/>
-                </a:lnTo>
-                <a:lnTo>
-                  <a:pt x="2563928" y="345182"/>
-                </a:lnTo>
-                <a:close/>
-              </a:path>
-            </a:pathLst>
-          </a:custGeom>
-          <a:solidFill>
-            <a:schemeClr val="bg1"/>
-          </a:solidFill>
-          <a:ln>
-            <a:noFill/>
-          </a:ln>
-        </p:spPr>
-        <p:style>
-          <a:lnRef idx="2">
-            <a:schemeClr val="accent1">
-              <a:shade val="50000"/>
-            </a:schemeClr>
-          </a:lnRef>
-          <a:fillRef idx="1">
-            <a:schemeClr val="accent1"/>
-          </a:fillRef>
-          <a:effectRef idx="0">
-            <a:schemeClr val="accent1"/>
-          </a:effectRef>
-          <a:fontRef idx="minor">
-            <a:schemeClr val="lt1"/>
-          </a:fontRef>
-        </p:style>
-        <p:txBody>
-          <a:bodyPr rtlCol="0" anchor="ctr"/>
-          <a:lstStyle>
-            <a:defPPr>
-              <a:defRPr lang="ko-KR"/>
-            </a:defPPr>
-            <a:lvl1pPr marL="0" algn="l" defTabSz="914400" rtl="0" eaLnBrk="1" latinLnBrk="1" hangingPunct="1">
-              <a:defRPr sz="1800" kern="1200">
-                <a:solidFill>
-                  <a:schemeClr val="lt1"/>
-                </a:solidFill>
-                <a:latin typeface="+mn-lt"/>
-                <a:ea typeface="+mn-ea"/>
-                <a:cs typeface="+mn-cs"/>
-              </a:defRPr>
-            </a:lvl1pPr>
-            <a:lvl2pPr marL="457200" algn="l" defTabSz="914400" rtl="0" eaLnBrk="1" latinLnBrk="1" hangingPunct="1">
-              <a:defRPr sz="1800" kern="1200">
-                <a:solidFill>
-                  <a:schemeClr val="lt1"/>
-                </a:solidFill>
-                <a:latin typeface="+mn-lt"/>
-                <a:ea typeface="+mn-ea"/>
-                <a:cs typeface="+mn-cs"/>
-              </a:defRPr>
-            </a:lvl2pPr>
-            <a:lvl3pPr marL="914400" algn="l" defTabSz="914400" rtl="0" eaLnBrk="1" latinLnBrk="1" hangingPunct="1">
-              <a:defRPr sz="1800" kern="1200">
-                <a:solidFill>
-                  <a:schemeClr val="lt1"/>
-                </a:solidFill>
-                <a:latin typeface="+mn-lt"/>
-                <a:ea typeface="+mn-ea"/>
-                <a:cs typeface="+mn-cs"/>
-              </a:defRPr>
-            </a:lvl3pPr>
-            <a:lvl4pPr marL="1371600" algn="l" defTabSz="914400" rtl="0" eaLnBrk="1" latinLnBrk="1" hangingPunct="1">
-              <a:defRPr sz="1800" kern="1200">
-                <a:solidFill>
-                  <a:schemeClr val="lt1"/>
-                </a:solidFill>
-                <a:latin typeface="+mn-lt"/>
-                <a:ea typeface="+mn-ea"/>
-                <a:cs typeface="+mn-cs"/>
-              </a:defRPr>
-            </a:lvl4pPr>
-            <a:lvl5pPr marL="1828800" algn="l" defTabSz="914400" rtl="0" eaLnBrk="1" latinLnBrk="1" hangingPunct="1">
-              <a:defRPr sz="1800" kern="1200">
-                <a:solidFill>
-                  <a:schemeClr val="lt1"/>
-                </a:solidFill>
-                <a:latin typeface="+mn-lt"/>
-                <a:ea typeface="+mn-ea"/>
-                <a:cs typeface="+mn-cs"/>
-              </a:defRPr>
-            </a:lvl5pPr>
-            <a:lvl6pPr marL="2286000" algn="l" defTabSz="914400" rtl="0" eaLnBrk="1" latinLnBrk="1" hangingPunct="1">
-              <a:defRPr sz="1800" kern="1200">
-                <a:solidFill>
-                  <a:schemeClr val="lt1"/>
-                </a:solidFill>
-                <a:latin typeface="+mn-lt"/>
-                <a:ea typeface="+mn-ea"/>
-                <a:cs typeface="+mn-cs"/>
-              </a:defRPr>
-            </a:lvl6pPr>
-            <a:lvl7pPr marL="2743200" algn="l" defTabSz="914400" rtl="0" eaLnBrk="1" latinLnBrk="1" hangingPunct="1">
-              <a:defRPr sz="1800" kern="1200">
-                <a:solidFill>
-                  <a:schemeClr val="lt1"/>
-                </a:solidFill>
-                <a:latin typeface="+mn-lt"/>
-                <a:ea typeface="+mn-ea"/>
-                <a:cs typeface="+mn-cs"/>
-              </a:defRPr>
-            </a:lvl7pPr>
-            <a:lvl8pPr marL="3200400" algn="l" defTabSz="914400" rtl="0" eaLnBrk="1" latinLnBrk="1" hangingPunct="1">
-              <a:defRPr sz="1800" kern="1200">
-                <a:solidFill>
-                  <a:schemeClr val="lt1"/>
-                </a:solidFill>
-                <a:latin typeface="+mn-lt"/>
-                <a:ea typeface="+mn-ea"/>
-                <a:cs typeface="+mn-cs"/>
-              </a:defRPr>
-            </a:lvl8pPr>
-            <a:lvl9pPr marL="3657600" algn="l" defTabSz="914400" rtl="0" eaLnBrk="1" latinLnBrk="1" hangingPunct="1">
-              <a:defRPr sz="1800" kern="1200">
-                <a:solidFill>
-                  <a:schemeClr val="lt1"/>
-                </a:solidFill>
-                <a:latin typeface="+mn-lt"/>
-                <a:ea typeface="+mn-ea"/>
-                <a:cs typeface="+mn-cs"/>
-              </a:defRPr>
-            </a:lvl9pPr>
-          </a:lstStyle>
-          <a:p>
-            <a:pPr algn="ctr"/>
-            <a:endParaRPr lang="ko-KR" altLang="en-US" sz="1350" dirty="0">
-              <a:solidFill>
-                <a:schemeClr val="tx1"/>
-              </a:solidFill>
-            </a:endParaRPr>
-          </a:p>
-        </p:txBody>
-      </p:sp>
+      </p:pic>
     </p:spTree>
     <p:extLst>
       <p:ext uri="{BB962C8B-B14F-4D97-AF65-F5344CB8AC3E}">
-        <p14:creationId xmlns:p14="http://schemas.microsoft.com/office/powerpoint/2010/main" val="1441458281"/>
+        <p14:creationId xmlns:p14="http://schemas.microsoft.com/office/powerpoint/2010/main" val="365875486"/>
       </p:ext>
     </p:extLst>
   </p:cSld>

--- a/slide.pptx
+++ b/slide.pptx
@@ -16,6 +16,13 @@
     <p:sldId id="266" r:id="rId10"/>
     <p:sldId id="267" r:id="rId11"/>
     <p:sldId id="260" r:id="rId12"/>
+    <p:sldId id="268" r:id="rId13"/>
+    <p:sldId id="269" r:id="rId14"/>
+    <p:sldId id="270" r:id="rId15"/>
+    <p:sldId id="271" r:id="rId16"/>
+    <p:sldId id="272" r:id="rId17"/>
+    <p:sldId id="273" r:id="rId18"/>
+    <p:sldId id="274" r:id="rId19"/>
   </p:sldIdLst>
   <p:sldSz cx="9144000" cy="5143500" type="screen16x9"/>
   <p:notesSz cx="6858000" cy="9144000"/>
@@ -4503,7 +4510,7 @@
                 <a:ea typeface="맑은 고딕" pitchFamily="50" charset="-127"/>
                 <a:cs typeface="Arial" pitchFamily="34" charset="0"/>
               </a:rPr>
-              <a:t>Lecturers: </a:t>
+              <a:t>Lecturer: </a:t>
             </a:r>
             <a:r>
               <a:rPr lang="en-US" altLang="ko-KR" sz="1300" b="1" dirty="0" err="1">
@@ -4629,7 +4636,7 @@
 </file>
 
 <file path=ppt/slides/slide10.xml><?xml version="1.0" encoding="utf-8"?>
-<p:sld xmlns:a="http://schemas.openxmlformats.org/drawingml/2006/main" xmlns:r="http://schemas.openxmlformats.org/officeDocument/2006/relationships" xmlns:p="http://schemas.openxmlformats.org/presentationml/2006/main" show="0">
+<p:sld xmlns:a="http://schemas.openxmlformats.org/drawingml/2006/main" xmlns:r="http://schemas.openxmlformats.org/officeDocument/2006/relationships" xmlns:p="http://schemas.openxmlformats.org/presentationml/2006/main">
   <p:cSld>
     <p:spTree>
       <p:nvGrpSpPr>
@@ -4664,7 +4671,7 @@
           <a:p>
             <a:r>
               <a:rPr lang="en-US" dirty="0"/>
-              <a:t>Free PPT Templates: Allppt.com</a:t>
+              <a:t>Function</a:t>
             </a:r>
           </a:p>
         </p:txBody>
@@ -4684,10 +4691,7 @@
           <a:bodyPr/>
           <a:lstStyle/>
           <a:p>
-            <a:r>
-              <a:rPr lang="en-US" dirty="0"/>
-              <a:t>You can download professional PowerPoint diagrams for free</a:t>
-            </a:r>
+            <a:endParaRPr lang="en-US" dirty="0"/>
           </a:p>
         </p:txBody>
       </p:sp>
@@ -4805,9 +4809,12 @@
           <a:prstGeom prst="ellipse">
             <a:avLst/>
           </a:prstGeom>
-          <a:solidFill>
-            <a:schemeClr val="accent1"/>
-          </a:solidFill>
+          <a:blipFill>
+            <a:blip r:embed="rId3"/>
+            <a:stretch>
+              <a:fillRect/>
+            </a:stretch>
+          </a:blipFill>
           <a:ln>
             <a:solidFill>
               <a:schemeClr val="tx1">
@@ -4864,9 +4871,12 @@
           <a:prstGeom prst="ellipse">
             <a:avLst/>
           </a:prstGeom>
-          <a:solidFill>
-            <a:schemeClr val="accent3"/>
-          </a:solidFill>
+          <a:blipFill>
+            <a:blip r:embed="rId4"/>
+            <a:stretch>
+              <a:fillRect/>
+            </a:stretch>
+          </a:blipFill>
           <a:ln>
             <a:solidFill>
               <a:schemeClr val="tx1">
@@ -4923,9 +4933,12 @@
           <a:prstGeom prst="ellipse">
             <a:avLst/>
           </a:prstGeom>
-          <a:solidFill>
-            <a:schemeClr val="accent4"/>
-          </a:solidFill>
+          <a:blipFill>
+            <a:blip r:embed="rId5"/>
+            <a:stretch>
+              <a:fillRect/>
+            </a:stretch>
+          </a:blipFill>
           <a:ln>
             <a:solidFill>
               <a:schemeClr val="tx1">
@@ -4982,9 +4995,12 @@
           <a:prstGeom prst="ellipse">
             <a:avLst/>
           </a:prstGeom>
-          <a:solidFill>
-            <a:schemeClr val="accent2"/>
-          </a:solidFill>
+          <a:blipFill>
+            <a:blip r:embed="rId6"/>
+            <a:stretch>
+              <a:fillRect/>
+            </a:stretch>
+          </a:blipFill>
           <a:ln>
             <a:solidFill>
               <a:schemeClr val="tx1">
@@ -5019,112 +5035,37 @@
           </a:p>
         </p:txBody>
       </p:sp>
-      <p:grpSp>
-        <p:nvGrpSpPr>
-          <p:cNvPr id="208" name="Group 9">
+      <p:sp>
+        <p:nvSpPr>
+          <p:cNvPr id="210" name="TextBox 209">
             <a:extLst>
               <a:ext uri="{FF2B5EF4-FFF2-40B4-BE49-F238E27FC236}">
-                <a16:creationId xmlns:a16="http://schemas.microsoft.com/office/drawing/2014/main" id="{88D9EFA4-021A-4F31-8654-E5618A8378B3}"/>
+                <a16:creationId xmlns:a16="http://schemas.microsoft.com/office/drawing/2014/main" id="{18BD519D-AD4E-469E-9AC7-DC00D1B4C7C9}"/>
               </a:ext>
             </a:extLst>
           </p:cNvPr>
-          <p:cNvGrpSpPr/>
+          <p:cNvSpPr txBox="1"/>
           <p:nvPr/>
-        </p:nvGrpSpPr>
-        <p:grpSpPr>
+        </p:nvSpPr>
+        <p:spPr>
           <a:xfrm>
-            <a:off x="674838" y="2853091"/>
-            <a:ext cx="1382725" cy="1565739"/>
-            <a:chOff x="2079598" y="4199174"/>
-            <a:chExt cx="3303211" cy="2087651"/>
+            <a:off x="662882" y="2853091"/>
+            <a:ext cx="1382725" cy="307777"/>
           </a:xfrm>
-        </p:grpSpPr>
-        <p:sp>
-          <p:nvSpPr>
-            <p:cNvPr id="209" name="TextBox 208">
-              <a:extLst>
-                <a:ext uri="{FF2B5EF4-FFF2-40B4-BE49-F238E27FC236}">
-                  <a16:creationId xmlns:a16="http://schemas.microsoft.com/office/drawing/2014/main" id="{C64ECC97-4355-4ABD-94CA-B5C6FC96A582}"/>
-                </a:ext>
-              </a:extLst>
-            </p:cNvPr>
-            <p:cNvSpPr txBox="1"/>
-            <p:nvPr/>
-          </p:nvSpPr>
-          <p:spPr>
-            <a:xfrm>
-              <a:off x="2098435" y="4501722"/>
-              <a:ext cx="3255729" cy="1785103"/>
-            </a:xfrm>
-            <a:prstGeom prst="rect">
-              <a:avLst/>
-            </a:prstGeom>
-            <a:noFill/>
-          </p:spPr>
-          <p:txBody>
-            <a:bodyPr wrap="square" rtlCol="0">
-              <a:spAutoFit/>
-            </a:bodyPr>
-            <a:lstStyle/>
-            <a:p>
-              <a:pPr algn="ctr"/>
-              <a:r>
-                <a:rPr lang="en-US" altLang="ko-KR" sz="900" dirty="0">
-                  <a:solidFill>
-                    <a:schemeClr val="tx1">
-                      <a:lumMod val="65000"/>
-                      <a:lumOff val="35000"/>
-                    </a:schemeClr>
-                  </a:solidFill>
-                  <a:cs typeface="Arial" pitchFamily="34" charset="0"/>
-                </a:rPr>
-                <a:t>You can simply impress your audience and add a unique zing and appeal to your Presentations. Get a modern PowerPoint  Presentation that is beautifully designed. </a:t>
-              </a:r>
-            </a:p>
-          </p:txBody>
-        </p:sp>
-        <p:sp>
-          <p:nvSpPr>
-            <p:cNvPr id="210" name="TextBox 209">
-              <a:extLst>
-                <a:ext uri="{FF2B5EF4-FFF2-40B4-BE49-F238E27FC236}">
-                  <a16:creationId xmlns:a16="http://schemas.microsoft.com/office/drawing/2014/main" id="{18BD519D-AD4E-469E-9AC7-DC00D1B4C7C9}"/>
-                </a:ext>
-              </a:extLst>
-            </p:cNvPr>
-            <p:cNvSpPr txBox="1"/>
-            <p:nvPr/>
-          </p:nvSpPr>
-          <p:spPr>
-            <a:xfrm>
-              <a:off x="2079598" y="4199174"/>
-              <a:ext cx="3303211" cy="307776"/>
-            </a:xfrm>
-            <a:prstGeom prst="rect">
-              <a:avLst/>
-            </a:prstGeom>
-            <a:noFill/>
-          </p:spPr>
-          <p:txBody>
-            <a:bodyPr wrap="square" rtlCol="0">
-              <a:spAutoFit/>
-            </a:bodyPr>
-            <a:lstStyle/>
-            <a:p>
-              <a:pPr algn="ctr"/>
-              <a:r>
-                <a:rPr lang="en-US" altLang="ko-KR" sz="900" b="1" dirty="0">
-                  <a:solidFill>
-                    <a:schemeClr val="tx1">
-                      <a:lumMod val="65000"/>
-                      <a:lumOff val="35000"/>
-                    </a:schemeClr>
-                  </a:solidFill>
-                  <a:cs typeface="Arial" pitchFamily="34" charset="0"/>
-                </a:rPr>
-                <a:t>Content  Here</a:t>
-              </a:r>
-              <a:endParaRPr lang="ko-KR" altLang="en-US" sz="900" b="1" dirty="0">
+          <a:prstGeom prst="rect">
+            <a:avLst/>
+          </a:prstGeom>
+          <a:noFill/>
+        </p:spPr>
+        <p:txBody>
+          <a:bodyPr wrap="square" rtlCol="0">
+            <a:spAutoFit/>
+          </a:bodyPr>
+          <a:lstStyle/>
+          <a:p>
+            <a:pPr algn="ctr"/>
+            <a:r>
+              <a:rPr lang="en-US" altLang="ko-KR" sz="1400" b="1" dirty="0">
                 <a:solidFill>
                   <a:schemeClr val="tx1">
                     <a:lumMod val="65000"/>
@@ -5132,117 +5073,52 @@
                   </a:schemeClr>
                 </a:solidFill>
                 <a:cs typeface="Arial" pitchFamily="34" charset="0"/>
-              </a:endParaRPr>
-            </a:p>
-          </p:txBody>
-        </p:sp>
-      </p:grpSp>
-      <p:grpSp>
-        <p:nvGrpSpPr>
-          <p:cNvPr id="211" name="Group 15">
+              </a:rPr>
+              <a:t>Listening Skill</a:t>
+            </a:r>
+            <a:endParaRPr lang="ko-KR" altLang="en-US" sz="1400" b="1" dirty="0">
+              <a:solidFill>
+                <a:schemeClr val="tx1">
+                  <a:lumMod val="65000"/>
+                  <a:lumOff val="35000"/>
+                </a:schemeClr>
+              </a:solidFill>
+              <a:cs typeface="Arial" pitchFamily="34" charset="0"/>
+            </a:endParaRPr>
+          </a:p>
+        </p:txBody>
+      </p:sp>
+      <p:sp>
+        <p:nvSpPr>
+          <p:cNvPr id="213" name="TextBox 212">
             <a:extLst>
               <a:ext uri="{FF2B5EF4-FFF2-40B4-BE49-F238E27FC236}">
-                <a16:creationId xmlns:a16="http://schemas.microsoft.com/office/drawing/2014/main" id="{8CA0DCBB-83C2-4C05-83A2-82183F54277B}"/>
+                <a16:creationId xmlns:a16="http://schemas.microsoft.com/office/drawing/2014/main" id="{A6FEA467-9D54-41B0-8838-34F9EAAB09CD}"/>
               </a:ext>
             </a:extLst>
           </p:cNvPr>
-          <p:cNvGrpSpPr/>
+          <p:cNvSpPr txBox="1"/>
           <p:nvPr/>
-        </p:nvGrpSpPr>
-        <p:grpSpPr>
+        </p:nvSpPr>
+        <p:spPr>
           <a:xfrm>
-            <a:off x="4951387" y="2853091"/>
-            <a:ext cx="1382725" cy="1565739"/>
-            <a:chOff x="2079598" y="4199174"/>
-            <a:chExt cx="3303211" cy="2087651"/>
+            <a:off x="4939431" y="2853091"/>
+            <a:ext cx="1382725" cy="307777"/>
           </a:xfrm>
-        </p:grpSpPr>
-        <p:sp>
-          <p:nvSpPr>
-            <p:cNvPr id="212" name="TextBox 211">
-              <a:extLst>
-                <a:ext uri="{FF2B5EF4-FFF2-40B4-BE49-F238E27FC236}">
-                  <a16:creationId xmlns:a16="http://schemas.microsoft.com/office/drawing/2014/main" id="{8688AF91-93B2-44E6-BC39-6D08C4AA2E85}"/>
-                </a:ext>
-              </a:extLst>
-            </p:cNvPr>
-            <p:cNvSpPr txBox="1"/>
-            <p:nvPr/>
-          </p:nvSpPr>
-          <p:spPr>
-            <a:xfrm>
-              <a:off x="2098435" y="4501722"/>
-              <a:ext cx="3255729" cy="1785103"/>
-            </a:xfrm>
-            <a:prstGeom prst="rect">
-              <a:avLst/>
-            </a:prstGeom>
-            <a:noFill/>
-          </p:spPr>
-          <p:txBody>
-            <a:bodyPr wrap="square" rtlCol="0">
-              <a:spAutoFit/>
-            </a:bodyPr>
-            <a:lstStyle/>
-            <a:p>
-              <a:pPr algn="ctr"/>
-              <a:r>
-                <a:rPr lang="en-US" altLang="ko-KR" sz="900" dirty="0">
-                  <a:solidFill>
-                    <a:schemeClr val="tx1">
-                      <a:lumMod val="65000"/>
-                      <a:lumOff val="35000"/>
-                    </a:schemeClr>
-                  </a:solidFill>
-                  <a:cs typeface="Arial" pitchFamily="34" charset="0"/>
-                </a:rPr>
-                <a:t>You can simply impress your audience and add a unique zing and appeal to your Presentations. Get a modern PowerPoint  Presentation that is beautifully designed. </a:t>
-              </a:r>
-            </a:p>
-          </p:txBody>
-        </p:sp>
-        <p:sp>
-          <p:nvSpPr>
-            <p:cNvPr id="213" name="TextBox 212">
-              <a:extLst>
-                <a:ext uri="{FF2B5EF4-FFF2-40B4-BE49-F238E27FC236}">
-                  <a16:creationId xmlns:a16="http://schemas.microsoft.com/office/drawing/2014/main" id="{A6FEA467-9D54-41B0-8838-34F9EAAB09CD}"/>
-                </a:ext>
-              </a:extLst>
-            </p:cNvPr>
-            <p:cNvSpPr txBox="1"/>
-            <p:nvPr/>
-          </p:nvSpPr>
-          <p:spPr>
-            <a:xfrm>
-              <a:off x="2079598" y="4199174"/>
-              <a:ext cx="3303211" cy="307776"/>
-            </a:xfrm>
-            <a:prstGeom prst="rect">
-              <a:avLst/>
-            </a:prstGeom>
-            <a:noFill/>
-          </p:spPr>
-          <p:txBody>
-            <a:bodyPr wrap="square" rtlCol="0">
-              <a:spAutoFit/>
-            </a:bodyPr>
-            <a:lstStyle/>
-            <a:p>
-              <a:pPr algn="ctr"/>
-              <a:r>
-                <a:rPr lang="en-US" altLang="ko-KR" sz="900" b="1" dirty="0">
-                  <a:solidFill>
-                    <a:schemeClr val="tx1">
-                      <a:lumMod val="65000"/>
-                      <a:lumOff val="35000"/>
-                    </a:schemeClr>
-                  </a:solidFill>
-                  <a:cs typeface="Arial" pitchFamily="34" charset="0"/>
-                </a:rPr>
-                <a:t>Content  Here</a:t>
-              </a:r>
-              <a:endParaRPr lang="ko-KR" altLang="en-US" sz="900" b="1" dirty="0">
+          <a:prstGeom prst="rect">
+            <a:avLst/>
+          </a:prstGeom>
+          <a:noFill/>
+        </p:spPr>
+        <p:txBody>
+          <a:bodyPr wrap="square" rtlCol="0">
+            <a:spAutoFit/>
+          </a:bodyPr>
+          <a:lstStyle/>
+          <a:p>
+            <a:pPr algn="ctr"/>
+            <a:r>
+              <a:rPr lang="en-US" altLang="ko-KR" sz="1400" b="1" dirty="0">
                 <a:solidFill>
                   <a:schemeClr val="tx1">
                     <a:lumMod val="65000"/>
@@ -5250,117 +5126,52 @@
                   </a:schemeClr>
                 </a:solidFill>
                 <a:cs typeface="Arial" pitchFamily="34" charset="0"/>
-              </a:endParaRPr>
-            </a:p>
-          </p:txBody>
-        </p:sp>
-      </p:grpSp>
-      <p:grpSp>
-        <p:nvGrpSpPr>
-          <p:cNvPr id="214" name="Group 18">
+              </a:rPr>
+              <a:t>Vocabulary</a:t>
+            </a:r>
+            <a:endParaRPr lang="ko-KR" altLang="en-US" sz="1400" b="1" dirty="0">
+              <a:solidFill>
+                <a:schemeClr val="tx1">
+                  <a:lumMod val="65000"/>
+                  <a:lumOff val="35000"/>
+                </a:schemeClr>
+              </a:solidFill>
+              <a:cs typeface="Arial" pitchFamily="34" charset="0"/>
+            </a:endParaRPr>
+          </a:p>
+        </p:txBody>
+      </p:sp>
+      <p:sp>
+        <p:nvSpPr>
+          <p:cNvPr id="216" name="TextBox 215">
             <a:extLst>
               <a:ext uri="{FF2B5EF4-FFF2-40B4-BE49-F238E27FC236}">
-                <a16:creationId xmlns:a16="http://schemas.microsoft.com/office/drawing/2014/main" id="{712D239D-82BB-4F86-B127-3CA0D2C1E072}"/>
+                <a16:creationId xmlns:a16="http://schemas.microsoft.com/office/drawing/2014/main" id="{B562180B-A19A-4BF1-80AF-A2CA89D3B520}"/>
               </a:ext>
             </a:extLst>
           </p:cNvPr>
-          <p:cNvGrpSpPr/>
+          <p:cNvSpPr txBox="1"/>
           <p:nvPr/>
-        </p:nvGrpSpPr>
-        <p:grpSpPr>
+        </p:nvSpPr>
+        <p:spPr>
           <a:xfrm>
-            <a:off x="2813112" y="2853091"/>
-            <a:ext cx="1382725" cy="1565739"/>
-            <a:chOff x="2079598" y="4199174"/>
-            <a:chExt cx="3303211" cy="2087651"/>
+            <a:off x="2801156" y="2853091"/>
+            <a:ext cx="1382725" cy="307777"/>
           </a:xfrm>
-        </p:grpSpPr>
-        <p:sp>
-          <p:nvSpPr>
-            <p:cNvPr id="215" name="TextBox 214">
-              <a:extLst>
-                <a:ext uri="{FF2B5EF4-FFF2-40B4-BE49-F238E27FC236}">
-                  <a16:creationId xmlns:a16="http://schemas.microsoft.com/office/drawing/2014/main" id="{BF82EDE1-B0CF-4DC7-9ACF-704525CD0284}"/>
-                </a:ext>
-              </a:extLst>
-            </p:cNvPr>
-            <p:cNvSpPr txBox="1"/>
-            <p:nvPr/>
-          </p:nvSpPr>
-          <p:spPr>
-            <a:xfrm>
-              <a:off x="2098435" y="4501722"/>
-              <a:ext cx="3255729" cy="1785103"/>
-            </a:xfrm>
-            <a:prstGeom prst="rect">
-              <a:avLst/>
-            </a:prstGeom>
-            <a:noFill/>
-          </p:spPr>
-          <p:txBody>
-            <a:bodyPr wrap="square" rtlCol="0">
-              <a:spAutoFit/>
-            </a:bodyPr>
-            <a:lstStyle/>
-            <a:p>
-              <a:pPr algn="ctr"/>
-              <a:r>
-                <a:rPr lang="en-US" altLang="ko-KR" sz="900" dirty="0">
-                  <a:solidFill>
-                    <a:schemeClr val="tx1">
-                      <a:lumMod val="65000"/>
-                      <a:lumOff val="35000"/>
-                    </a:schemeClr>
-                  </a:solidFill>
-                  <a:cs typeface="Arial" pitchFamily="34" charset="0"/>
-                </a:rPr>
-                <a:t>You can simply impress your audience and add a unique zing and appeal to your Presentations. Get a modern PowerPoint  Presentation that is beautifully designed. </a:t>
-              </a:r>
-            </a:p>
-          </p:txBody>
-        </p:sp>
-        <p:sp>
-          <p:nvSpPr>
-            <p:cNvPr id="216" name="TextBox 215">
-              <a:extLst>
-                <a:ext uri="{FF2B5EF4-FFF2-40B4-BE49-F238E27FC236}">
-                  <a16:creationId xmlns:a16="http://schemas.microsoft.com/office/drawing/2014/main" id="{B562180B-A19A-4BF1-80AF-A2CA89D3B520}"/>
-                </a:ext>
-              </a:extLst>
-            </p:cNvPr>
-            <p:cNvSpPr txBox="1"/>
-            <p:nvPr/>
-          </p:nvSpPr>
-          <p:spPr>
-            <a:xfrm>
-              <a:off x="2079598" y="4199174"/>
-              <a:ext cx="3303211" cy="307776"/>
-            </a:xfrm>
-            <a:prstGeom prst="rect">
-              <a:avLst/>
-            </a:prstGeom>
-            <a:noFill/>
-          </p:spPr>
-          <p:txBody>
-            <a:bodyPr wrap="square" rtlCol="0">
-              <a:spAutoFit/>
-            </a:bodyPr>
-            <a:lstStyle/>
-            <a:p>
-              <a:pPr algn="ctr"/>
-              <a:r>
-                <a:rPr lang="en-US" altLang="ko-KR" sz="900" b="1" dirty="0">
-                  <a:solidFill>
-                    <a:schemeClr val="tx1">
-                      <a:lumMod val="65000"/>
-                      <a:lumOff val="35000"/>
-                    </a:schemeClr>
-                  </a:solidFill>
-                  <a:cs typeface="Arial" pitchFamily="34" charset="0"/>
-                </a:rPr>
-                <a:t>Content  Here</a:t>
-              </a:r>
-              <a:endParaRPr lang="ko-KR" altLang="en-US" sz="900" b="1" dirty="0">
+          <a:prstGeom prst="rect">
+            <a:avLst/>
+          </a:prstGeom>
+          <a:noFill/>
+        </p:spPr>
+        <p:txBody>
+          <a:bodyPr wrap="square" rtlCol="0">
+            <a:spAutoFit/>
+          </a:bodyPr>
+          <a:lstStyle/>
+          <a:p>
+            <a:pPr algn="ctr"/>
+            <a:r>
+              <a:rPr lang="en-US" altLang="ko-KR" sz="1400" b="1" dirty="0">
                 <a:solidFill>
                   <a:schemeClr val="tx1">
                     <a:lumMod val="65000"/>
@@ -5368,73 +5179,43 @@
                   </a:schemeClr>
                 </a:solidFill>
                 <a:cs typeface="Arial" pitchFamily="34" charset="0"/>
-              </a:endParaRPr>
-            </a:p>
-          </p:txBody>
-        </p:sp>
-      </p:grpSp>
-      <p:grpSp>
-        <p:nvGrpSpPr>
-          <p:cNvPr id="217" name="Group 21">
+              </a:rPr>
+              <a:t>Writing Skill</a:t>
+            </a:r>
+          </a:p>
+        </p:txBody>
+      </p:sp>
+      <p:sp>
+        <p:nvSpPr>
+          <p:cNvPr id="219" name="TextBox 218">
             <a:extLst>
               <a:ext uri="{FF2B5EF4-FFF2-40B4-BE49-F238E27FC236}">
-                <a16:creationId xmlns:a16="http://schemas.microsoft.com/office/drawing/2014/main" id="{5A0903F3-6DEF-4D06-B1B7-8B81090CE062}"/>
+                <a16:creationId xmlns:a16="http://schemas.microsoft.com/office/drawing/2014/main" id="{C182A40D-5B52-4B31-8946-6EA5A75320EF}"/>
               </a:ext>
             </a:extLst>
           </p:cNvPr>
-          <p:cNvGrpSpPr/>
+          <p:cNvSpPr txBox="1"/>
           <p:nvPr/>
-        </p:nvGrpSpPr>
-        <p:grpSpPr>
+        </p:nvSpPr>
+        <p:spPr>
           <a:xfrm>
-            <a:off x="7089663" y="2853091"/>
-            <a:ext cx="1382725" cy="1565739"/>
-            <a:chOff x="2079598" y="4199174"/>
-            <a:chExt cx="3303211" cy="2087651"/>
+            <a:off x="7077707" y="2853091"/>
+            <a:ext cx="1382725" cy="307777"/>
           </a:xfrm>
-        </p:grpSpPr>
-        <p:sp>
-          <p:nvSpPr>
-            <p:cNvPr id="218" name="TextBox 217">
-              <a:extLst>
-                <a:ext uri="{FF2B5EF4-FFF2-40B4-BE49-F238E27FC236}">
-                  <a16:creationId xmlns:a16="http://schemas.microsoft.com/office/drawing/2014/main" id="{2D541925-1AF4-431A-9C0E-9E7F73AD9456}"/>
-                </a:ext>
-              </a:extLst>
-            </p:cNvPr>
-            <p:cNvSpPr txBox="1"/>
-            <p:nvPr/>
-          </p:nvSpPr>
-          <p:spPr>
-            <a:xfrm>
-              <a:off x="2098435" y="4501722"/>
-              <a:ext cx="3255729" cy="1785103"/>
-            </a:xfrm>
-            <a:prstGeom prst="rect">
-              <a:avLst/>
-            </a:prstGeom>
-            <a:noFill/>
-          </p:spPr>
-          <p:txBody>
-            <a:bodyPr wrap="square" rtlCol="0">
-              <a:spAutoFit/>
-            </a:bodyPr>
-            <a:lstStyle/>
-            <a:p>
-              <a:pPr algn="ctr"/>
-              <a:r>
-                <a:rPr lang="en-US" altLang="ko-KR" sz="900" dirty="0">
-                  <a:solidFill>
-                    <a:schemeClr val="tx1">
-                      <a:lumMod val="65000"/>
-                      <a:lumOff val="35000"/>
-                    </a:schemeClr>
-                  </a:solidFill>
-                  <a:cs typeface="Arial" pitchFamily="34" charset="0"/>
-                </a:rPr>
-                <a:t>You can simply impress your audience and add a unique zing and appeal to your Presentations. Get a modern PowerPoint  Presentation that is beautifully designed.</a:t>
-              </a:r>
-              <a:endParaRPr lang="ko-KR" altLang="en-US" sz="900" dirty="0">
+          <a:prstGeom prst="rect">
+            <a:avLst/>
+          </a:prstGeom>
+          <a:noFill/>
+        </p:spPr>
+        <p:txBody>
+          <a:bodyPr wrap="square" rtlCol="0">
+            <a:spAutoFit/>
+          </a:bodyPr>
+          <a:lstStyle/>
+          <a:p>
+            <a:pPr algn="ctr"/>
+            <a:r>
+              <a:rPr lang="en-US" altLang="ko-KR" sz="1400" b="1" dirty="0">
                 <a:solidFill>
                   <a:schemeClr val="tx1">
                     <a:lumMod val="65000"/>
@@ -5442,1239 +5223,9 @@
                   </a:schemeClr>
                 </a:solidFill>
                 <a:cs typeface="Arial" pitchFamily="34" charset="0"/>
-              </a:endParaRPr>
-            </a:p>
-          </p:txBody>
-        </p:sp>
-        <p:sp>
-          <p:nvSpPr>
-            <p:cNvPr id="219" name="TextBox 218">
-              <a:extLst>
-                <a:ext uri="{FF2B5EF4-FFF2-40B4-BE49-F238E27FC236}">
-                  <a16:creationId xmlns:a16="http://schemas.microsoft.com/office/drawing/2014/main" id="{C182A40D-5B52-4B31-8946-6EA5A75320EF}"/>
-                </a:ext>
-              </a:extLst>
-            </p:cNvPr>
-            <p:cNvSpPr txBox="1"/>
-            <p:nvPr/>
-          </p:nvSpPr>
-          <p:spPr>
-            <a:xfrm>
-              <a:off x="2079598" y="4199174"/>
-              <a:ext cx="3303211" cy="307776"/>
-            </a:xfrm>
-            <a:prstGeom prst="rect">
-              <a:avLst/>
-            </a:prstGeom>
-            <a:noFill/>
-          </p:spPr>
-          <p:txBody>
-            <a:bodyPr wrap="square" rtlCol="0">
-              <a:spAutoFit/>
-            </a:bodyPr>
-            <a:lstStyle/>
-            <a:p>
-              <a:pPr algn="ctr"/>
-              <a:r>
-                <a:rPr lang="en-US" altLang="ko-KR" sz="900" b="1" dirty="0">
-                  <a:solidFill>
-                    <a:schemeClr val="tx1">
-                      <a:lumMod val="65000"/>
-                      <a:lumOff val="35000"/>
-                    </a:schemeClr>
-                  </a:solidFill>
-                  <a:cs typeface="Arial" pitchFamily="34" charset="0"/>
-                </a:rPr>
-                <a:t>Content  Here</a:t>
-              </a:r>
-              <a:endParaRPr lang="ko-KR" altLang="en-US" sz="900" b="1" dirty="0">
-                <a:solidFill>
-                  <a:schemeClr val="tx1">
-                    <a:lumMod val="65000"/>
-                    <a:lumOff val="35000"/>
-                  </a:schemeClr>
-                </a:solidFill>
-                <a:cs typeface="Arial" pitchFamily="34" charset="0"/>
-              </a:endParaRPr>
-            </a:p>
-          </p:txBody>
-        </p:sp>
-      </p:grpSp>
-      <p:sp>
-        <p:nvSpPr>
-          <p:cNvPr id="220" name="Isosceles Triangle 8">
-            <a:extLst>
-              <a:ext uri="{FF2B5EF4-FFF2-40B4-BE49-F238E27FC236}">
-                <a16:creationId xmlns:a16="http://schemas.microsoft.com/office/drawing/2014/main" id="{9064DD81-0DBA-4D2A-A814-92303FCB31FF}"/>
-              </a:ext>
-            </a:extLst>
-          </p:cNvPr>
-          <p:cNvSpPr/>
-          <p:nvPr/>
-        </p:nvSpPr>
-        <p:spPr>
-          <a:xfrm rot="16200000">
-            <a:off x="3359012" y="2000156"/>
-            <a:ext cx="328550" cy="391718"/>
-          </a:xfrm>
-          <a:custGeom>
-            <a:avLst/>
-            <a:gdLst/>
-            <a:ahLst/>
-            <a:cxnLst/>
-            <a:rect l="l" t="t" r="r" b="b"/>
-            <a:pathLst>
-              <a:path w="2708011" h="3228660">
-                <a:moveTo>
-                  <a:pt x="1895121" y="2005092"/>
-                </a:moveTo>
-                <a:cubicBezTo>
-                  <a:pt x="1769067" y="2196199"/>
-                  <a:pt x="1559641" y="2315968"/>
-                  <a:pt x="1331007" y="2327705"/>
-                </a:cubicBezTo>
-                <a:cubicBezTo>
-                  <a:pt x="1102373" y="2339443"/>
-                  <a:pt x="881783" y="2241749"/>
-                  <a:pt x="736821" y="2064556"/>
-                </a:cubicBezTo>
-                <a:lnTo>
-                  <a:pt x="885891" y="1942602"/>
-                </a:lnTo>
-                <a:cubicBezTo>
-                  <a:pt x="992076" y="2072396"/>
-                  <a:pt x="1153658" y="2143956"/>
-                  <a:pt x="1321132" y="2135359"/>
-                </a:cubicBezTo>
-                <a:cubicBezTo>
-                  <a:pt x="1488607" y="2126761"/>
-                  <a:pt x="1642011" y="2039030"/>
-                  <a:pt x="1734346" y="1899045"/>
-                </a:cubicBezTo>
-                <a:close/>
-                <a:moveTo>
-                  <a:pt x="2315256" y="2179725"/>
-                </a:moveTo>
-                <a:cubicBezTo>
-                  <a:pt x="2124977" y="2519973"/>
-                  <a:pt x="1777729" y="2743099"/>
-                  <a:pt x="1389179" y="2774782"/>
-                </a:cubicBezTo>
-                <a:cubicBezTo>
-                  <a:pt x="1000629" y="2806465"/>
-                  <a:pt x="621821" y="2642541"/>
-                  <a:pt x="378934" y="2337614"/>
-                </a:cubicBezTo>
-                <a:lnTo>
-                  <a:pt x="519502" y="2225645"/>
-                </a:lnTo>
-                <a:cubicBezTo>
-                  <a:pt x="725082" y="2483736"/>
-                  <a:pt x="1045705" y="2622480"/>
-                  <a:pt x="1374574" y="2595664"/>
-                </a:cubicBezTo>
-                <a:cubicBezTo>
-                  <a:pt x="1703443" y="2568848"/>
-                  <a:pt x="1997353" y="2379994"/>
-                  <a:pt x="2158406" y="2092008"/>
-                </a:cubicBezTo>
-                <a:close/>
-                <a:moveTo>
-                  <a:pt x="2315941" y="1615003"/>
-                </a:moveTo>
-                <a:lnTo>
-                  <a:pt x="272242" y="1615003"/>
-                </a:lnTo>
-                <a:lnTo>
-                  <a:pt x="872561" y="666216"/>
-                </a:lnTo>
-                <a:lnTo>
-                  <a:pt x="872561" y="219906"/>
-                </a:lnTo>
-                <a:cubicBezTo>
-                  <a:pt x="872561" y="98674"/>
-                  <a:pt x="970839" y="396"/>
-                  <a:pt x="1092071" y="396"/>
-                </a:cubicBezTo>
-                <a:lnTo>
-                  <a:pt x="1293841" y="396"/>
-                </a:lnTo>
-                <a:lnTo>
-                  <a:pt x="1294092" y="0"/>
-                </a:lnTo>
-                <a:lnTo>
-                  <a:pt x="1294343" y="396"/>
-                </a:lnTo>
-                <a:lnTo>
-                  <a:pt x="1470231" y="396"/>
-                </a:lnTo>
-                <a:cubicBezTo>
-                  <a:pt x="1591463" y="396"/>
-                  <a:pt x="1689741" y="98674"/>
-                  <a:pt x="1689741" y="219906"/>
-                </a:cubicBezTo>
-                <a:lnTo>
-                  <a:pt x="1689741" y="625313"/>
-                </a:lnTo>
-                <a:close/>
-                <a:moveTo>
-                  <a:pt x="2708011" y="2399368"/>
-                </a:moveTo>
-                <a:cubicBezTo>
-                  <a:pt x="2440740" y="2877288"/>
-                  <a:pt x="1950128" y="3187847"/>
-                  <a:pt x="1403807" y="3224932"/>
-                </a:cubicBezTo>
-                <a:cubicBezTo>
-                  <a:pt x="857486" y="3262017"/>
-                  <a:pt x="329406" y="3020609"/>
-                  <a:pt x="0" y="2583191"/>
-                </a:cubicBezTo>
-                <a:lnTo>
-                  <a:pt x="143153" y="2475389"/>
-                </a:lnTo>
-                <a:cubicBezTo>
-                  <a:pt x="436120" y="2864419"/>
-                  <a:pt x="905784" y="3079123"/>
-                  <a:pt x="1391671" y="3046140"/>
-                </a:cubicBezTo>
-                <a:cubicBezTo>
-                  <a:pt x="1877558" y="3013157"/>
-                  <a:pt x="2313899" y="2736952"/>
-                  <a:pt x="2551604" y="2311899"/>
-                </a:cubicBezTo>
-                <a:close/>
-              </a:path>
-            </a:pathLst>
-          </a:custGeom>
-          <a:solidFill>
-            <a:schemeClr val="bg1"/>
-          </a:solidFill>
-          <a:ln>
-            <a:noFill/>
-          </a:ln>
-        </p:spPr>
-        <p:style>
-          <a:lnRef idx="2">
-            <a:schemeClr val="accent1">
-              <a:shade val="50000"/>
-            </a:schemeClr>
-          </a:lnRef>
-          <a:fillRef idx="1">
-            <a:schemeClr val="accent1"/>
-          </a:fillRef>
-          <a:effectRef idx="0">
-            <a:schemeClr val="accent1"/>
-          </a:effectRef>
-          <a:fontRef idx="minor">
-            <a:schemeClr val="lt1"/>
-          </a:fontRef>
-        </p:style>
-        <p:txBody>
-          <a:bodyPr rot="0" spcFirstLastPara="0" vert="horz" wrap="square" lIns="68580" tIns="34290" rIns="68580" bIns="34290" numCol="1" spcCol="0" rtlCol="0" fromWordArt="0" anchor="ctr" anchorCtr="0" forceAA="0" compatLnSpc="1">
-            <a:prstTxWarp prst="textNoShape">
-              <a:avLst/>
-            </a:prstTxWarp>
-            <a:noAutofit/>
-          </a:bodyPr>
-          <a:lstStyle>
-            <a:defPPr>
-              <a:defRPr lang="ko-KR"/>
-            </a:defPPr>
-            <a:lvl1pPr marL="0" algn="l" defTabSz="914400" rtl="0" eaLnBrk="1" latinLnBrk="1" hangingPunct="1">
-              <a:defRPr sz="1800" kern="1200">
-                <a:solidFill>
-                  <a:schemeClr val="lt1"/>
-                </a:solidFill>
-                <a:latin typeface="+mn-lt"/>
-                <a:ea typeface="+mn-ea"/>
-                <a:cs typeface="+mn-cs"/>
-              </a:defRPr>
-            </a:lvl1pPr>
-            <a:lvl2pPr marL="457200" algn="l" defTabSz="914400" rtl="0" eaLnBrk="1" latinLnBrk="1" hangingPunct="1">
-              <a:defRPr sz="1800" kern="1200">
-                <a:solidFill>
-                  <a:schemeClr val="lt1"/>
-                </a:solidFill>
-                <a:latin typeface="+mn-lt"/>
-                <a:ea typeface="+mn-ea"/>
-                <a:cs typeface="+mn-cs"/>
-              </a:defRPr>
-            </a:lvl2pPr>
-            <a:lvl3pPr marL="914400" algn="l" defTabSz="914400" rtl="0" eaLnBrk="1" latinLnBrk="1" hangingPunct="1">
-              <a:defRPr sz="1800" kern="1200">
-                <a:solidFill>
-                  <a:schemeClr val="lt1"/>
-                </a:solidFill>
-                <a:latin typeface="+mn-lt"/>
-                <a:ea typeface="+mn-ea"/>
-                <a:cs typeface="+mn-cs"/>
-              </a:defRPr>
-            </a:lvl3pPr>
-            <a:lvl4pPr marL="1371600" algn="l" defTabSz="914400" rtl="0" eaLnBrk="1" latinLnBrk="1" hangingPunct="1">
-              <a:defRPr sz="1800" kern="1200">
-                <a:solidFill>
-                  <a:schemeClr val="lt1"/>
-                </a:solidFill>
-                <a:latin typeface="+mn-lt"/>
-                <a:ea typeface="+mn-ea"/>
-                <a:cs typeface="+mn-cs"/>
-              </a:defRPr>
-            </a:lvl4pPr>
-            <a:lvl5pPr marL="1828800" algn="l" defTabSz="914400" rtl="0" eaLnBrk="1" latinLnBrk="1" hangingPunct="1">
-              <a:defRPr sz="1800" kern="1200">
-                <a:solidFill>
-                  <a:schemeClr val="lt1"/>
-                </a:solidFill>
-                <a:latin typeface="+mn-lt"/>
-                <a:ea typeface="+mn-ea"/>
-                <a:cs typeface="+mn-cs"/>
-              </a:defRPr>
-            </a:lvl5pPr>
-            <a:lvl6pPr marL="2286000" algn="l" defTabSz="914400" rtl="0" eaLnBrk="1" latinLnBrk="1" hangingPunct="1">
-              <a:defRPr sz="1800" kern="1200">
-                <a:solidFill>
-                  <a:schemeClr val="lt1"/>
-                </a:solidFill>
-                <a:latin typeface="+mn-lt"/>
-                <a:ea typeface="+mn-ea"/>
-                <a:cs typeface="+mn-cs"/>
-              </a:defRPr>
-            </a:lvl6pPr>
-            <a:lvl7pPr marL="2743200" algn="l" defTabSz="914400" rtl="0" eaLnBrk="1" latinLnBrk="1" hangingPunct="1">
-              <a:defRPr sz="1800" kern="1200">
-                <a:solidFill>
-                  <a:schemeClr val="lt1"/>
-                </a:solidFill>
-                <a:latin typeface="+mn-lt"/>
-                <a:ea typeface="+mn-ea"/>
-                <a:cs typeface="+mn-cs"/>
-              </a:defRPr>
-            </a:lvl7pPr>
-            <a:lvl8pPr marL="3200400" algn="l" defTabSz="914400" rtl="0" eaLnBrk="1" latinLnBrk="1" hangingPunct="1">
-              <a:defRPr sz="1800" kern="1200">
-                <a:solidFill>
-                  <a:schemeClr val="lt1"/>
-                </a:solidFill>
-                <a:latin typeface="+mn-lt"/>
-                <a:ea typeface="+mn-ea"/>
-                <a:cs typeface="+mn-cs"/>
-              </a:defRPr>
-            </a:lvl8pPr>
-            <a:lvl9pPr marL="3657600" algn="l" defTabSz="914400" rtl="0" eaLnBrk="1" latinLnBrk="1" hangingPunct="1">
-              <a:defRPr sz="1800" kern="1200">
-                <a:solidFill>
-                  <a:schemeClr val="lt1"/>
-                </a:solidFill>
-                <a:latin typeface="+mn-lt"/>
-                <a:ea typeface="+mn-ea"/>
-                <a:cs typeface="+mn-cs"/>
-              </a:defRPr>
-            </a:lvl9pPr>
-          </a:lstStyle>
-          <a:p>
-            <a:pPr algn="ctr"/>
-            <a:endParaRPr lang="ko-KR" altLang="en-US" sz="1350" dirty="0"/>
-          </a:p>
-        </p:txBody>
-      </p:sp>
-      <p:sp>
-        <p:nvSpPr>
-          <p:cNvPr id="221" name="Oval 7">
-            <a:extLst>
-              <a:ext uri="{FF2B5EF4-FFF2-40B4-BE49-F238E27FC236}">
-                <a16:creationId xmlns:a16="http://schemas.microsoft.com/office/drawing/2014/main" id="{BDCAE6F6-7E60-4155-AC5C-2128BFC147FD}"/>
-              </a:ext>
-            </a:extLst>
-          </p:cNvPr>
-          <p:cNvSpPr/>
-          <p:nvPr/>
-        </p:nvSpPr>
-        <p:spPr>
-          <a:xfrm>
-            <a:off x="5478432" y="2036720"/>
-            <a:ext cx="347317" cy="347317"/>
-          </a:xfrm>
-          <a:custGeom>
-            <a:avLst/>
-            <a:gdLst/>
-            <a:ahLst/>
-            <a:cxnLst/>
-            <a:rect l="l" t="t" r="r" b="b"/>
-            <a:pathLst>
-              <a:path w="3240000" h="3240000">
-                <a:moveTo>
-                  <a:pt x="1415334" y="1947658"/>
-                </a:moveTo>
-                <a:lnTo>
-                  <a:pt x="838053" y="2871852"/>
-                </a:lnTo>
-                <a:cubicBezTo>
-                  <a:pt x="1312591" y="3168264"/>
-                  <a:pt x="1913932" y="3170879"/>
-                  <a:pt x="2391030" y="2878606"/>
-                </a:cubicBezTo>
-                <a:lnTo>
-                  <a:pt x="1821709" y="1949263"/>
-                </a:lnTo>
-                <a:cubicBezTo>
-                  <a:pt x="1763478" y="1986502"/>
-                  <a:pt x="1694174" y="2007350"/>
-                  <a:pt x="1620000" y="2007350"/>
-                </a:cubicBezTo>
-                <a:cubicBezTo>
-                  <a:pt x="1544621" y="2007350"/>
-                  <a:pt x="1474270" y="1985818"/>
-                  <a:pt x="1415334" y="1947658"/>
-                </a:cubicBezTo>
-                <a:close/>
-                <a:moveTo>
-                  <a:pt x="1620001" y="1350973"/>
-                </a:moveTo>
-                <a:cubicBezTo>
-                  <a:pt x="1471421" y="1350973"/>
-                  <a:pt x="1350973" y="1471421"/>
-                  <a:pt x="1350973" y="1620001"/>
-                </a:cubicBezTo>
-                <a:cubicBezTo>
-                  <a:pt x="1350973" y="1768581"/>
-                  <a:pt x="1471421" y="1889029"/>
-                  <a:pt x="1620001" y="1889029"/>
-                </a:cubicBezTo>
-                <a:cubicBezTo>
-                  <a:pt x="1768581" y="1889029"/>
-                  <a:pt x="1889029" y="1768581"/>
-                  <a:pt x="1889029" y="1620001"/>
-                </a:cubicBezTo>
-                <a:cubicBezTo>
-                  <a:pt x="1889029" y="1471421"/>
-                  <a:pt x="1768581" y="1350973"/>
-                  <a:pt x="1620001" y="1350973"/>
-                </a:cubicBezTo>
-                <a:close/>
-                <a:moveTo>
-                  <a:pt x="2324470" y="322965"/>
-                </a:moveTo>
-                <a:lnTo>
-                  <a:pt x="1804044" y="1281148"/>
-                </a:lnTo>
-                <a:cubicBezTo>
-                  <a:pt x="1925507" y="1345192"/>
-                  <a:pt x="2007350" y="1473038"/>
-                  <a:pt x="2007350" y="1620000"/>
-                </a:cubicBezTo>
-                <a:lnTo>
-                  <a:pt x="2005998" y="1633413"/>
-                </a:lnTo>
-                <a:lnTo>
-                  <a:pt x="3095109" y="1671260"/>
-                </a:lnTo>
-                <a:cubicBezTo>
-                  <a:pt x="3114541" y="1112092"/>
-                  <a:pt x="2816135" y="590008"/>
-                  <a:pt x="2324470" y="322965"/>
-                </a:cubicBezTo>
-                <a:close/>
-                <a:moveTo>
-                  <a:pt x="926838" y="316888"/>
-                </a:moveTo>
-                <a:cubicBezTo>
-                  <a:pt x="432869" y="579644"/>
-                  <a:pt x="129933" y="1099113"/>
-                  <a:pt x="144500" y="1658429"/>
-                </a:cubicBezTo>
-                <a:lnTo>
-                  <a:pt x="1233664" y="1630062"/>
-                </a:lnTo>
-                <a:cubicBezTo>
-                  <a:pt x="1232693" y="1626734"/>
-                  <a:pt x="1232650" y="1623372"/>
-                  <a:pt x="1232650" y="1620000"/>
-                </a:cubicBezTo>
-                <a:cubicBezTo>
-                  <a:pt x="1232650" y="1471836"/>
-                  <a:pt x="1315838" y="1343102"/>
-                  <a:pt x="1438904" y="1279548"/>
-                </a:cubicBezTo>
-                <a:close/>
-                <a:moveTo>
-                  <a:pt x="1620000" y="0"/>
-                </a:moveTo>
-                <a:cubicBezTo>
-                  <a:pt x="2514701" y="0"/>
-                  <a:pt x="3240000" y="725299"/>
-                  <a:pt x="3240000" y="1620000"/>
-                </a:cubicBezTo>
-                <a:cubicBezTo>
-                  <a:pt x="3240000" y="2514701"/>
-                  <a:pt x="2514701" y="3240000"/>
-                  <a:pt x="1620000" y="3240000"/>
-                </a:cubicBezTo>
-                <a:cubicBezTo>
-                  <a:pt x="725299" y="3240000"/>
-                  <a:pt x="0" y="2514701"/>
-                  <a:pt x="0" y="1620000"/>
-                </a:cubicBezTo>
-                <a:cubicBezTo>
-                  <a:pt x="0" y="725299"/>
-                  <a:pt x="725299" y="0"/>
-                  <a:pt x="1620000" y="0"/>
-                </a:cubicBezTo>
-                <a:close/>
-              </a:path>
-            </a:pathLst>
-          </a:custGeom>
-          <a:solidFill>
-            <a:schemeClr val="bg1"/>
-          </a:solidFill>
-          <a:ln>
-            <a:noFill/>
-          </a:ln>
-        </p:spPr>
-        <p:style>
-          <a:lnRef idx="2">
-            <a:schemeClr val="accent1">
-              <a:shade val="50000"/>
-            </a:schemeClr>
-          </a:lnRef>
-          <a:fillRef idx="1">
-            <a:schemeClr val="accent1"/>
-          </a:fillRef>
-          <a:effectRef idx="0">
-            <a:schemeClr val="accent1"/>
-          </a:effectRef>
-          <a:fontRef idx="minor">
-            <a:schemeClr val="lt1"/>
-          </a:fontRef>
-        </p:style>
-        <p:txBody>
-          <a:bodyPr rot="0" spcFirstLastPara="0" vert="horz" wrap="square" lIns="68580" tIns="34290" rIns="68580" bIns="34290" numCol="1" spcCol="0" rtlCol="0" fromWordArt="0" anchor="ctr" anchorCtr="0" forceAA="0" compatLnSpc="1">
-            <a:prstTxWarp prst="textNoShape">
-              <a:avLst/>
-            </a:prstTxWarp>
-            <a:noAutofit/>
-          </a:bodyPr>
-          <a:lstStyle>
-            <a:defPPr>
-              <a:defRPr lang="ko-KR"/>
-            </a:defPPr>
-            <a:lvl1pPr marL="0" algn="l" defTabSz="914400" rtl="0" eaLnBrk="1" latinLnBrk="1" hangingPunct="1">
-              <a:defRPr sz="1800" kern="1200">
-                <a:solidFill>
-                  <a:schemeClr val="lt1"/>
-                </a:solidFill>
-                <a:latin typeface="+mn-lt"/>
-                <a:ea typeface="+mn-ea"/>
-                <a:cs typeface="+mn-cs"/>
-              </a:defRPr>
-            </a:lvl1pPr>
-            <a:lvl2pPr marL="457200" algn="l" defTabSz="914400" rtl="0" eaLnBrk="1" latinLnBrk="1" hangingPunct="1">
-              <a:defRPr sz="1800" kern="1200">
-                <a:solidFill>
-                  <a:schemeClr val="lt1"/>
-                </a:solidFill>
-                <a:latin typeface="+mn-lt"/>
-                <a:ea typeface="+mn-ea"/>
-                <a:cs typeface="+mn-cs"/>
-              </a:defRPr>
-            </a:lvl2pPr>
-            <a:lvl3pPr marL="914400" algn="l" defTabSz="914400" rtl="0" eaLnBrk="1" latinLnBrk="1" hangingPunct="1">
-              <a:defRPr sz="1800" kern="1200">
-                <a:solidFill>
-                  <a:schemeClr val="lt1"/>
-                </a:solidFill>
-                <a:latin typeface="+mn-lt"/>
-                <a:ea typeface="+mn-ea"/>
-                <a:cs typeface="+mn-cs"/>
-              </a:defRPr>
-            </a:lvl3pPr>
-            <a:lvl4pPr marL="1371600" algn="l" defTabSz="914400" rtl="0" eaLnBrk="1" latinLnBrk="1" hangingPunct="1">
-              <a:defRPr sz="1800" kern="1200">
-                <a:solidFill>
-                  <a:schemeClr val="lt1"/>
-                </a:solidFill>
-                <a:latin typeface="+mn-lt"/>
-                <a:ea typeface="+mn-ea"/>
-                <a:cs typeface="+mn-cs"/>
-              </a:defRPr>
-            </a:lvl4pPr>
-            <a:lvl5pPr marL="1828800" algn="l" defTabSz="914400" rtl="0" eaLnBrk="1" latinLnBrk="1" hangingPunct="1">
-              <a:defRPr sz="1800" kern="1200">
-                <a:solidFill>
-                  <a:schemeClr val="lt1"/>
-                </a:solidFill>
-                <a:latin typeface="+mn-lt"/>
-                <a:ea typeface="+mn-ea"/>
-                <a:cs typeface="+mn-cs"/>
-              </a:defRPr>
-            </a:lvl5pPr>
-            <a:lvl6pPr marL="2286000" algn="l" defTabSz="914400" rtl="0" eaLnBrk="1" latinLnBrk="1" hangingPunct="1">
-              <a:defRPr sz="1800" kern="1200">
-                <a:solidFill>
-                  <a:schemeClr val="lt1"/>
-                </a:solidFill>
-                <a:latin typeface="+mn-lt"/>
-                <a:ea typeface="+mn-ea"/>
-                <a:cs typeface="+mn-cs"/>
-              </a:defRPr>
-            </a:lvl6pPr>
-            <a:lvl7pPr marL="2743200" algn="l" defTabSz="914400" rtl="0" eaLnBrk="1" latinLnBrk="1" hangingPunct="1">
-              <a:defRPr sz="1800" kern="1200">
-                <a:solidFill>
-                  <a:schemeClr val="lt1"/>
-                </a:solidFill>
-                <a:latin typeface="+mn-lt"/>
-                <a:ea typeface="+mn-ea"/>
-                <a:cs typeface="+mn-cs"/>
-              </a:defRPr>
-            </a:lvl7pPr>
-            <a:lvl8pPr marL="3200400" algn="l" defTabSz="914400" rtl="0" eaLnBrk="1" latinLnBrk="1" hangingPunct="1">
-              <a:defRPr sz="1800" kern="1200">
-                <a:solidFill>
-                  <a:schemeClr val="lt1"/>
-                </a:solidFill>
-                <a:latin typeface="+mn-lt"/>
-                <a:ea typeface="+mn-ea"/>
-                <a:cs typeface="+mn-cs"/>
-              </a:defRPr>
-            </a:lvl8pPr>
-            <a:lvl9pPr marL="3657600" algn="l" defTabSz="914400" rtl="0" eaLnBrk="1" latinLnBrk="1" hangingPunct="1">
-              <a:defRPr sz="1800" kern="1200">
-                <a:solidFill>
-                  <a:schemeClr val="lt1"/>
-                </a:solidFill>
-                <a:latin typeface="+mn-lt"/>
-                <a:ea typeface="+mn-ea"/>
-                <a:cs typeface="+mn-cs"/>
-              </a:defRPr>
-            </a:lvl9pPr>
-          </a:lstStyle>
-          <a:p>
-            <a:pPr algn="ctr"/>
-            <a:endParaRPr lang="ko-KR" altLang="en-US" sz="1350" dirty="0"/>
-          </a:p>
-        </p:txBody>
-      </p:sp>
-      <p:sp>
-        <p:nvSpPr>
-          <p:cNvPr id="222" name="Rectangle 16">
-            <a:extLst>
-              <a:ext uri="{FF2B5EF4-FFF2-40B4-BE49-F238E27FC236}">
-                <a16:creationId xmlns:a16="http://schemas.microsoft.com/office/drawing/2014/main" id="{943F7954-B658-4738-B190-0BC20CCC5EB3}"/>
-              </a:ext>
-            </a:extLst>
-          </p:cNvPr>
-          <p:cNvSpPr/>
-          <p:nvPr/>
-        </p:nvSpPr>
-        <p:spPr>
-          <a:xfrm>
-            <a:off x="1190538" y="2085873"/>
-            <a:ext cx="378889" cy="249011"/>
-          </a:xfrm>
-          <a:custGeom>
-            <a:avLst/>
-            <a:gdLst/>
-            <a:ahLst/>
-            <a:cxnLst/>
-            <a:rect l="l" t="t" r="r" b="b"/>
-            <a:pathLst>
-              <a:path w="3240006" h="2129375">
-                <a:moveTo>
-                  <a:pt x="1916836" y="454558"/>
-                </a:moveTo>
-                <a:cubicBezTo>
-                  <a:pt x="2018418" y="454558"/>
-                  <a:pt x="2100766" y="536906"/>
-                  <a:pt x="2100766" y="638488"/>
-                </a:cubicBezTo>
-                <a:cubicBezTo>
-                  <a:pt x="2100766" y="740070"/>
-                  <a:pt x="2018418" y="822418"/>
-                  <a:pt x="1916836" y="822418"/>
-                </a:cubicBezTo>
-                <a:cubicBezTo>
-                  <a:pt x="1815254" y="822418"/>
-                  <a:pt x="1732906" y="740070"/>
-                  <a:pt x="1732906" y="638488"/>
-                </a:cubicBezTo>
-                <a:cubicBezTo>
-                  <a:pt x="1732906" y="536906"/>
-                  <a:pt x="1815254" y="454558"/>
-                  <a:pt x="1916836" y="454558"/>
-                </a:cubicBezTo>
-                <a:close/>
-                <a:moveTo>
-                  <a:pt x="1197545" y="272737"/>
-                </a:moveTo>
-                <a:lnTo>
-                  <a:pt x="1861974" y="1458536"/>
-                </a:lnTo>
-                <a:lnTo>
-                  <a:pt x="2263096" y="848801"/>
-                </a:lnTo>
-                <a:lnTo>
-                  <a:pt x="2919562" y="1846679"/>
-                </a:lnTo>
-                <a:lnTo>
-                  <a:pt x="2079459" y="1846679"/>
-                </a:lnTo>
-                <a:lnTo>
-                  <a:pt x="1606629" y="1846679"/>
-                </a:lnTo>
-                <a:lnTo>
-                  <a:pt x="315630" y="1846679"/>
-                </a:lnTo>
-                <a:close/>
-                <a:moveTo>
-                  <a:pt x="180003" y="164687"/>
-                </a:moveTo>
-                <a:lnTo>
-                  <a:pt x="180003" y="1964687"/>
-                </a:lnTo>
-                <a:lnTo>
-                  <a:pt x="3060003" y="1964687"/>
-                </a:lnTo>
-                <a:lnTo>
-                  <a:pt x="3060003" y="164687"/>
-                </a:lnTo>
-                <a:close/>
-                <a:moveTo>
-                  <a:pt x="0" y="0"/>
-                </a:moveTo>
-                <a:lnTo>
-                  <a:pt x="3240006" y="0"/>
-                </a:lnTo>
-                <a:lnTo>
-                  <a:pt x="3240006" y="2129375"/>
-                </a:lnTo>
-                <a:lnTo>
-                  <a:pt x="0" y="2129375"/>
-                </a:lnTo>
-                <a:close/>
-              </a:path>
-            </a:pathLst>
-          </a:custGeom>
-          <a:solidFill>
-            <a:schemeClr val="bg1"/>
-          </a:solidFill>
-          <a:ln>
-            <a:noFill/>
-          </a:ln>
-        </p:spPr>
-        <p:style>
-          <a:lnRef idx="2">
-            <a:schemeClr val="accent1">
-              <a:shade val="50000"/>
-            </a:schemeClr>
-          </a:lnRef>
-          <a:fillRef idx="1">
-            <a:schemeClr val="accent1"/>
-          </a:fillRef>
-          <a:effectRef idx="0">
-            <a:schemeClr val="accent1"/>
-          </a:effectRef>
-          <a:fontRef idx="minor">
-            <a:schemeClr val="lt1"/>
-          </a:fontRef>
-        </p:style>
-        <p:txBody>
-          <a:bodyPr rot="0" spcFirstLastPara="0" vert="horz" wrap="square" lIns="68580" tIns="34290" rIns="68580" bIns="34290" numCol="1" spcCol="0" rtlCol="0" fromWordArt="0" anchor="ctr" anchorCtr="0" forceAA="0" compatLnSpc="1">
-            <a:prstTxWarp prst="textNoShape">
-              <a:avLst/>
-            </a:prstTxWarp>
-            <a:noAutofit/>
-          </a:bodyPr>
-          <a:lstStyle>
-            <a:defPPr>
-              <a:defRPr lang="ko-KR"/>
-            </a:defPPr>
-            <a:lvl1pPr marL="0" algn="l" defTabSz="914400" rtl="0" eaLnBrk="1" latinLnBrk="1" hangingPunct="1">
-              <a:defRPr sz="1800" kern="1200">
-                <a:solidFill>
-                  <a:schemeClr val="lt1"/>
-                </a:solidFill>
-                <a:latin typeface="+mn-lt"/>
-                <a:ea typeface="+mn-ea"/>
-                <a:cs typeface="+mn-cs"/>
-              </a:defRPr>
-            </a:lvl1pPr>
-            <a:lvl2pPr marL="457200" algn="l" defTabSz="914400" rtl="0" eaLnBrk="1" latinLnBrk="1" hangingPunct="1">
-              <a:defRPr sz="1800" kern="1200">
-                <a:solidFill>
-                  <a:schemeClr val="lt1"/>
-                </a:solidFill>
-                <a:latin typeface="+mn-lt"/>
-                <a:ea typeface="+mn-ea"/>
-                <a:cs typeface="+mn-cs"/>
-              </a:defRPr>
-            </a:lvl2pPr>
-            <a:lvl3pPr marL="914400" algn="l" defTabSz="914400" rtl="0" eaLnBrk="1" latinLnBrk="1" hangingPunct="1">
-              <a:defRPr sz="1800" kern="1200">
-                <a:solidFill>
-                  <a:schemeClr val="lt1"/>
-                </a:solidFill>
-                <a:latin typeface="+mn-lt"/>
-                <a:ea typeface="+mn-ea"/>
-                <a:cs typeface="+mn-cs"/>
-              </a:defRPr>
-            </a:lvl3pPr>
-            <a:lvl4pPr marL="1371600" algn="l" defTabSz="914400" rtl="0" eaLnBrk="1" latinLnBrk="1" hangingPunct="1">
-              <a:defRPr sz="1800" kern="1200">
-                <a:solidFill>
-                  <a:schemeClr val="lt1"/>
-                </a:solidFill>
-                <a:latin typeface="+mn-lt"/>
-                <a:ea typeface="+mn-ea"/>
-                <a:cs typeface="+mn-cs"/>
-              </a:defRPr>
-            </a:lvl4pPr>
-            <a:lvl5pPr marL="1828800" algn="l" defTabSz="914400" rtl="0" eaLnBrk="1" latinLnBrk="1" hangingPunct="1">
-              <a:defRPr sz="1800" kern="1200">
-                <a:solidFill>
-                  <a:schemeClr val="lt1"/>
-                </a:solidFill>
-                <a:latin typeface="+mn-lt"/>
-                <a:ea typeface="+mn-ea"/>
-                <a:cs typeface="+mn-cs"/>
-              </a:defRPr>
-            </a:lvl5pPr>
-            <a:lvl6pPr marL="2286000" algn="l" defTabSz="914400" rtl="0" eaLnBrk="1" latinLnBrk="1" hangingPunct="1">
-              <a:defRPr sz="1800" kern="1200">
-                <a:solidFill>
-                  <a:schemeClr val="lt1"/>
-                </a:solidFill>
-                <a:latin typeface="+mn-lt"/>
-                <a:ea typeface="+mn-ea"/>
-                <a:cs typeface="+mn-cs"/>
-              </a:defRPr>
-            </a:lvl6pPr>
-            <a:lvl7pPr marL="2743200" algn="l" defTabSz="914400" rtl="0" eaLnBrk="1" latinLnBrk="1" hangingPunct="1">
-              <a:defRPr sz="1800" kern="1200">
-                <a:solidFill>
-                  <a:schemeClr val="lt1"/>
-                </a:solidFill>
-                <a:latin typeface="+mn-lt"/>
-                <a:ea typeface="+mn-ea"/>
-                <a:cs typeface="+mn-cs"/>
-              </a:defRPr>
-            </a:lvl7pPr>
-            <a:lvl8pPr marL="3200400" algn="l" defTabSz="914400" rtl="0" eaLnBrk="1" latinLnBrk="1" hangingPunct="1">
-              <a:defRPr sz="1800" kern="1200">
-                <a:solidFill>
-                  <a:schemeClr val="lt1"/>
-                </a:solidFill>
-                <a:latin typeface="+mn-lt"/>
-                <a:ea typeface="+mn-ea"/>
-                <a:cs typeface="+mn-cs"/>
-              </a:defRPr>
-            </a:lvl8pPr>
-            <a:lvl9pPr marL="3657600" algn="l" defTabSz="914400" rtl="0" eaLnBrk="1" latinLnBrk="1" hangingPunct="1">
-              <a:defRPr sz="1800" kern="1200">
-                <a:solidFill>
-                  <a:schemeClr val="lt1"/>
-                </a:solidFill>
-                <a:latin typeface="+mn-lt"/>
-                <a:ea typeface="+mn-ea"/>
-                <a:cs typeface="+mn-cs"/>
-              </a:defRPr>
-            </a:lvl9pPr>
-          </a:lstStyle>
-          <a:p>
-            <a:pPr algn="ctr"/>
-            <a:endParaRPr lang="ko-KR" altLang="en-US" sz="1350" dirty="0"/>
-          </a:p>
-        </p:txBody>
-      </p:sp>
-      <p:sp>
-        <p:nvSpPr>
-          <p:cNvPr id="223" name="Donut 24">
-            <a:extLst>
-              <a:ext uri="{FF2B5EF4-FFF2-40B4-BE49-F238E27FC236}">
-                <a16:creationId xmlns:a16="http://schemas.microsoft.com/office/drawing/2014/main" id="{2C172970-6DCB-4FC6-A386-E4CED487C98F}"/>
-              </a:ext>
-            </a:extLst>
-          </p:cNvPr>
-          <p:cNvSpPr/>
-          <p:nvPr/>
-        </p:nvSpPr>
-        <p:spPr>
-          <a:xfrm>
-            <a:off x="7588999" y="1994161"/>
-            <a:ext cx="379946" cy="383039"/>
-          </a:xfrm>
-          <a:custGeom>
-            <a:avLst/>
-            <a:gdLst/>
-            <a:ahLst/>
-            <a:cxnLst/>
-            <a:rect l="l" t="t" r="r" b="b"/>
-            <a:pathLst>
-              <a:path w="3208412" h="3234532">
-                <a:moveTo>
-                  <a:pt x="1561445" y="1065858"/>
-                </a:moveTo>
-                <a:cubicBezTo>
-                  <a:pt x="1654998" y="1065858"/>
-                  <a:pt x="1743610" y="1087015"/>
-                  <a:pt x="1821879" y="1126644"/>
-                </a:cubicBezTo>
-                <a:lnTo>
-                  <a:pt x="1611352" y="1337172"/>
-                </a:lnTo>
-                <a:cubicBezTo>
-                  <a:pt x="1595200" y="1333388"/>
-                  <a:pt x="1578468" y="1332141"/>
-                  <a:pt x="1561445" y="1332141"/>
-                </a:cubicBezTo>
-                <a:cubicBezTo>
-                  <a:pt x="1373145" y="1332141"/>
-                  <a:pt x="1220499" y="1484787"/>
-                  <a:pt x="1220499" y="1673087"/>
-                </a:cubicBezTo>
-                <a:cubicBezTo>
-                  <a:pt x="1220499" y="1861387"/>
-                  <a:pt x="1373145" y="2014033"/>
-                  <a:pt x="1561445" y="2014033"/>
-                </a:cubicBezTo>
-                <a:cubicBezTo>
-                  <a:pt x="1749745" y="2014033"/>
-                  <a:pt x="1902391" y="1861387"/>
-                  <a:pt x="1902391" y="1673087"/>
-                </a:cubicBezTo>
-                <a:cubicBezTo>
-                  <a:pt x="1902391" y="1643675"/>
-                  <a:pt x="1898667" y="1615133"/>
-                  <a:pt x="1890450" y="1588219"/>
-                </a:cubicBezTo>
-                <a:lnTo>
-                  <a:pt x="2093156" y="1385512"/>
-                </a:lnTo>
-                <a:cubicBezTo>
-                  <a:pt x="2142229" y="1470075"/>
-                  <a:pt x="2168674" y="1568493"/>
-                  <a:pt x="2168674" y="1673087"/>
-                </a:cubicBezTo>
-                <a:cubicBezTo>
-                  <a:pt x="2168674" y="2008450"/>
-                  <a:pt x="1896808" y="2280316"/>
-                  <a:pt x="1561445" y="2280316"/>
-                </a:cubicBezTo>
-                <a:cubicBezTo>
-                  <a:pt x="1226082" y="2280316"/>
-                  <a:pt x="954217" y="2008450"/>
-                  <a:pt x="954217" y="1673087"/>
-                </a:cubicBezTo>
-                <a:cubicBezTo>
-                  <a:pt x="954217" y="1337724"/>
-                  <a:pt x="1226082" y="1065858"/>
-                  <a:pt x="1561445" y="1065858"/>
-                </a:cubicBezTo>
-                <a:close/>
-                <a:moveTo>
-                  <a:pt x="1561445" y="580076"/>
-                </a:moveTo>
-                <a:cubicBezTo>
-                  <a:pt x="1790175" y="580076"/>
-                  <a:pt x="2002494" y="650333"/>
-                  <a:pt x="2177834" y="770690"/>
-                </a:cubicBezTo>
-                <a:lnTo>
-                  <a:pt x="1968030" y="980494"/>
-                </a:lnTo>
-                <a:cubicBezTo>
-                  <a:pt x="1849962" y="907198"/>
-                  <a:pt x="1710422" y="866794"/>
-                  <a:pt x="1561445" y="866794"/>
-                </a:cubicBezTo>
-                <a:cubicBezTo>
-                  <a:pt x="1116142" y="866794"/>
-                  <a:pt x="755153" y="1227784"/>
-                  <a:pt x="755153" y="1673087"/>
-                </a:cubicBezTo>
-                <a:cubicBezTo>
-                  <a:pt x="755153" y="2118390"/>
-                  <a:pt x="1116142" y="2479380"/>
-                  <a:pt x="1561445" y="2479380"/>
-                </a:cubicBezTo>
-                <a:cubicBezTo>
-                  <a:pt x="2006748" y="2479380"/>
-                  <a:pt x="2367738" y="2118390"/>
-                  <a:pt x="2367738" y="1673087"/>
-                </a:cubicBezTo>
-                <a:cubicBezTo>
-                  <a:pt x="2367738" y="1513043"/>
-                  <a:pt x="2321108" y="1363890"/>
-                  <a:pt x="2239307" y="1239362"/>
-                </a:cubicBezTo>
-                <a:lnTo>
-                  <a:pt x="2445928" y="1032741"/>
-                </a:lnTo>
-                <a:cubicBezTo>
-                  <a:pt x="2577451" y="1212149"/>
-                  <a:pt x="2654457" y="1433625"/>
-                  <a:pt x="2654457" y="1673087"/>
-                </a:cubicBezTo>
-                <a:cubicBezTo>
-                  <a:pt x="2654457" y="2276741"/>
-                  <a:pt x="2165099" y="2766099"/>
-                  <a:pt x="1561445" y="2766099"/>
-                </a:cubicBezTo>
-                <a:cubicBezTo>
-                  <a:pt x="957792" y="2766099"/>
-                  <a:pt x="468434" y="2276741"/>
-                  <a:pt x="468434" y="1673087"/>
-                </a:cubicBezTo>
-                <a:cubicBezTo>
-                  <a:pt x="468434" y="1069433"/>
-                  <a:pt x="957792" y="580076"/>
-                  <a:pt x="1561445" y="580076"/>
-                </a:cubicBezTo>
-                <a:close/>
-                <a:moveTo>
-                  <a:pt x="1561445" y="111642"/>
-                </a:moveTo>
-                <a:cubicBezTo>
-                  <a:pt x="1890473" y="111642"/>
-                  <a:pt x="2195731" y="213411"/>
-                  <a:pt x="2447076" y="387744"/>
-                </a:cubicBezTo>
-                <a:lnTo>
-                  <a:pt x="2453780" y="494744"/>
-                </a:lnTo>
-                <a:lnTo>
-                  <a:pt x="2309436" y="639088"/>
-                </a:lnTo>
-                <a:cubicBezTo>
-                  <a:pt x="2099826" y="485554"/>
-                  <a:pt x="1841132" y="395669"/>
-                  <a:pt x="1561445" y="395669"/>
-                </a:cubicBezTo>
-                <a:cubicBezTo>
-                  <a:pt x="855947" y="395669"/>
-                  <a:pt x="284027" y="967589"/>
-                  <a:pt x="284027" y="1673087"/>
-                </a:cubicBezTo>
-                <a:cubicBezTo>
-                  <a:pt x="284027" y="2378585"/>
-                  <a:pt x="855947" y="2950505"/>
-                  <a:pt x="1561445" y="2950505"/>
-                </a:cubicBezTo>
-                <a:cubicBezTo>
-                  <a:pt x="2266943" y="2950505"/>
-                  <a:pt x="2838863" y="2378585"/>
-                  <a:pt x="2838863" y="1673087"/>
-                </a:cubicBezTo>
-                <a:cubicBezTo>
-                  <a:pt x="2838863" y="1382650"/>
-                  <a:pt x="2741936" y="1114852"/>
-                  <a:pt x="2577529" y="901139"/>
-                </a:cubicBezTo>
-                <a:lnTo>
-                  <a:pt x="2706681" y="771988"/>
-                </a:lnTo>
-                <a:lnTo>
-                  <a:pt x="2841540" y="780437"/>
-                </a:lnTo>
-                <a:cubicBezTo>
-                  <a:pt x="3019168" y="1032973"/>
-                  <a:pt x="3122890" y="1340917"/>
-                  <a:pt x="3122890" y="1673087"/>
-                </a:cubicBezTo>
-                <a:cubicBezTo>
-                  <a:pt x="3122890" y="2535449"/>
-                  <a:pt x="2423807" y="3234532"/>
-                  <a:pt x="1561445" y="3234532"/>
-                </a:cubicBezTo>
-                <a:cubicBezTo>
-                  <a:pt x="699083" y="3234532"/>
-                  <a:pt x="0" y="2535449"/>
-                  <a:pt x="0" y="1673087"/>
-                </a:cubicBezTo>
-                <a:cubicBezTo>
-                  <a:pt x="0" y="810725"/>
-                  <a:pt x="699083" y="111642"/>
-                  <a:pt x="1561445" y="111642"/>
-                </a:cubicBezTo>
-                <a:close/>
-                <a:moveTo>
-                  <a:pt x="2909110" y="0"/>
-                </a:moveTo>
-                <a:lnTo>
-                  <a:pt x="2926757" y="281655"/>
-                </a:lnTo>
-                <a:lnTo>
-                  <a:pt x="3208412" y="299301"/>
-                </a:lnTo>
-                <a:lnTo>
-                  <a:pt x="2863230" y="644483"/>
-                </a:lnTo>
-                <a:lnTo>
-                  <a:pt x="2685547" y="633351"/>
-                </a:lnTo>
-                <a:lnTo>
-                  <a:pt x="1718098" y="1600799"/>
-                </a:lnTo>
-                <a:cubicBezTo>
-                  <a:pt x="1729236" y="1622491"/>
-                  <a:pt x="1734939" y="1647123"/>
-                  <a:pt x="1734939" y="1673087"/>
-                </a:cubicBezTo>
-                <a:cubicBezTo>
-                  <a:pt x="1734939" y="1768905"/>
-                  <a:pt x="1657263" y="1846581"/>
-                  <a:pt x="1561445" y="1846581"/>
-                </a:cubicBezTo>
-                <a:cubicBezTo>
-                  <a:pt x="1465627" y="1846581"/>
-                  <a:pt x="1387951" y="1768905"/>
-                  <a:pt x="1387951" y="1673087"/>
-                </a:cubicBezTo>
-                <a:cubicBezTo>
-                  <a:pt x="1387951" y="1577269"/>
-                  <a:pt x="1465627" y="1499593"/>
-                  <a:pt x="1561445" y="1499593"/>
-                </a:cubicBezTo>
-                <a:lnTo>
-                  <a:pt x="1591006" y="1505561"/>
-                </a:lnTo>
-                <a:lnTo>
-                  <a:pt x="2574981" y="521587"/>
-                </a:lnTo>
-                <a:lnTo>
-                  <a:pt x="2563928" y="345182"/>
-                </a:lnTo>
-                <a:close/>
-              </a:path>
-            </a:pathLst>
-          </a:custGeom>
-          <a:solidFill>
-            <a:schemeClr val="bg1"/>
-          </a:solidFill>
-          <a:ln>
-            <a:noFill/>
-          </a:ln>
-        </p:spPr>
-        <p:style>
-          <a:lnRef idx="2">
-            <a:schemeClr val="accent1">
-              <a:shade val="50000"/>
-            </a:schemeClr>
-          </a:lnRef>
-          <a:fillRef idx="1">
-            <a:schemeClr val="accent1"/>
-          </a:fillRef>
-          <a:effectRef idx="0">
-            <a:schemeClr val="accent1"/>
-          </a:effectRef>
-          <a:fontRef idx="minor">
-            <a:schemeClr val="lt1"/>
-          </a:fontRef>
-        </p:style>
-        <p:txBody>
-          <a:bodyPr rtlCol="0" anchor="ctr"/>
-          <a:lstStyle>
-            <a:defPPr>
-              <a:defRPr lang="ko-KR"/>
-            </a:defPPr>
-            <a:lvl1pPr marL="0" algn="l" defTabSz="914400" rtl="0" eaLnBrk="1" latinLnBrk="1" hangingPunct="1">
-              <a:defRPr sz="1800" kern="1200">
-                <a:solidFill>
-                  <a:schemeClr val="lt1"/>
-                </a:solidFill>
-                <a:latin typeface="+mn-lt"/>
-                <a:ea typeface="+mn-ea"/>
-                <a:cs typeface="+mn-cs"/>
-              </a:defRPr>
-            </a:lvl1pPr>
-            <a:lvl2pPr marL="457200" algn="l" defTabSz="914400" rtl="0" eaLnBrk="1" latinLnBrk="1" hangingPunct="1">
-              <a:defRPr sz="1800" kern="1200">
-                <a:solidFill>
-                  <a:schemeClr val="lt1"/>
-                </a:solidFill>
-                <a:latin typeface="+mn-lt"/>
-                <a:ea typeface="+mn-ea"/>
-                <a:cs typeface="+mn-cs"/>
-              </a:defRPr>
-            </a:lvl2pPr>
-            <a:lvl3pPr marL="914400" algn="l" defTabSz="914400" rtl="0" eaLnBrk="1" latinLnBrk="1" hangingPunct="1">
-              <a:defRPr sz="1800" kern="1200">
-                <a:solidFill>
-                  <a:schemeClr val="lt1"/>
-                </a:solidFill>
-                <a:latin typeface="+mn-lt"/>
-                <a:ea typeface="+mn-ea"/>
-                <a:cs typeface="+mn-cs"/>
-              </a:defRPr>
-            </a:lvl3pPr>
-            <a:lvl4pPr marL="1371600" algn="l" defTabSz="914400" rtl="0" eaLnBrk="1" latinLnBrk="1" hangingPunct="1">
-              <a:defRPr sz="1800" kern="1200">
-                <a:solidFill>
-                  <a:schemeClr val="lt1"/>
-                </a:solidFill>
-                <a:latin typeface="+mn-lt"/>
-                <a:ea typeface="+mn-ea"/>
-                <a:cs typeface="+mn-cs"/>
-              </a:defRPr>
-            </a:lvl4pPr>
-            <a:lvl5pPr marL="1828800" algn="l" defTabSz="914400" rtl="0" eaLnBrk="1" latinLnBrk="1" hangingPunct="1">
-              <a:defRPr sz="1800" kern="1200">
-                <a:solidFill>
-                  <a:schemeClr val="lt1"/>
-                </a:solidFill>
-                <a:latin typeface="+mn-lt"/>
-                <a:ea typeface="+mn-ea"/>
-                <a:cs typeface="+mn-cs"/>
-              </a:defRPr>
-            </a:lvl5pPr>
-            <a:lvl6pPr marL="2286000" algn="l" defTabSz="914400" rtl="0" eaLnBrk="1" latinLnBrk="1" hangingPunct="1">
-              <a:defRPr sz="1800" kern="1200">
-                <a:solidFill>
-                  <a:schemeClr val="lt1"/>
-                </a:solidFill>
-                <a:latin typeface="+mn-lt"/>
-                <a:ea typeface="+mn-ea"/>
-                <a:cs typeface="+mn-cs"/>
-              </a:defRPr>
-            </a:lvl6pPr>
-            <a:lvl7pPr marL="2743200" algn="l" defTabSz="914400" rtl="0" eaLnBrk="1" latinLnBrk="1" hangingPunct="1">
-              <a:defRPr sz="1800" kern="1200">
-                <a:solidFill>
-                  <a:schemeClr val="lt1"/>
-                </a:solidFill>
-                <a:latin typeface="+mn-lt"/>
-                <a:ea typeface="+mn-ea"/>
-                <a:cs typeface="+mn-cs"/>
-              </a:defRPr>
-            </a:lvl7pPr>
-            <a:lvl8pPr marL="3200400" algn="l" defTabSz="914400" rtl="0" eaLnBrk="1" latinLnBrk="1" hangingPunct="1">
-              <a:defRPr sz="1800" kern="1200">
-                <a:solidFill>
-                  <a:schemeClr val="lt1"/>
-                </a:solidFill>
-                <a:latin typeface="+mn-lt"/>
-                <a:ea typeface="+mn-ea"/>
-                <a:cs typeface="+mn-cs"/>
-              </a:defRPr>
-            </a:lvl8pPr>
-            <a:lvl9pPr marL="3657600" algn="l" defTabSz="914400" rtl="0" eaLnBrk="1" latinLnBrk="1" hangingPunct="1">
-              <a:defRPr sz="1800" kern="1200">
-                <a:solidFill>
-                  <a:schemeClr val="lt1"/>
-                </a:solidFill>
-                <a:latin typeface="+mn-lt"/>
-                <a:ea typeface="+mn-ea"/>
-                <a:cs typeface="+mn-cs"/>
-              </a:defRPr>
-            </a:lvl9pPr>
-          </a:lstStyle>
-          <a:p>
-            <a:pPr algn="ctr"/>
-            <a:endParaRPr lang="ko-KR" altLang="en-US" sz="1350" dirty="0">
-              <a:solidFill>
-                <a:schemeClr val="tx1"/>
-              </a:solidFill>
-            </a:endParaRPr>
+              </a:rPr>
+              <a:t>Conversation</a:t>
+            </a:r>
           </a:p>
         </p:txBody>
       </p:sp>
@@ -6682,6 +5233,1169 @@
     <p:extLst>
       <p:ext uri="{BB962C8B-B14F-4D97-AF65-F5344CB8AC3E}">
         <p14:creationId xmlns:p14="http://schemas.microsoft.com/office/powerpoint/2010/main" val="1441458281"/>
+      </p:ext>
+    </p:extLst>
+  </p:cSld>
+  <p:clrMapOvr>
+    <a:masterClrMapping/>
+  </p:clrMapOvr>
+</p:sld>
+</file>
+
+<file path=ppt/slides/slide11.xml><?xml version="1.0" encoding="utf-8"?>
+<p:sld xmlns:a="http://schemas.openxmlformats.org/drawingml/2006/main" xmlns:r="http://schemas.openxmlformats.org/officeDocument/2006/relationships" xmlns:p="http://schemas.openxmlformats.org/presentationml/2006/main">
+  <p:cSld>
+    <p:spTree>
+      <p:nvGrpSpPr>
+        <p:cNvPr id="1" name=""/>
+        <p:cNvGrpSpPr/>
+        <p:nvPr/>
+      </p:nvGrpSpPr>
+      <p:grpSpPr>
+        <a:xfrm>
+          <a:off x="0" y="0"/>
+          <a:ext cx="0" cy="0"/>
+          <a:chOff x="0" y="0"/>
+          <a:chExt cx="0" cy="0"/>
+        </a:xfrm>
+      </p:grpSpPr>
+      <p:sp>
+        <p:nvSpPr>
+          <p:cNvPr id="2" name="Title 1">
+            <a:extLst>
+              <a:ext uri="{FF2B5EF4-FFF2-40B4-BE49-F238E27FC236}">
+                <a16:creationId xmlns:a16="http://schemas.microsoft.com/office/drawing/2014/main" id="{6761056F-962C-49D7-B0A0-644447259752}"/>
+              </a:ext>
+            </a:extLst>
+          </p:cNvPr>
+          <p:cNvSpPr>
+            <a:spLocks noGrp="1"/>
+          </p:cNvSpPr>
+          <p:nvPr>
+            <p:ph type="title"/>
+          </p:nvPr>
+        </p:nvSpPr>
+        <p:spPr/>
+        <p:txBody>
+          <a:bodyPr/>
+          <a:lstStyle/>
+          <a:p>
+            <a:endParaRPr lang="en-US"/>
+          </a:p>
+        </p:txBody>
+      </p:sp>
+      <p:sp>
+        <p:nvSpPr>
+          <p:cNvPr id="3" name="Content Placeholder 2">
+            <a:extLst>
+              <a:ext uri="{FF2B5EF4-FFF2-40B4-BE49-F238E27FC236}">
+                <a16:creationId xmlns:a16="http://schemas.microsoft.com/office/drawing/2014/main" id="{E8C9474E-2D66-4BDA-882D-BC1D6085BBE2}"/>
+              </a:ext>
+            </a:extLst>
+          </p:cNvPr>
+          <p:cNvSpPr>
+            <a:spLocks noGrp="1"/>
+          </p:cNvSpPr>
+          <p:nvPr>
+            <p:ph idx="1"/>
+          </p:nvPr>
+        </p:nvSpPr>
+        <p:spPr/>
+        <p:txBody>
+          <a:bodyPr/>
+          <a:lstStyle/>
+          <a:p>
+            <a:endParaRPr lang="en-US"/>
+          </a:p>
+        </p:txBody>
+      </p:sp>
+      <p:pic>
+        <p:nvPicPr>
+          <p:cNvPr id="1026" name="Picture 2" descr="https://scontent.fsgn2-4.fna.fbcdn.net/v/t1.15752-9/42510346_1162462100583818_2820838188191318016_n.png?_nc_cat=109&amp;oh=936af1fa2539b719ca2cb655520b2c22&amp;oe=5C177F92">
+            <a:extLst>
+              <a:ext uri="{FF2B5EF4-FFF2-40B4-BE49-F238E27FC236}">
+                <a16:creationId xmlns:a16="http://schemas.microsoft.com/office/drawing/2014/main" id="{72E0E631-CE6B-4A4B-BE72-17F3ABF6943B}"/>
+              </a:ext>
+            </a:extLst>
+          </p:cNvPr>
+          <p:cNvPicPr>
+            <a:picLocks noChangeAspect="1" noChangeArrowheads="1"/>
+          </p:cNvPicPr>
+          <p:nvPr/>
+        </p:nvPicPr>
+        <p:blipFill>
+          <a:blip r:embed="rId2">
+            <a:extLst>
+              <a:ext uri="{28A0092B-C50C-407E-A947-70E740481C1C}">
+                <a14:useLocalDpi xmlns:a14="http://schemas.microsoft.com/office/drawing/2010/main" val="0"/>
+              </a:ext>
+            </a:extLst>
+          </a:blip>
+          <a:srcRect/>
+          <a:stretch>
+            <a:fillRect/>
+          </a:stretch>
+        </p:blipFill>
+        <p:spPr bwMode="auto">
+          <a:xfrm>
+            <a:off x="1677987" y="10332"/>
+            <a:ext cx="2894013" cy="5143500"/>
+          </a:xfrm>
+          <a:prstGeom prst="rect">
+            <a:avLst/>
+          </a:prstGeom>
+          <a:noFill/>
+          <a:extLst>
+            <a:ext uri="{909E8E84-426E-40DD-AFC4-6F175D3DCCD1}">
+              <a14:hiddenFill xmlns:a14="http://schemas.microsoft.com/office/drawing/2010/main">
+                <a:solidFill>
+                  <a:srgbClr val="FFFFFF"/>
+                </a:solidFill>
+              </a14:hiddenFill>
+            </a:ext>
+          </a:extLst>
+        </p:spPr>
+      </p:pic>
+      <p:pic>
+        <p:nvPicPr>
+          <p:cNvPr id="1028" name="Picture 4" descr="https://scontent.fsgn2-1.fna.fbcdn.net/v/t1.15752-9/42432140_245730812755771_2961047889490477056_n.png?_nc_cat=104&amp;oh=f90188e2294fa3eba223e21265064429&amp;oe=5C1EB7B3">
+            <a:extLst>
+              <a:ext uri="{FF2B5EF4-FFF2-40B4-BE49-F238E27FC236}">
+                <a16:creationId xmlns:a16="http://schemas.microsoft.com/office/drawing/2014/main" id="{7EE6B735-E4AD-433B-A1D5-66408C68676D}"/>
+              </a:ext>
+            </a:extLst>
+          </p:cNvPr>
+          <p:cNvPicPr>
+            <a:picLocks noGrp="1" noChangeAspect="1" noChangeArrowheads="1"/>
+          </p:cNvPicPr>
+          <p:nvPr>
+            <p:ph idx="10"/>
+          </p:nvPr>
+        </p:nvPicPr>
+        <p:blipFill>
+          <a:blip r:embed="rId3">
+            <a:extLst>
+              <a:ext uri="{28A0092B-C50C-407E-A947-70E740481C1C}">
+                <a14:useLocalDpi xmlns:a14="http://schemas.microsoft.com/office/drawing/2010/main" val="0"/>
+              </a:ext>
+            </a:extLst>
+          </a:blip>
+          <a:srcRect/>
+          <a:stretch>
+            <a:fillRect/>
+          </a:stretch>
+        </p:blipFill>
+        <p:spPr bwMode="auto">
+          <a:xfrm>
+            <a:off x="5381836" y="10332"/>
+            <a:ext cx="3087001" cy="5143638"/>
+          </a:xfrm>
+          <a:prstGeom prst="rect">
+            <a:avLst/>
+          </a:prstGeom>
+          <a:noFill/>
+          <a:extLst>
+            <a:ext uri="{909E8E84-426E-40DD-AFC4-6F175D3DCCD1}">
+              <a14:hiddenFill xmlns:a14="http://schemas.microsoft.com/office/drawing/2010/main">
+                <a:solidFill>
+                  <a:srgbClr val="FFFFFF"/>
+                </a:solidFill>
+              </a14:hiddenFill>
+            </a:ext>
+          </a:extLst>
+        </p:spPr>
+      </p:pic>
+    </p:spTree>
+    <p:extLst>
+      <p:ext uri="{BB962C8B-B14F-4D97-AF65-F5344CB8AC3E}">
+        <p14:creationId xmlns:p14="http://schemas.microsoft.com/office/powerpoint/2010/main" val="4252703882"/>
+      </p:ext>
+    </p:extLst>
+  </p:cSld>
+  <p:clrMapOvr>
+    <a:masterClrMapping/>
+  </p:clrMapOvr>
+</p:sld>
+</file>
+
+<file path=ppt/slides/slide12.xml><?xml version="1.0" encoding="utf-8"?>
+<p:sld xmlns:a="http://schemas.openxmlformats.org/drawingml/2006/main" xmlns:r="http://schemas.openxmlformats.org/officeDocument/2006/relationships" xmlns:p="http://schemas.openxmlformats.org/presentationml/2006/main">
+  <p:cSld>
+    <p:spTree>
+      <p:nvGrpSpPr>
+        <p:cNvPr id="1" name=""/>
+        <p:cNvGrpSpPr/>
+        <p:nvPr/>
+      </p:nvGrpSpPr>
+      <p:grpSpPr>
+        <a:xfrm>
+          <a:off x="0" y="0"/>
+          <a:ext cx="0" cy="0"/>
+          <a:chOff x="0" y="0"/>
+          <a:chExt cx="0" cy="0"/>
+        </a:xfrm>
+      </p:grpSpPr>
+      <p:sp>
+        <p:nvSpPr>
+          <p:cNvPr id="2" name="Title 1">
+            <a:extLst>
+              <a:ext uri="{FF2B5EF4-FFF2-40B4-BE49-F238E27FC236}">
+                <a16:creationId xmlns:a16="http://schemas.microsoft.com/office/drawing/2014/main" id="{941DCB5A-E8D0-4D93-8C9F-D8F812BC176A}"/>
+              </a:ext>
+            </a:extLst>
+          </p:cNvPr>
+          <p:cNvSpPr>
+            <a:spLocks noGrp="1"/>
+          </p:cNvSpPr>
+          <p:nvPr>
+            <p:ph type="title"/>
+          </p:nvPr>
+        </p:nvSpPr>
+        <p:spPr/>
+        <p:txBody>
+          <a:bodyPr/>
+          <a:lstStyle/>
+          <a:p>
+            <a:endParaRPr lang="en-US" dirty="0"/>
+          </a:p>
+        </p:txBody>
+      </p:sp>
+      <p:sp>
+        <p:nvSpPr>
+          <p:cNvPr id="3" name="Content Placeholder 2">
+            <a:extLst>
+              <a:ext uri="{FF2B5EF4-FFF2-40B4-BE49-F238E27FC236}">
+                <a16:creationId xmlns:a16="http://schemas.microsoft.com/office/drawing/2014/main" id="{354C96DA-E706-45DA-BE01-21FECEBE12D7}"/>
+              </a:ext>
+            </a:extLst>
+          </p:cNvPr>
+          <p:cNvSpPr>
+            <a:spLocks noGrp="1"/>
+          </p:cNvSpPr>
+          <p:nvPr>
+            <p:ph idx="1"/>
+          </p:nvPr>
+        </p:nvSpPr>
+        <p:spPr/>
+        <p:txBody>
+          <a:bodyPr/>
+          <a:lstStyle/>
+          <a:p>
+            <a:endParaRPr lang="en-US"/>
+          </a:p>
+        </p:txBody>
+      </p:sp>
+      <p:sp>
+        <p:nvSpPr>
+          <p:cNvPr id="4" name="Content Placeholder 3">
+            <a:extLst>
+              <a:ext uri="{FF2B5EF4-FFF2-40B4-BE49-F238E27FC236}">
+                <a16:creationId xmlns:a16="http://schemas.microsoft.com/office/drawing/2014/main" id="{48A98D00-4C26-4A2B-B53E-685B614C1B17}"/>
+              </a:ext>
+            </a:extLst>
+          </p:cNvPr>
+          <p:cNvSpPr>
+            <a:spLocks noGrp="1"/>
+          </p:cNvSpPr>
+          <p:nvPr>
+            <p:ph idx="10"/>
+          </p:nvPr>
+        </p:nvSpPr>
+        <p:spPr/>
+        <p:txBody>
+          <a:bodyPr/>
+          <a:lstStyle/>
+          <a:p>
+            <a:endParaRPr lang="en-US" dirty="0"/>
+          </a:p>
+        </p:txBody>
+      </p:sp>
+      <p:pic>
+        <p:nvPicPr>
+          <p:cNvPr id="2050" name="Picture 2" descr="https://scontent.fsgn2-3.fna.fbcdn.net/v/t1.15752-9/42421092_322450695187407_3018720779060641792_n.png?_nc_cat=110&amp;oh=97c95c5bbaec8924895c92e0afabd3eb&amp;oe=5C5AC6A5">
+            <a:extLst>
+              <a:ext uri="{FF2B5EF4-FFF2-40B4-BE49-F238E27FC236}">
+                <a16:creationId xmlns:a16="http://schemas.microsoft.com/office/drawing/2014/main" id="{65434306-59CA-4B7D-916C-527719B07D07}"/>
+              </a:ext>
+            </a:extLst>
+          </p:cNvPr>
+          <p:cNvPicPr>
+            <a:picLocks noChangeAspect="1" noChangeArrowheads="1"/>
+          </p:cNvPicPr>
+          <p:nvPr/>
+        </p:nvPicPr>
+        <p:blipFill>
+          <a:blip r:embed="rId2">
+            <a:extLst>
+              <a:ext uri="{28A0092B-C50C-407E-A947-70E740481C1C}">
+                <a14:useLocalDpi xmlns:a14="http://schemas.microsoft.com/office/drawing/2010/main" val="0"/>
+              </a:ext>
+            </a:extLst>
+          </a:blip>
+          <a:srcRect/>
+          <a:stretch>
+            <a:fillRect/>
+          </a:stretch>
+        </p:blipFill>
+        <p:spPr bwMode="auto">
+          <a:xfrm>
+            <a:off x="1619672" y="0"/>
+            <a:ext cx="2894013" cy="5143500"/>
+          </a:xfrm>
+          <a:prstGeom prst="rect">
+            <a:avLst/>
+          </a:prstGeom>
+          <a:noFill/>
+          <a:extLst>
+            <a:ext uri="{909E8E84-426E-40DD-AFC4-6F175D3DCCD1}">
+              <a14:hiddenFill xmlns:a14="http://schemas.microsoft.com/office/drawing/2010/main">
+                <a:solidFill>
+                  <a:srgbClr val="FFFFFF"/>
+                </a:solidFill>
+              </a14:hiddenFill>
+            </a:ext>
+          </a:extLst>
+        </p:spPr>
+      </p:pic>
+      <p:pic>
+        <p:nvPicPr>
+          <p:cNvPr id="2056" name="Picture 8" descr="https://scontent.fsgn2-1.fna.fbcdn.net/v/t1.15752-9/42391171_1317478178388229_7564961928372551680_n.png?_nc_cat=105&amp;oh=8afe53360d7a9ce876590852f16a1f3b&amp;oe=5C1CE8D5">
+            <a:extLst>
+              <a:ext uri="{FF2B5EF4-FFF2-40B4-BE49-F238E27FC236}">
+                <a16:creationId xmlns:a16="http://schemas.microsoft.com/office/drawing/2014/main" id="{09FF2813-C5A7-430E-A45F-2FFF7690BF2D}"/>
+              </a:ext>
+            </a:extLst>
+          </p:cNvPr>
+          <p:cNvPicPr>
+            <a:picLocks noChangeAspect="1" noChangeArrowheads="1"/>
+          </p:cNvPicPr>
+          <p:nvPr/>
+        </p:nvPicPr>
+        <p:blipFill>
+          <a:blip r:embed="rId3">
+            <a:extLst>
+              <a:ext uri="{28A0092B-C50C-407E-A947-70E740481C1C}">
+                <a14:useLocalDpi xmlns:a14="http://schemas.microsoft.com/office/drawing/2010/main" val="0"/>
+              </a:ext>
+            </a:extLst>
+          </a:blip>
+          <a:srcRect/>
+          <a:stretch>
+            <a:fillRect/>
+          </a:stretch>
+        </p:blipFill>
+        <p:spPr bwMode="auto">
+          <a:xfrm>
+            <a:off x="5446440" y="0"/>
+            <a:ext cx="2894013" cy="5143500"/>
+          </a:xfrm>
+          <a:prstGeom prst="rect">
+            <a:avLst/>
+          </a:prstGeom>
+          <a:noFill/>
+          <a:extLst>
+            <a:ext uri="{909E8E84-426E-40DD-AFC4-6F175D3DCCD1}">
+              <a14:hiddenFill xmlns:a14="http://schemas.microsoft.com/office/drawing/2010/main">
+                <a:solidFill>
+                  <a:srgbClr val="FFFFFF"/>
+                </a:solidFill>
+              </a14:hiddenFill>
+            </a:ext>
+          </a:extLst>
+        </p:spPr>
+      </p:pic>
+    </p:spTree>
+    <p:extLst>
+      <p:ext uri="{BB962C8B-B14F-4D97-AF65-F5344CB8AC3E}">
+        <p14:creationId xmlns:p14="http://schemas.microsoft.com/office/powerpoint/2010/main" val="3125041949"/>
+      </p:ext>
+    </p:extLst>
+  </p:cSld>
+  <p:clrMapOvr>
+    <a:masterClrMapping/>
+  </p:clrMapOvr>
+</p:sld>
+</file>
+
+<file path=ppt/slides/slide13.xml><?xml version="1.0" encoding="utf-8"?>
+<p:sld xmlns:a="http://schemas.openxmlformats.org/drawingml/2006/main" xmlns:r="http://schemas.openxmlformats.org/officeDocument/2006/relationships" xmlns:p="http://schemas.openxmlformats.org/presentationml/2006/main">
+  <p:cSld>
+    <p:spTree>
+      <p:nvGrpSpPr>
+        <p:cNvPr id="1" name=""/>
+        <p:cNvGrpSpPr/>
+        <p:nvPr/>
+      </p:nvGrpSpPr>
+      <p:grpSpPr>
+        <a:xfrm>
+          <a:off x="0" y="0"/>
+          <a:ext cx="0" cy="0"/>
+          <a:chOff x="0" y="0"/>
+          <a:chExt cx="0" cy="0"/>
+        </a:xfrm>
+      </p:grpSpPr>
+      <p:sp>
+        <p:nvSpPr>
+          <p:cNvPr id="2" name="Title 1">
+            <a:extLst>
+              <a:ext uri="{FF2B5EF4-FFF2-40B4-BE49-F238E27FC236}">
+                <a16:creationId xmlns:a16="http://schemas.microsoft.com/office/drawing/2014/main" id="{DF7333DC-1612-4A1F-AE55-EDE10BEB0B45}"/>
+              </a:ext>
+            </a:extLst>
+          </p:cNvPr>
+          <p:cNvSpPr>
+            <a:spLocks noGrp="1"/>
+          </p:cNvSpPr>
+          <p:nvPr>
+            <p:ph type="title"/>
+          </p:nvPr>
+        </p:nvSpPr>
+        <p:spPr/>
+        <p:txBody>
+          <a:bodyPr/>
+          <a:lstStyle/>
+          <a:p>
+            <a:endParaRPr lang="en-US"/>
+          </a:p>
+        </p:txBody>
+      </p:sp>
+      <p:sp>
+        <p:nvSpPr>
+          <p:cNvPr id="3" name="Content Placeholder 2">
+            <a:extLst>
+              <a:ext uri="{FF2B5EF4-FFF2-40B4-BE49-F238E27FC236}">
+                <a16:creationId xmlns:a16="http://schemas.microsoft.com/office/drawing/2014/main" id="{263974F6-DAE1-4994-BB9E-9C95E3EECE04}"/>
+              </a:ext>
+            </a:extLst>
+          </p:cNvPr>
+          <p:cNvSpPr>
+            <a:spLocks noGrp="1"/>
+          </p:cNvSpPr>
+          <p:nvPr>
+            <p:ph idx="1"/>
+          </p:nvPr>
+        </p:nvSpPr>
+        <p:spPr/>
+        <p:txBody>
+          <a:bodyPr/>
+          <a:lstStyle/>
+          <a:p>
+            <a:endParaRPr lang="en-US"/>
+          </a:p>
+        </p:txBody>
+      </p:sp>
+      <p:sp>
+        <p:nvSpPr>
+          <p:cNvPr id="4" name="Content Placeholder 3">
+            <a:extLst>
+              <a:ext uri="{FF2B5EF4-FFF2-40B4-BE49-F238E27FC236}">
+                <a16:creationId xmlns:a16="http://schemas.microsoft.com/office/drawing/2014/main" id="{29894061-FED7-49F5-96BD-1112CE8CE71A}"/>
+              </a:ext>
+            </a:extLst>
+          </p:cNvPr>
+          <p:cNvSpPr>
+            <a:spLocks noGrp="1"/>
+          </p:cNvSpPr>
+          <p:nvPr>
+            <p:ph idx="10"/>
+          </p:nvPr>
+        </p:nvSpPr>
+        <p:spPr/>
+        <p:txBody>
+          <a:bodyPr/>
+          <a:lstStyle/>
+          <a:p>
+            <a:endParaRPr lang="en-US" dirty="0"/>
+          </a:p>
+        </p:txBody>
+      </p:sp>
+      <p:pic>
+        <p:nvPicPr>
+          <p:cNvPr id="3074" name="Picture 2" descr="https://scontent.fsgn2-2.fna.fbcdn.net/v/t1.15752-9/42382649_2147045882179913_6357243796484259840_n.png?_nc_cat=102&amp;oh=6ddf60ebb8377d33f850e31a9cffbe76&amp;oe=5C633293">
+            <a:extLst>
+              <a:ext uri="{FF2B5EF4-FFF2-40B4-BE49-F238E27FC236}">
+                <a16:creationId xmlns:a16="http://schemas.microsoft.com/office/drawing/2014/main" id="{C12F8522-1826-4A8A-BF2C-D5CFACDAC96B}"/>
+              </a:ext>
+            </a:extLst>
+          </p:cNvPr>
+          <p:cNvPicPr>
+            <a:picLocks noChangeAspect="1" noChangeArrowheads="1"/>
+          </p:cNvPicPr>
+          <p:nvPr/>
+        </p:nvPicPr>
+        <p:blipFill>
+          <a:blip r:embed="rId2">
+            <a:extLst>
+              <a:ext uri="{28A0092B-C50C-407E-A947-70E740481C1C}">
+                <a14:useLocalDpi xmlns:a14="http://schemas.microsoft.com/office/drawing/2010/main" val="0"/>
+              </a:ext>
+            </a:extLst>
+          </a:blip>
+          <a:srcRect/>
+          <a:stretch>
+            <a:fillRect/>
+          </a:stretch>
+        </p:blipFill>
+        <p:spPr bwMode="auto">
+          <a:xfrm>
+            <a:off x="1619672" y="0"/>
+            <a:ext cx="2894013" cy="5143500"/>
+          </a:xfrm>
+          <a:prstGeom prst="rect">
+            <a:avLst/>
+          </a:prstGeom>
+          <a:noFill/>
+          <a:extLst>
+            <a:ext uri="{909E8E84-426E-40DD-AFC4-6F175D3DCCD1}">
+              <a14:hiddenFill xmlns:a14="http://schemas.microsoft.com/office/drawing/2010/main">
+                <a:solidFill>
+                  <a:srgbClr val="FFFFFF"/>
+                </a:solidFill>
+              </a14:hiddenFill>
+            </a:ext>
+          </a:extLst>
+        </p:spPr>
+      </p:pic>
+      <p:pic>
+        <p:nvPicPr>
+          <p:cNvPr id="3076" name="Picture 4" descr="https://scontent.fsgn2-4.fna.fbcdn.net/v/t1.15752-9/42368348_1981423765488973_8946658233255198720_n.png?_nc_cat=109&amp;oh=af7904efe6284d9be79d63005ca48a91&amp;oe=5C182C1C">
+            <a:extLst>
+              <a:ext uri="{FF2B5EF4-FFF2-40B4-BE49-F238E27FC236}">
+                <a16:creationId xmlns:a16="http://schemas.microsoft.com/office/drawing/2014/main" id="{2BF1B129-8A4D-48C2-8CF9-5672765779E3}"/>
+              </a:ext>
+            </a:extLst>
+          </p:cNvPr>
+          <p:cNvPicPr>
+            <a:picLocks noChangeAspect="1" noChangeArrowheads="1"/>
+          </p:cNvPicPr>
+          <p:nvPr/>
+        </p:nvPicPr>
+        <p:blipFill>
+          <a:blip r:embed="rId3">
+            <a:extLst>
+              <a:ext uri="{28A0092B-C50C-407E-A947-70E740481C1C}">
+                <a14:useLocalDpi xmlns:a14="http://schemas.microsoft.com/office/drawing/2010/main" val="0"/>
+              </a:ext>
+            </a:extLst>
+          </a:blip>
+          <a:srcRect/>
+          <a:stretch>
+            <a:fillRect/>
+          </a:stretch>
+        </p:blipFill>
+        <p:spPr bwMode="auto">
+          <a:xfrm>
+            <a:off x="5446440" y="0"/>
+            <a:ext cx="2894013" cy="5143500"/>
+          </a:xfrm>
+          <a:prstGeom prst="rect">
+            <a:avLst/>
+          </a:prstGeom>
+          <a:noFill/>
+          <a:extLst>
+            <a:ext uri="{909E8E84-426E-40DD-AFC4-6F175D3DCCD1}">
+              <a14:hiddenFill xmlns:a14="http://schemas.microsoft.com/office/drawing/2010/main">
+                <a:solidFill>
+                  <a:srgbClr val="FFFFFF"/>
+                </a:solidFill>
+              </a14:hiddenFill>
+            </a:ext>
+          </a:extLst>
+        </p:spPr>
+      </p:pic>
+    </p:spTree>
+    <p:extLst>
+      <p:ext uri="{BB962C8B-B14F-4D97-AF65-F5344CB8AC3E}">
+        <p14:creationId xmlns:p14="http://schemas.microsoft.com/office/powerpoint/2010/main" val="1003136137"/>
+      </p:ext>
+    </p:extLst>
+  </p:cSld>
+  <p:clrMapOvr>
+    <a:masterClrMapping/>
+  </p:clrMapOvr>
+</p:sld>
+</file>
+
+<file path=ppt/slides/slide14.xml><?xml version="1.0" encoding="utf-8"?>
+<p:sld xmlns:a="http://schemas.openxmlformats.org/drawingml/2006/main" xmlns:r="http://schemas.openxmlformats.org/officeDocument/2006/relationships" xmlns:p="http://schemas.openxmlformats.org/presentationml/2006/main">
+  <p:cSld>
+    <p:spTree>
+      <p:nvGrpSpPr>
+        <p:cNvPr id="1" name=""/>
+        <p:cNvGrpSpPr/>
+        <p:nvPr/>
+      </p:nvGrpSpPr>
+      <p:grpSpPr>
+        <a:xfrm>
+          <a:off x="0" y="0"/>
+          <a:ext cx="0" cy="0"/>
+          <a:chOff x="0" y="0"/>
+          <a:chExt cx="0" cy="0"/>
+        </a:xfrm>
+      </p:grpSpPr>
+      <p:sp>
+        <p:nvSpPr>
+          <p:cNvPr id="2" name="Title 1">
+            <a:extLst>
+              <a:ext uri="{FF2B5EF4-FFF2-40B4-BE49-F238E27FC236}">
+                <a16:creationId xmlns:a16="http://schemas.microsoft.com/office/drawing/2014/main" id="{BAD81153-09E8-45C3-84C1-71F2C005F4FF}"/>
+              </a:ext>
+            </a:extLst>
+          </p:cNvPr>
+          <p:cNvSpPr>
+            <a:spLocks noGrp="1"/>
+          </p:cNvSpPr>
+          <p:nvPr>
+            <p:ph type="title"/>
+          </p:nvPr>
+        </p:nvSpPr>
+        <p:spPr/>
+        <p:txBody>
+          <a:bodyPr/>
+          <a:lstStyle/>
+          <a:p>
+            <a:endParaRPr lang="en-US"/>
+          </a:p>
+        </p:txBody>
+      </p:sp>
+      <p:sp>
+        <p:nvSpPr>
+          <p:cNvPr id="3" name="Content Placeholder 2">
+            <a:extLst>
+              <a:ext uri="{FF2B5EF4-FFF2-40B4-BE49-F238E27FC236}">
+                <a16:creationId xmlns:a16="http://schemas.microsoft.com/office/drawing/2014/main" id="{539620F6-BF4A-41A7-B5A8-5E8BDD42AB77}"/>
+              </a:ext>
+            </a:extLst>
+          </p:cNvPr>
+          <p:cNvSpPr>
+            <a:spLocks noGrp="1"/>
+          </p:cNvSpPr>
+          <p:nvPr>
+            <p:ph idx="1"/>
+          </p:nvPr>
+        </p:nvSpPr>
+        <p:spPr/>
+        <p:txBody>
+          <a:bodyPr/>
+          <a:lstStyle/>
+          <a:p>
+            <a:endParaRPr lang="en-US"/>
+          </a:p>
+        </p:txBody>
+      </p:sp>
+      <p:sp>
+        <p:nvSpPr>
+          <p:cNvPr id="4" name="Content Placeholder 3">
+            <a:extLst>
+              <a:ext uri="{FF2B5EF4-FFF2-40B4-BE49-F238E27FC236}">
+                <a16:creationId xmlns:a16="http://schemas.microsoft.com/office/drawing/2014/main" id="{F6DFFBE9-779F-4900-BC71-A2150C2A1011}"/>
+              </a:ext>
+            </a:extLst>
+          </p:cNvPr>
+          <p:cNvSpPr>
+            <a:spLocks noGrp="1"/>
+          </p:cNvSpPr>
+          <p:nvPr>
+            <p:ph idx="10"/>
+          </p:nvPr>
+        </p:nvSpPr>
+        <p:spPr/>
+        <p:txBody>
+          <a:bodyPr/>
+          <a:lstStyle/>
+          <a:p>
+            <a:endParaRPr lang="en-US" dirty="0"/>
+          </a:p>
+        </p:txBody>
+      </p:sp>
+      <p:pic>
+        <p:nvPicPr>
+          <p:cNvPr id="4098" name="Picture 2" descr="https://scontent.fsgn2-4.fna.fbcdn.net/v/t1.15752-9/42423080_678824219168361_3140325901804240896_n.png?_nc_cat=101&amp;oh=53a51b4940af15a6aee77cccfbbdbbc0&amp;oe=5C5D6589">
+            <a:extLst>
+              <a:ext uri="{FF2B5EF4-FFF2-40B4-BE49-F238E27FC236}">
+                <a16:creationId xmlns:a16="http://schemas.microsoft.com/office/drawing/2014/main" id="{B7FF8E15-C35C-49D3-B0B5-468A8F2F7834}"/>
+              </a:ext>
+            </a:extLst>
+          </p:cNvPr>
+          <p:cNvPicPr>
+            <a:picLocks noChangeAspect="1" noChangeArrowheads="1"/>
+          </p:cNvPicPr>
+          <p:nvPr/>
+        </p:nvPicPr>
+        <p:blipFill>
+          <a:blip r:embed="rId2">
+            <a:extLst>
+              <a:ext uri="{28A0092B-C50C-407E-A947-70E740481C1C}">
+                <a14:useLocalDpi xmlns:a14="http://schemas.microsoft.com/office/drawing/2010/main" val="0"/>
+              </a:ext>
+            </a:extLst>
+          </a:blip>
+          <a:srcRect/>
+          <a:stretch>
+            <a:fillRect/>
+          </a:stretch>
+        </p:blipFill>
+        <p:spPr bwMode="auto">
+          <a:xfrm>
+            <a:off x="1619672" y="0"/>
+            <a:ext cx="2894013" cy="5143500"/>
+          </a:xfrm>
+          <a:prstGeom prst="rect">
+            <a:avLst/>
+          </a:prstGeom>
+          <a:noFill/>
+          <a:extLst>
+            <a:ext uri="{909E8E84-426E-40DD-AFC4-6F175D3DCCD1}">
+              <a14:hiddenFill xmlns:a14="http://schemas.microsoft.com/office/drawing/2010/main">
+                <a:solidFill>
+                  <a:srgbClr val="FFFFFF"/>
+                </a:solidFill>
+              </a14:hiddenFill>
+            </a:ext>
+          </a:extLst>
+        </p:spPr>
+      </p:pic>
+      <p:pic>
+        <p:nvPicPr>
+          <p:cNvPr id="4100" name="Picture 4" descr="https://scontent.fsgn2-3.fna.fbcdn.net/v/t1.15752-9/42497116_243044386360647_8882920983007068160_n.png?_nc_cat=110&amp;oh=f1ee147a22b1d188f9615f466e0ce963&amp;oe=5C5AF734">
+            <a:extLst>
+              <a:ext uri="{FF2B5EF4-FFF2-40B4-BE49-F238E27FC236}">
+                <a16:creationId xmlns:a16="http://schemas.microsoft.com/office/drawing/2014/main" id="{61798B04-E3BA-4F19-998A-C0BA9EB76491}"/>
+              </a:ext>
+            </a:extLst>
+          </p:cNvPr>
+          <p:cNvPicPr>
+            <a:picLocks noChangeAspect="1" noChangeArrowheads="1"/>
+          </p:cNvPicPr>
+          <p:nvPr/>
+        </p:nvPicPr>
+        <p:blipFill>
+          <a:blip r:embed="rId3">
+            <a:extLst>
+              <a:ext uri="{28A0092B-C50C-407E-A947-70E740481C1C}">
+                <a14:useLocalDpi xmlns:a14="http://schemas.microsoft.com/office/drawing/2010/main" val="0"/>
+              </a:ext>
+            </a:extLst>
+          </a:blip>
+          <a:srcRect/>
+          <a:stretch>
+            <a:fillRect/>
+          </a:stretch>
+        </p:blipFill>
+        <p:spPr bwMode="auto">
+          <a:xfrm>
+            <a:off x="5381836" y="0"/>
+            <a:ext cx="2894013" cy="5143500"/>
+          </a:xfrm>
+          <a:prstGeom prst="rect">
+            <a:avLst/>
+          </a:prstGeom>
+          <a:noFill/>
+          <a:extLst>
+            <a:ext uri="{909E8E84-426E-40DD-AFC4-6F175D3DCCD1}">
+              <a14:hiddenFill xmlns:a14="http://schemas.microsoft.com/office/drawing/2010/main">
+                <a:solidFill>
+                  <a:srgbClr val="FFFFFF"/>
+                </a:solidFill>
+              </a14:hiddenFill>
+            </a:ext>
+          </a:extLst>
+        </p:spPr>
+      </p:pic>
+    </p:spTree>
+    <p:extLst>
+      <p:ext uri="{BB962C8B-B14F-4D97-AF65-F5344CB8AC3E}">
+        <p14:creationId xmlns:p14="http://schemas.microsoft.com/office/powerpoint/2010/main" val="931371264"/>
+      </p:ext>
+    </p:extLst>
+  </p:cSld>
+  <p:clrMapOvr>
+    <a:masterClrMapping/>
+  </p:clrMapOvr>
+</p:sld>
+</file>
+
+<file path=ppt/slides/slide15.xml><?xml version="1.0" encoding="utf-8"?>
+<p:sld xmlns:a="http://schemas.openxmlformats.org/drawingml/2006/main" xmlns:r="http://schemas.openxmlformats.org/officeDocument/2006/relationships" xmlns:p="http://schemas.openxmlformats.org/presentationml/2006/main">
+  <p:cSld>
+    <p:spTree>
+      <p:nvGrpSpPr>
+        <p:cNvPr id="1" name=""/>
+        <p:cNvGrpSpPr/>
+        <p:nvPr/>
+      </p:nvGrpSpPr>
+      <p:grpSpPr>
+        <a:xfrm>
+          <a:off x="0" y="0"/>
+          <a:ext cx="0" cy="0"/>
+          <a:chOff x="0" y="0"/>
+          <a:chExt cx="0" cy="0"/>
+        </a:xfrm>
+      </p:grpSpPr>
+      <p:sp>
+        <p:nvSpPr>
+          <p:cNvPr id="2" name="Title 1">
+            <a:extLst>
+              <a:ext uri="{FF2B5EF4-FFF2-40B4-BE49-F238E27FC236}">
+                <a16:creationId xmlns:a16="http://schemas.microsoft.com/office/drawing/2014/main" id="{65E5730A-4317-495E-A363-B330EF4FBF32}"/>
+              </a:ext>
+            </a:extLst>
+          </p:cNvPr>
+          <p:cNvSpPr>
+            <a:spLocks noGrp="1"/>
+          </p:cNvSpPr>
+          <p:nvPr>
+            <p:ph type="title"/>
+          </p:nvPr>
+        </p:nvSpPr>
+        <p:spPr/>
+        <p:txBody>
+          <a:bodyPr/>
+          <a:lstStyle/>
+          <a:p>
+            <a:endParaRPr lang="en-US"/>
+          </a:p>
+        </p:txBody>
+      </p:sp>
+      <p:sp>
+        <p:nvSpPr>
+          <p:cNvPr id="3" name="Content Placeholder 2">
+            <a:extLst>
+              <a:ext uri="{FF2B5EF4-FFF2-40B4-BE49-F238E27FC236}">
+                <a16:creationId xmlns:a16="http://schemas.microsoft.com/office/drawing/2014/main" id="{72FFF89B-323B-4DC1-96F0-B5C75D11E208}"/>
+              </a:ext>
+            </a:extLst>
+          </p:cNvPr>
+          <p:cNvSpPr>
+            <a:spLocks noGrp="1"/>
+          </p:cNvSpPr>
+          <p:nvPr>
+            <p:ph idx="1"/>
+          </p:nvPr>
+        </p:nvSpPr>
+        <p:spPr/>
+        <p:txBody>
+          <a:bodyPr/>
+          <a:lstStyle/>
+          <a:p>
+            <a:endParaRPr lang="en-US"/>
+          </a:p>
+        </p:txBody>
+      </p:sp>
+      <p:sp>
+        <p:nvSpPr>
+          <p:cNvPr id="4" name="Content Placeholder 3">
+            <a:extLst>
+              <a:ext uri="{FF2B5EF4-FFF2-40B4-BE49-F238E27FC236}">
+                <a16:creationId xmlns:a16="http://schemas.microsoft.com/office/drawing/2014/main" id="{F51A2481-F404-4916-90CF-CE3D9B125178}"/>
+              </a:ext>
+            </a:extLst>
+          </p:cNvPr>
+          <p:cNvSpPr>
+            <a:spLocks noGrp="1"/>
+          </p:cNvSpPr>
+          <p:nvPr>
+            <p:ph idx="10"/>
+          </p:nvPr>
+        </p:nvSpPr>
+        <p:spPr/>
+        <p:txBody>
+          <a:bodyPr/>
+          <a:lstStyle/>
+          <a:p>
+            <a:endParaRPr lang="en-US"/>
+          </a:p>
+        </p:txBody>
+      </p:sp>
+      <p:pic>
+        <p:nvPicPr>
+          <p:cNvPr id="5122" name="Picture 2" descr="https://scontent.fsgn2-4.fna.fbcdn.net/v/t1.15752-9/42406712_1016859005160747_1783630550012002304_n.png?_nc_cat=101&amp;oh=d11933d3891b0e6d6eb2bdc1aad00e14&amp;oe=5C2DE137">
+            <a:extLst>
+              <a:ext uri="{FF2B5EF4-FFF2-40B4-BE49-F238E27FC236}">
+                <a16:creationId xmlns:a16="http://schemas.microsoft.com/office/drawing/2014/main" id="{18173701-F673-4D1D-8F64-A4DFD7CE5BFD}"/>
+              </a:ext>
+            </a:extLst>
+          </p:cNvPr>
+          <p:cNvPicPr>
+            <a:picLocks noChangeAspect="1" noChangeArrowheads="1"/>
+          </p:cNvPicPr>
+          <p:nvPr/>
+        </p:nvPicPr>
+        <p:blipFill>
+          <a:blip r:embed="rId2">
+            <a:extLst>
+              <a:ext uri="{28A0092B-C50C-407E-A947-70E740481C1C}">
+                <a14:useLocalDpi xmlns:a14="http://schemas.microsoft.com/office/drawing/2010/main" val="0"/>
+              </a:ext>
+            </a:extLst>
+          </a:blip>
+          <a:srcRect/>
+          <a:stretch>
+            <a:fillRect/>
+          </a:stretch>
+        </p:blipFill>
+        <p:spPr bwMode="auto">
+          <a:xfrm>
+            <a:off x="3934829" y="0"/>
+            <a:ext cx="2894013" cy="5143500"/>
+          </a:xfrm>
+          <a:prstGeom prst="rect">
+            <a:avLst/>
+          </a:prstGeom>
+          <a:noFill/>
+          <a:extLst>
+            <a:ext uri="{909E8E84-426E-40DD-AFC4-6F175D3DCCD1}">
+              <a14:hiddenFill xmlns:a14="http://schemas.microsoft.com/office/drawing/2010/main">
+                <a:solidFill>
+                  <a:srgbClr val="FFFFFF"/>
+                </a:solidFill>
+              </a14:hiddenFill>
+            </a:ext>
+          </a:extLst>
+        </p:spPr>
+      </p:pic>
+    </p:spTree>
+    <p:extLst>
+      <p:ext uri="{BB962C8B-B14F-4D97-AF65-F5344CB8AC3E}">
+        <p14:creationId xmlns:p14="http://schemas.microsoft.com/office/powerpoint/2010/main" val="2500407280"/>
+      </p:ext>
+    </p:extLst>
+  </p:cSld>
+  <p:clrMapOvr>
+    <a:masterClrMapping/>
+  </p:clrMapOvr>
+</p:sld>
+</file>
+
+<file path=ppt/slides/slide16.xml><?xml version="1.0" encoding="utf-8"?>
+<p:sld xmlns:a="http://schemas.openxmlformats.org/drawingml/2006/main" xmlns:r="http://schemas.openxmlformats.org/officeDocument/2006/relationships" xmlns:p="http://schemas.openxmlformats.org/presentationml/2006/main">
+  <p:cSld>
+    <p:spTree>
+      <p:nvGrpSpPr>
+        <p:cNvPr id="1" name=""/>
+        <p:cNvGrpSpPr/>
+        <p:nvPr/>
+      </p:nvGrpSpPr>
+      <p:grpSpPr>
+        <a:xfrm>
+          <a:off x="0" y="0"/>
+          <a:ext cx="0" cy="0"/>
+          <a:chOff x="0" y="0"/>
+          <a:chExt cx="0" cy="0"/>
+        </a:xfrm>
+      </p:grpSpPr>
+      <p:sp>
+        <p:nvSpPr>
+          <p:cNvPr id="2" name="Title 1">
+            <a:extLst>
+              <a:ext uri="{FF2B5EF4-FFF2-40B4-BE49-F238E27FC236}">
+                <a16:creationId xmlns:a16="http://schemas.microsoft.com/office/drawing/2014/main" id="{E0EF7944-5E71-4265-B378-01176C627B25}"/>
+              </a:ext>
+            </a:extLst>
+          </p:cNvPr>
+          <p:cNvSpPr>
+            <a:spLocks noGrp="1"/>
+          </p:cNvSpPr>
+          <p:nvPr>
+            <p:ph type="title"/>
+          </p:nvPr>
+        </p:nvSpPr>
+        <p:spPr/>
+        <p:txBody>
+          <a:bodyPr/>
+          <a:lstStyle/>
+          <a:p>
+            <a:pPr algn="ctr"/>
+            <a:r>
+              <a:rPr lang="en-US" dirty="0"/>
+              <a:t>Demo &amp; QA</a:t>
+            </a:r>
+          </a:p>
+        </p:txBody>
+      </p:sp>
+      <p:sp>
+        <p:nvSpPr>
+          <p:cNvPr id="3" name="Content Placeholder 2">
+            <a:extLst>
+              <a:ext uri="{FF2B5EF4-FFF2-40B4-BE49-F238E27FC236}">
+                <a16:creationId xmlns:a16="http://schemas.microsoft.com/office/drawing/2014/main" id="{9A417FAE-36D1-443B-81C0-DDC12AB91B54}"/>
+              </a:ext>
+            </a:extLst>
+          </p:cNvPr>
+          <p:cNvSpPr>
+            <a:spLocks noGrp="1"/>
+          </p:cNvSpPr>
+          <p:nvPr>
+            <p:ph idx="1"/>
+          </p:nvPr>
+        </p:nvSpPr>
+        <p:spPr/>
+        <p:txBody>
+          <a:bodyPr/>
+          <a:lstStyle/>
+          <a:p>
+            <a:endParaRPr lang="en-US" dirty="0"/>
+          </a:p>
+        </p:txBody>
+      </p:sp>
+      <p:sp>
+        <p:nvSpPr>
+          <p:cNvPr id="4" name="Content Placeholder 3">
+            <a:extLst>
+              <a:ext uri="{FF2B5EF4-FFF2-40B4-BE49-F238E27FC236}">
+                <a16:creationId xmlns:a16="http://schemas.microsoft.com/office/drawing/2014/main" id="{3A90DA3A-81AF-4D69-8CE7-86320F56242E}"/>
+              </a:ext>
+            </a:extLst>
+          </p:cNvPr>
+          <p:cNvSpPr>
+            <a:spLocks noGrp="1"/>
+          </p:cNvSpPr>
+          <p:nvPr>
+            <p:ph idx="10"/>
+          </p:nvPr>
+        </p:nvSpPr>
+        <p:spPr/>
+        <p:txBody>
+          <a:bodyPr/>
+          <a:lstStyle/>
+          <a:p>
+            <a:endParaRPr lang="en-US"/>
+          </a:p>
+        </p:txBody>
+      </p:sp>
+    </p:spTree>
+    <p:extLst>
+      <p:ext uri="{BB962C8B-B14F-4D97-AF65-F5344CB8AC3E}">
+        <p14:creationId xmlns:p14="http://schemas.microsoft.com/office/powerpoint/2010/main" val="1864280503"/>
+      </p:ext>
+    </p:extLst>
+  </p:cSld>
+  <p:clrMapOvr>
+    <a:masterClrMapping/>
+  </p:clrMapOvr>
+</p:sld>
+</file>
+
+<file path=ppt/slides/slide17.xml><?xml version="1.0" encoding="utf-8"?>
+<p:sld xmlns:a="http://schemas.openxmlformats.org/drawingml/2006/main" xmlns:r="http://schemas.openxmlformats.org/officeDocument/2006/relationships" xmlns:p="http://schemas.openxmlformats.org/presentationml/2006/main">
+  <p:cSld>
+    <p:spTree>
+      <p:nvGrpSpPr>
+        <p:cNvPr id="1" name=""/>
+        <p:cNvGrpSpPr/>
+        <p:nvPr/>
+      </p:nvGrpSpPr>
+      <p:grpSpPr>
+        <a:xfrm>
+          <a:off x="0" y="0"/>
+          <a:ext cx="0" cy="0"/>
+          <a:chOff x="0" y="0"/>
+          <a:chExt cx="0" cy="0"/>
+        </a:xfrm>
+      </p:grpSpPr>
+      <p:sp>
+        <p:nvSpPr>
+          <p:cNvPr id="2" name="Title 1">
+            <a:extLst>
+              <a:ext uri="{FF2B5EF4-FFF2-40B4-BE49-F238E27FC236}">
+                <a16:creationId xmlns:a16="http://schemas.microsoft.com/office/drawing/2014/main" id="{F940B56C-16C9-4D74-A7DA-3EB0399AA68C}"/>
+              </a:ext>
+            </a:extLst>
+          </p:cNvPr>
+          <p:cNvSpPr>
+            <a:spLocks noGrp="1"/>
+          </p:cNvSpPr>
+          <p:nvPr>
+            <p:ph type="title"/>
+          </p:nvPr>
+        </p:nvSpPr>
+        <p:spPr/>
+        <p:txBody>
+          <a:bodyPr/>
+          <a:lstStyle/>
+          <a:p>
+            <a:endParaRPr lang="en-US"/>
+          </a:p>
+        </p:txBody>
+      </p:sp>
+      <p:sp>
+        <p:nvSpPr>
+          <p:cNvPr id="3" name="Content Placeholder 2">
+            <a:extLst>
+              <a:ext uri="{FF2B5EF4-FFF2-40B4-BE49-F238E27FC236}">
+                <a16:creationId xmlns:a16="http://schemas.microsoft.com/office/drawing/2014/main" id="{68C62980-A39B-45CA-A66F-D9ABD4D67807}"/>
+              </a:ext>
+            </a:extLst>
+          </p:cNvPr>
+          <p:cNvSpPr>
+            <a:spLocks noGrp="1"/>
+          </p:cNvSpPr>
+          <p:nvPr>
+            <p:ph idx="1"/>
+          </p:nvPr>
+        </p:nvSpPr>
+        <p:spPr/>
+        <p:txBody>
+          <a:bodyPr/>
+          <a:lstStyle/>
+          <a:p>
+            <a:endParaRPr lang="en-US"/>
+          </a:p>
+        </p:txBody>
+      </p:sp>
+      <p:sp>
+        <p:nvSpPr>
+          <p:cNvPr id="4" name="Content Placeholder 3">
+            <a:extLst>
+              <a:ext uri="{FF2B5EF4-FFF2-40B4-BE49-F238E27FC236}">
+                <a16:creationId xmlns:a16="http://schemas.microsoft.com/office/drawing/2014/main" id="{627A7CCD-36C4-416D-8FE7-8AEE86CCE8AB}"/>
+              </a:ext>
+            </a:extLst>
+          </p:cNvPr>
+          <p:cNvSpPr>
+            <a:spLocks noGrp="1"/>
+          </p:cNvSpPr>
+          <p:nvPr>
+            <p:ph idx="10"/>
+          </p:nvPr>
+        </p:nvSpPr>
+        <p:spPr/>
+        <p:txBody>
+          <a:bodyPr/>
+          <a:lstStyle/>
+          <a:p>
+            <a:pPr algn="ctr"/>
+            <a:r>
+              <a:rPr lang="en-US" sz="6600">
+                <a:effectLst>
+                  <a:outerShdw blurRad="38100" dist="38100" dir="2700000" algn="tl">
+                    <a:srgbClr val="000000">
+                      <a:alpha val="43137"/>
+                    </a:srgbClr>
+                  </a:outerShdw>
+                </a:effectLst>
+              </a:rPr>
+              <a:t>Thanks for </a:t>
+            </a:r>
+            <a:r>
+              <a:rPr lang="en-US" sz="6600" dirty="0">
+                <a:effectLst>
+                  <a:outerShdw blurRad="38100" dist="38100" dir="2700000" algn="tl">
+                    <a:srgbClr val="000000">
+                      <a:alpha val="43137"/>
+                    </a:srgbClr>
+                  </a:outerShdw>
+                </a:effectLst>
+              </a:rPr>
+              <a:t>Watching!</a:t>
+            </a:r>
+          </a:p>
+        </p:txBody>
+      </p:sp>
+    </p:spTree>
+    <p:extLst>
+      <p:ext uri="{BB962C8B-B14F-4D97-AF65-F5344CB8AC3E}">
+        <p14:creationId xmlns:p14="http://schemas.microsoft.com/office/powerpoint/2010/main" val="2116652388"/>
       </p:ext>
     </p:extLst>
   </p:cSld>
